--- a/angularjs/slides/05_Directives.pptx
+++ b/angularjs/slides/05_Directives.pptx
@@ -5,10 +5,10 @@
     <p:sldMasterId id="2147483772" r:id="rId1"/>
   </p:sldMasterIdLst>
   <p:notesMasterIdLst>
-    <p:notesMasterId r:id="rId22"/>
+    <p:notesMasterId r:id="rId16"/>
   </p:notesMasterIdLst>
   <p:handoutMasterIdLst>
-    <p:handoutMasterId r:id="rId23"/>
+    <p:handoutMasterId r:id="rId17"/>
   </p:handoutMasterIdLst>
   <p:sldIdLst>
     <p:sldId id="327" r:id="rId2"/>
@@ -17,20 +17,14 @@
     <p:sldId id="348" r:id="rId5"/>
     <p:sldId id="349" r:id="rId6"/>
     <p:sldId id="352" r:id="rId7"/>
-    <p:sldId id="353" r:id="rId8"/>
-    <p:sldId id="350" r:id="rId9"/>
-    <p:sldId id="351" r:id="rId10"/>
-    <p:sldId id="354" r:id="rId11"/>
-    <p:sldId id="355" r:id="rId12"/>
-    <p:sldId id="356" r:id="rId13"/>
-    <p:sldId id="357" r:id="rId14"/>
-    <p:sldId id="358" r:id="rId15"/>
-    <p:sldId id="360" r:id="rId16"/>
-    <p:sldId id="359" r:id="rId17"/>
-    <p:sldId id="361" r:id="rId18"/>
-    <p:sldId id="362" r:id="rId19"/>
-    <p:sldId id="363" r:id="rId20"/>
-    <p:sldId id="345" r:id="rId21"/>
+    <p:sldId id="364" r:id="rId8"/>
+    <p:sldId id="353" r:id="rId9"/>
+    <p:sldId id="354" r:id="rId10"/>
+    <p:sldId id="365" r:id="rId11"/>
+    <p:sldId id="363" r:id="rId12"/>
+    <p:sldId id="355" r:id="rId13"/>
+    <p:sldId id="356" r:id="rId14"/>
+    <p:sldId id="345" r:id="rId15"/>
   </p:sldIdLst>
   <p:sldSz cx="9144000" cy="6858000" type="screen4x3"/>
   <p:notesSz cx="7302500" cy="9588500"/>
@@ -283,7 +277,7 @@
               <a:pPr>
                 <a:defRPr/>
               </a:pPr>
-              <a:t>11/24/2013</a:t>
+              <a:t>12/1/2013</a:t>
             </a:fld>
             <a:endParaRPr lang="en-US"/>
           </a:p>
@@ -2597,8 +2591,8 @@
           <a:lstStyle/>
           <a:p>
             <a:r>
-              <a:rPr lang="en-US" dirty="0" smtClean="0"/>
-              <a:t>Directive Templates</a:t>
+              <a:rPr lang="en-US" dirty="0" err="1" smtClean="0"/>
+              <a:t>Transclusion</a:t>
             </a:r>
             <a:endParaRPr lang="en-US" dirty="0"/>
           </a:p>
@@ -2619,14 +2613,52 @@
           <a:bodyPr/>
           <a:lstStyle/>
           <a:p>
-            <a:endParaRPr lang="en-US"/>
+            <a:r>
+              <a:rPr lang="en-US" dirty="0" smtClean="0"/>
+              <a:t>Include original content into template</a:t>
+            </a:r>
+            <a:endParaRPr lang="en-US" dirty="0"/>
           </a:p>
         </p:txBody>
       </p:sp>
+      <p:pic>
+        <p:nvPicPr>
+          <p:cNvPr id="4" name="Picture 3"/>
+          <p:cNvPicPr>
+            <a:picLocks noChangeAspect="1"/>
+          </p:cNvPicPr>
+          <p:nvPr/>
+        </p:nvPicPr>
+        <p:blipFill>
+          <a:blip r:embed="rId2"/>
+          <a:stretch>
+            <a:fillRect/>
+          </a:stretch>
+        </p:blipFill>
+        <p:spPr>
+          <a:xfrm>
+            <a:off x="1319212" y="2628900"/>
+            <a:ext cx="6505575" cy="1600200"/>
+          </a:xfrm>
+          <a:prstGeom prst="rect">
+            <a:avLst/>
+          </a:prstGeom>
+          <a:ln>
+            <a:noFill/>
+          </a:ln>
+          <a:effectLst>
+            <a:outerShdw blurRad="292100" dist="139700" dir="2700000" algn="tl" rotWithShape="0">
+              <a:srgbClr val="333333">
+                <a:alpha val="65000"/>
+              </a:srgbClr>
+            </a:outerShdw>
+          </a:effectLst>
+        </p:spPr>
+      </p:pic>
     </p:spTree>
     <p:extLst>
       <p:ext uri="{BB962C8B-B14F-4D97-AF65-F5344CB8AC3E}">
-        <p14:creationId xmlns:p14="http://schemas.microsoft.com/office/powerpoint/2010/main" val="787836262"/>
+        <p14:creationId xmlns:p14="http://schemas.microsoft.com/office/powerpoint/2010/main" val="1097313718"/>
       </p:ext>
     </p:extLst>
   </p:cSld>
@@ -2673,7 +2705,7 @@
           <a:p>
             <a:r>
               <a:rPr lang="en-US" dirty="0" smtClean="0"/>
-              <a:t>Directives and Scope</a:t>
+              <a:t>Compile and Link</a:t>
             </a:r>
             <a:endParaRPr lang="en-US" dirty="0"/>
           </a:p>
@@ -2694,14 +2726,57 @@
           <a:bodyPr/>
           <a:lstStyle/>
           <a:p>
-            <a:endParaRPr lang="en-US"/>
+            <a:r>
+              <a:rPr lang="en-US" dirty="0" smtClean="0"/>
+              <a:t>Compile: transforms the template</a:t>
+            </a:r>
+          </a:p>
+          <a:p>
+            <a:r>
+              <a:rPr lang="en-US" dirty="0" smtClean="0"/>
+              <a:t>Link: Modify data in the view (DOM)</a:t>
+            </a:r>
           </a:p>
         </p:txBody>
       </p:sp>
+      <p:pic>
+        <p:nvPicPr>
+          <p:cNvPr id="4" name="Picture 3"/>
+          <p:cNvPicPr>
+            <a:picLocks noChangeAspect="1"/>
+          </p:cNvPicPr>
+          <p:nvPr/>
+        </p:nvPicPr>
+        <p:blipFill>
+          <a:blip r:embed="rId2"/>
+          <a:stretch>
+            <a:fillRect/>
+          </a:stretch>
+        </p:blipFill>
+        <p:spPr>
+          <a:xfrm>
+            <a:off x="2514600" y="2690812"/>
+            <a:ext cx="4114800" cy="1476375"/>
+          </a:xfrm>
+          <a:prstGeom prst="rect">
+            <a:avLst/>
+          </a:prstGeom>
+          <a:ln>
+            <a:noFill/>
+          </a:ln>
+          <a:effectLst>
+            <a:outerShdw blurRad="292100" dist="139700" dir="2700000" algn="tl" rotWithShape="0">
+              <a:srgbClr val="333333">
+                <a:alpha val="65000"/>
+              </a:srgbClr>
+            </a:outerShdw>
+          </a:effectLst>
+        </p:spPr>
+      </p:pic>
     </p:spTree>
     <p:extLst>
       <p:ext uri="{BB962C8B-B14F-4D97-AF65-F5344CB8AC3E}">
-        <p14:creationId xmlns:p14="http://schemas.microsoft.com/office/powerpoint/2010/main" val="1347379776"/>
+        <p14:creationId xmlns:p14="http://schemas.microsoft.com/office/powerpoint/2010/main" val="3624257315"/>
       </p:ext>
     </p:extLst>
   </p:cSld>
@@ -2748,7 +2823,7 @@
           <a:p>
             <a:r>
               <a:rPr lang="en-US" dirty="0" smtClean="0"/>
-              <a:t>Isolated Scopes</a:t>
+              <a:t>Directives and Scope</a:t>
             </a:r>
             <a:endParaRPr lang="en-US" dirty="0"/>
           </a:p>
@@ -2769,14 +2844,47 @@
           <a:bodyPr/>
           <a:lstStyle/>
           <a:p>
-            <a:endParaRPr lang="en-US"/>
+            <a:r>
+              <a:rPr lang="en-US" dirty="0" smtClean="0"/>
+              <a:t>Three options</a:t>
+            </a:r>
+          </a:p>
+          <a:p>
+            <a:pPr lvl="1"/>
+            <a:r>
+              <a:rPr lang="en-US" dirty="0" smtClean="0"/>
+              <a:t>Use existing scope (default)</a:t>
+            </a:r>
+          </a:p>
+          <a:p>
+            <a:pPr lvl="1"/>
+            <a:r>
+              <a:rPr lang="en-US" dirty="0" smtClean="0"/>
+              <a:t>Create a new inherited scope (</a:t>
+            </a:r>
+            <a:r>
+              <a:rPr lang="en-US" dirty="0" err="1" smtClean="0"/>
+              <a:t>scope:true</a:t>
+            </a:r>
+            <a:r>
+              <a:rPr lang="en-US" dirty="0" smtClean="0"/>
+              <a:t>)</a:t>
+            </a:r>
+          </a:p>
+          <a:p>
+            <a:pPr lvl="1"/>
+            <a:r>
+              <a:rPr lang="en-US" dirty="0" smtClean="0"/>
+              <a:t>Create an isolate scope ( scope: { } )</a:t>
+            </a:r>
+            <a:endParaRPr lang="en-US" dirty="0"/>
           </a:p>
         </p:txBody>
       </p:sp>
     </p:spTree>
     <p:extLst>
       <p:ext uri="{BB962C8B-B14F-4D97-AF65-F5344CB8AC3E}">
-        <p14:creationId xmlns:p14="http://schemas.microsoft.com/office/powerpoint/2010/main" val="2387280165"/>
+        <p14:creationId xmlns:p14="http://schemas.microsoft.com/office/powerpoint/2010/main" val="1347379776"/>
       </p:ext>
     </p:extLst>
   </p:cSld>
@@ -2823,7 +2931,7 @@
           <a:p>
             <a:r>
               <a:rPr lang="en-US" dirty="0" smtClean="0"/>
-              <a:t>Isolated Scope Binding</a:t>
+              <a:t>Isolated Scopes</a:t>
             </a:r>
             <a:endParaRPr lang="en-US" dirty="0"/>
           </a:p>
@@ -2844,14 +2952,90 @@
           <a:bodyPr/>
           <a:lstStyle/>
           <a:p>
-            <a:endParaRPr lang="en-US"/>
+            <a:r>
+              <a:rPr lang="en-US" dirty="0" smtClean="0"/>
+              <a:t>No inherited access to parent scope</a:t>
+            </a:r>
+          </a:p>
+          <a:p>
+            <a:pPr lvl="1"/>
+            <a:r>
+              <a:rPr lang="en-US" dirty="0" smtClean="0"/>
+              <a:t>Still have $parent property</a:t>
+            </a:r>
+          </a:p>
+          <a:p>
+            <a:r>
+              <a:rPr lang="en-US" dirty="0" smtClean="0"/>
+              <a:t>Isolated scope good for reusable widgets</a:t>
+            </a:r>
+          </a:p>
+          <a:p>
+            <a:pPr lvl="1"/>
+            <a:r>
+              <a:rPr lang="en-US" dirty="0" smtClean="0"/>
+              <a:t>Don’t want 2 directives sharing same scope </a:t>
+            </a:r>
+          </a:p>
+          <a:p>
+            <a:pPr lvl="1"/>
+            <a:endParaRPr lang="en-US" dirty="0" smtClean="0"/>
+          </a:p>
+          <a:p>
+            <a:endParaRPr lang="en-US" dirty="0"/>
           </a:p>
         </p:txBody>
       </p:sp>
+      <p:pic>
+        <p:nvPicPr>
+          <p:cNvPr id="4" name="Picture 3"/>
+          <p:cNvPicPr>
+            <a:picLocks noChangeAspect="1"/>
+          </p:cNvPicPr>
+          <p:nvPr/>
+        </p:nvPicPr>
+        <p:blipFill>
+          <a:blip r:embed="rId2">
+            <a:extLst>
+              <a:ext uri="{BEBA8EAE-BF5A-486C-A8C5-ECC9F3942E4B}">
+                <a14:imgProps xmlns:a14="http://schemas.microsoft.com/office/drawing/2010/main">
+                  <a14:imgLayer r:embed="rId3">
+                    <a14:imgEffect>
+                      <a14:colorTemperature colorTemp="11200"/>
+                    </a14:imgEffect>
+                  </a14:imgLayer>
+                </a14:imgProps>
+              </a:ext>
+            </a:extLst>
+          </a:blip>
+          <a:stretch>
+            <a:fillRect/>
+          </a:stretch>
+        </p:blipFill>
+        <p:spPr>
+          <a:xfrm>
+            <a:off x="3124200" y="3886200"/>
+            <a:ext cx="2543175" cy="1209675"/>
+          </a:xfrm>
+          <a:prstGeom prst="rect">
+            <a:avLst/>
+          </a:prstGeom>
+          <a:ln>
+            <a:noFill/>
+          </a:ln>
+          <a:effectLst>
+            <a:outerShdw blurRad="292100" dist="139700" dir="2700000" algn="tl" rotWithShape="0">
+              <a:srgbClr val="333333">
+                <a:alpha val="65000"/>
+              </a:srgbClr>
+            </a:outerShdw>
+          </a:effectLst>
+        </p:spPr>
+      </p:pic>
     </p:spTree>
     <p:extLst>
       <p:ext uri="{BB962C8B-B14F-4D97-AF65-F5344CB8AC3E}">
-        <p14:creationId xmlns:p14="http://schemas.microsoft.com/office/powerpoint/2010/main" val="2134049157"/>
+        <p14:creationId xmlns:p14="http://schemas.microsoft.com/office/powerpoint/2010/main" val="2387280165"/>
       </p:ext>
     </p:extLst>
   </p:cSld>
@@ -2898,11 +3082,7 @@
           <a:p>
             <a:r>
               <a:rPr lang="en-US" dirty="0" smtClean="0"/>
-              <a:t>Directives and </a:t>
-            </a:r>
-            <a:r>
-              <a:rPr lang="en-US" dirty="0" err="1" smtClean="0"/>
-              <a:t>jqLite</a:t>
+              <a:t>Summary</a:t>
             </a:r>
             <a:endParaRPr lang="en-US" dirty="0"/>
           </a:p>
@@ -2923,531 +3103,16 @@
           <a:bodyPr/>
           <a:lstStyle/>
           <a:p>
-            <a:endParaRPr lang="en-US"/>
-          </a:p>
-        </p:txBody>
-      </p:sp>
-    </p:spTree>
-    <p:extLst>
-      <p:ext uri="{BB962C8B-B14F-4D97-AF65-F5344CB8AC3E}">
-        <p14:creationId xmlns:p14="http://schemas.microsoft.com/office/powerpoint/2010/main" val="3000975597"/>
-      </p:ext>
-    </p:extLst>
-  </p:cSld>
-  <p:clrMapOvr>
-    <a:masterClrMapping/>
-  </p:clrMapOvr>
-  <p:transition>
-    <p:fade/>
-  </p:transition>
-</p:sld>
-</file>
-
-<file path=ppt/slides/slide15.xml><?xml version="1.0" encoding="utf-8"?>
-<p:sld xmlns:a="http://schemas.openxmlformats.org/drawingml/2006/main" xmlns:r="http://schemas.openxmlformats.org/officeDocument/2006/relationships" xmlns:p="http://schemas.openxmlformats.org/presentationml/2006/main">
-  <p:cSld>
-    <p:spTree>
-      <p:nvGrpSpPr>
-        <p:cNvPr id="1" name=""/>
-        <p:cNvGrpSpPr/>
-        <p:nvPr/>
-      </p:nvGrpSpPr>
-      <p:grpSpPr>
-        <a:xfrm>
-          <a:off x="0" y="0"/>
-          <a:ext cx="0" cy="0"/>
-          <a:chOff x="0" y="0"/>
-          <a:chExt cx="0" cy="0"/>
-        </a:xfrm>
-      </p:grpSpPr>
-      <p:sp>
-        <p:nvSpPr>
-          <p:cNvPr id="2" name="Title 1"/>
-          <p:cNvSpPr>
-            <a:spLocks noGrp="1"/>
-          </p:cNvSpPr>
-          <p:nvPr>
-            <p:ph type="title"/>
-          </p:nvPr>
-        </p:nvSpPr>
-        <p:spPr/>
-        <p:txBody>
-          <a:bodyPr/>
-          <a:lstStyle/>
-          <a:p>
             <a:r>
               <a:rPr lang="en-US" dirty="0" smtClean="0"/>
-              <a:t>Directives and Attributes</a:t>
-            </a:r>
-            <a:endParaRPr lang="en-US" dirty="0"/>
-          </a:p>
-        </p:txBody>
-      </p:sp>
-      <p:sp>
-        <p:nvSpPr>
-          <p:cNvPr id="3" name="Text Placeholder 2"/>
-          <p:cNvSpPr>
-            <a:spLocks noGrp="1"/>
-          </p:cNvSpPr>
-          <p:nvPr>
-            <p:ph type="body" idx="1"/>
-          </p:nvPr>
-        </p:nvSpPr>
-        <p:spPr/>
-        <p:txBody>
-          <a:bodyPr/>
-          <a:lstStyle/>
-          <a:p>
-            <a:endParaRPr lang="en-US"/>
-          </a:p>
-        </p:txBody>
-      </p:sp>
-    </p:spTree>
-    <p:extLst>
-      <p:ext uri="{BB962C8B-B14F-4D97-AF65-F5344CB8AC3E}">
-        <p14:creationId xmlns:p14="http://schemas.microsoft.com/office/powerpoint/2010/main" val="899877545"/>
-      </p:ext>
-    </p:extLst>
-  </p:cSld>
-  <p:clrMapOvr>
-    <a:masterClrMapping/>
-  </p:clrMapOvr>
-  <p:transition>
-    <p:fade/>
-  </p:transition>
-</p:sld>
-</file>
-
-<file path=ppt/slides/slide16.xml><?xml version="1.0" encoding="utf-8"?>
-<p:sld xmlns:a="http://schemas.openxmlformats.org/drawingml/2006/main" xmlns:r="http://schemas.openxmlformats.org/officeDocument/2006/relationships" xmlns:p="http://schemas.openxmlformats.org/presentationml/2006/main">
-  <p:cSld>
-    <p:spTree>
-      <p:nvGrpSpPr>
-        <p:cNvPr id="1" name=""/>
-        <p:cNvGrpSpPr/>
-        <p:nvPr/>
-      </p:nvGrpSpPr>
-      <p:grpSpPr>
-        <a:xfrm>
-          <a:off x="0" y="0"/>
-          <a:ext cx="0" cy="0"/>
-          <a:chOff x="0" y="0"/>
-          <a:chExt cx="0" cy="0"/>
-        </a:xfrm>
-      </p:grpSpPr>
-      <p:sp>
-        <p:nvSpPr>
-          <p:cNvPr id="2" name="Title 1"/>
-          <p:cNvSpPr>
-            <a:spLocks noGrp="1"/>
-          </p:cNvSpPr>
-          <p:nvPr>
-            <p:ph type="title"/>
-          </p:nvPr>
-        </p:nvSpPr>
-        <p:spPr/>
-        <p:txBody>
-          <a:bodyPr/>
-          <a:lstStyle/>
+              <a:t>Directives create custom HTML</a:t>
+            </a:r>
+          </a:p>
           <a:p>
             <a:r>
               <a:rPr lang="en-US" dirty="0" smtClean="0"/>
-              <a:t>Directives and Controllers</a:t>
-            </a:r>
-            <a:endParaRPr lang="en-US" dirty="0"/>
-          </a:p>
-        </p:txBody>
-      </p:sp>
-      <p:sp>
-        <p:nvSpPr>
-          <p:cNvPr id="3" name="Text Placeholder 2"/>
-          <p:cNvSpPr>
-            <a:spLocks noGrp="1"/>
-          </p:cNvSpPr>
-          <p:nvPr>
-            <p:ph type="body" idx="1"/>
-          </p:nvPr>
-        </p:nvSpPr>
-        <p:spPr/>
-        <p:txBody>
-          <a:bodyPr/>
-          <a:lstStyle/>
-          <a:p>
-            <a:endParaRPr lang="en-US"/>
-          </a:p>
-        </p:txBody>
-      </p:sp>
-    </p:spTree>
-    <p:extLst>
-      <p:ext uri="{BB962C8B-B14F-4D97-AF65-F5344CB8AC3E}">
-        <p14:creationId xmlns:p14="http://schemas.microsoft.com/office/powerpoint/2010/main" val="1529835457"/>
-      </p:ext>
-    </p:extLst>
-  </p:cSld>
-  <p:clrMapOvr>
-    <a:masterClrMapping/>
-  </p:clrMapOvr>
-  <p:transition>
-    <p:fade/>
-  </p:transition>
-</p:sld>
-</file>
-
-<file path=ppt/slides/slide17.xml><?xml version="1.0" encoding="utf-8"?>
-<p:sld xmlns:a="http://schemas.openxmlformats.org/drawingml/2006/main" xmlns:r="http://schemas.openxmlformats.org/officeDocument/2006/relationships" xmlns:p="http://schemas.openxmlformats.org/presentationml/2006/main">
-  <p:cSld>
-    <p:spTree>
-      <p:nvGrpSpPr>
-        <p:cNvPr id="1" name=""/>
-        <p:cNvGrpSpPr/>
-        <p:nvPr/>
-      </p:nvGrpSpPr>
-      <p:grpSpPr>
-        <a:xfrm>
-          <a:off x="0" y="0"/>
-          <a:ext cx="0" cy="0"/>
-          <a:chOff x="0" y="0"/>
-          <a:chExt cx="0" cy="0"/>
-        </a:xfrm>
-      </p:grpSpPr>
-      <p:sp>
-        <p:nvSpPr>
-          <p:cNvPr id="2" name="Title 1"/>
-          <p:cNvSpPr>
-            <a:spLocks noGrp="1"/>
-          </p:cNvSpPr>
-          <p:nvPr>
-            <p:ph type="title"/>
-          </p:nvPr>
-        </p:nvSpPr>
-        <p:spPr/>
-        <p:txBody>
-          <a:bodyPr/>
-          <a:lstStyle/>
-          <a:p>
-            <a:r>
-              <a:rPr lang="en-US" dirty="0" smtClean="0"/>
-              <a:t>Directive Communication</a:t>
-            </a:r>
-            <a:endParaRPr lang="en-US" dirty="0"/>
-          </a:p>
-        </p:txBody>
-      </p:sp>
-      <p:sp>
-        <p:nvSpPr>
-          <p:cNvPr id="3" name="Text Placeholder 2"/>
-          <p:cNvSpPr>
-            <a:spLocks noGrp="1"/>
-          </p:cNvSpPr>
-          <p:nvPr>
-            <p:ph type="body" idx="1"/>
-          </p:nvPr>
-        </p:nvSpPr>
-        <p:spPr/>
-        <p:txBody>
-          <a:bodyPr/>
-          <a:lstStyle/>
-          <a:p>
-            <a:endParaRPr lang="en-US"/>
-          </a:p>
-        </p:txBody>
-      </p:sp>
-    </p:spTree>
-    <p:extLst>
-      <p:ext uri="{BB962C8B-B14F-4D97-AF65-F5344CB8AC3E}">
-        <p14:creationId xmlns:p14="http://schemas.microsoft.com/office/powerpoint/2010/main" val="1961054804"/>
-      </p:ext>
-    </p:extLst>
-  </p:cSld>
-  <p:clrMapOvr>
-    <a:masterClrMapping/>
-  </p:clrMapOvr>
-  <p:transition>
-    <p:fade/>
-  </p:transition>
-</p:sld>
-</file>
-
-<file path=ppt/slides/slide18.xml><?xml version="1.0" encoding="utf-8"?>
-<p:sld xmlns:a="http://schemas.openxmlformats.org/drawingml/2006/main" xmlns:r="http://schemas.openxmlformats.org/officeDocument/2006/relationships" xmlns:p="http://schemas.openxmlformats.org/presentationml/2006/main">
-  <p:cSld>
-    <p:spTree>
-      <p:nvGrpSpPr>
-        <p:cNvPr id="1" name=""/>
-        <p:cNvGrpSpPr/>
-        <p:nvPr/>
-      </p:nvGrpSpPr>
-      <p:grpSpPr>
-        <a:xfrm>
-          <a:off x="0" y="0"/>
-          <a:ext cx="0" cy="0"/>
-          <a:chOff x="0" y="0"/>
-          <a:chExt cx="0" cy="0"/>
-        </a:xfrm>
-      </p:grpSpPr>
-      <p:sp>
-        <p:nvSpPr>
-          <p:cNvPr id="2" name="Title 1"/>
-          <p:cNvSpPr>
-            <a:spLocks noGrp="1"/>
-          </p:cNvSpPr>
-          <p:nvPr>
-            <p:ph type="title"/>
-          </p:nvPr>
-        </p:nvSpPr>
-        <p:spPr/>
-        <p:txBody>
-          <a:bodyPr/>
-          <a:lstStyle/>
-          <a:p>
-            <a:r>
-              <a:rPr lang="en-US" dirty="0" err="1" smtClean="0"/>
-              <a:t>Transclusion</a:t>
-            </a:r>
-            <a:endParaRPr lang="en-US" dirty="0"/>
-          </a:p>
-        </p:txBody>
-      </p:sp>
-      <p:sp>
-        <p:nvSpPr>
-          <p:cNvPr id="3" name="Text Placeholder 2"/>
-          <p:cNvSpPr>
-            <a:spLocks noGrp="1"/>
-          </p:cNvSpPr>
-          <p:nvPr>
-            <p:ph type="body" idx="1"/>
-          </p:nvPr>
-        </p:nvSpPr>
-        <p:spPr/>
-        <p:txBody>
-          <a:bodyPr/>
-          <a:lstStyle/>
-          <a:p>
-            <a:endParaRPr lang="en-US"/>
-          </a:p>
-        </p:txBody>
-      </p:sp>
-    </p:spTree>
-    <p:extLst>
-      <p:ext uri="{BB962C8B-B14F-4D97-AF65-F5344CB8AC3E}">
-        <p14:creationId xmlns:p14="http://schemas.microsoft.com/office/powerpoint/2010/main" val="1134831840"/>
-      </p:ext>
-    </p:extLst>
-  </p:cSld>
-  <p:clrMapOvr>
-    <a:masterClrMapping/>
-  </p:clrMapOvr>
-  <p:transition>
-    <p:fade/>
-  </p:transition>
-</p:sld>
-</file>
-
-<file path=ppt/slides/slide19.xml><?xml version="1.0" encoding="utf-8"?>
-<p:sld xmlns:a="http://schemas.openxmlformats.org/drawingml/2006/main" xmlns:r="http://schemas.openxmlformats.org/officeDocument/2006/relationships" xmlns:p="http://schemas.openxmlformats.org/presentationml/2006/main">
-  <p:cSld>
-    <p:spTree>
-      <p:nvGrpSpPr>
-        <p:cNvPr id="1" name=""/>
-        <p:cNvGrpSpPr/>
-        <p:nvPr/>
-      </p:nvGrpSpPr>
-      <p:grpSpPr>
-        <a:xfrm>
-          <a:off x="0" y="0"/>
-          <a:ext cx="0" cy="0"/>
-          <a:chOff x="0" y="0"/>
-          <a:chExt cx="0" cy="0"/>
-        </a:xfrm>
-      </p:grpSpPr>
-      <p:sp>
-        <p:nvSpPr>
-          <p:cNvPr id="2" name="Title 1"/>
-          <p:cNvSpPr>
-            <a:spLocks noGrp="1"/>
-          </p:cNvSpPr>
-          <p:nvPr>
-            <p:ph type="title"/>
-          </p:nvPr>
-        </p:nvSpPr>
-        <p:spPr/>
-        <p:txBody>
-          <a:bodyPr/>
-          <a:lstStyle/>
-          <a:p>
-            <a:r>
-              <a:rPr lang="en-US" dirty="0" smtClean="0"/>
-              <a:t>Compile and Link</a:t>
-            </a:r>
-            <a:endParaRPr lang="en-US" dirty="0"/>
-          </a:p>
-        </p:txBody>
-      </p:sp>
-      <p:sp>
-        <p:nvSpPr>
-          <p:cNvPr id="3" name="Text Placeholder 2"/>
-          <p:cNvSpPr>
-            <a:spLocks noGrp="1"/>
-          </p:cNvSpPr>
-          <p:nvPr>
-            <p:ph type="body" idx="1"/>
-          </p:nvPr>
-        </p:nvSpPr>
-        <p:spPr/>
-        <p:txBody>
-          <a:bodyPr/>
-          <a:lstStyle/>
-          <a:p>
-            <a:endParaRPr lang="en-US"/>
-          </a:p>
-        </p:txBody>
-      </p:sp>
-    </p:spTree>
-    <p:extLst>
-      <p:ext uri="{BB962C8B-B14F-4D97-AF65-F5344CB8AC3E}">
-        <p14:creationId xmlns:p14="http://schemas.microsoft.com/office/powerpoint/2010/main" val="3624257315"/>
-      </p:ext>
-    </p:extLst>
-  </p:cSld>
-  <p:clrMapOvr>
-    <a:masterClrMapping/>
-  </p:clrMapOvr>
-  <p:transition>
-    <p:fade/>
-  </p:transition>
-</p:sld>
-</file>
-
-<file path=ppt/slides/slide2.xml><?xml version="1.0" encoding="utf-8"?>
-<p:sld xmlns:a="http://schemas.openxmlformats.org/drawingml/2006/main" xmlns:r="http://schemas.openxmlformats.org/officeDocument/2006/relationships" xmlns:p="http://schemas.openxmlformats.org/presentationml/2006/main">
-  <p:cSld>
-    <p:spTree>
-      <p:nvGrpSpPr>
-        <p:cNvPr id="1" name=""/>
-        <p:cNvGrpSpPr/>
-        <p:nvPr/>
-      </p:nvGrpSpPr>
-      <p:grpSpPr>
-        <a:xfrm>
-          <a:off x="0" y="0"/>
-          <a:ext cx="0" cy="0"/>
-          <a:chOff x="0" y="0"/>
-          <a:chExt cx="0" cy="0"/>
-        </a:xfrm>
-      </p:grpSpPr>
-      <p:sp>
-        <p:nvSpPr>
-          <p:cNvPr id="2" name="Title 1"/>
-          <p:cNvSpPr>
-            <a:spLocks noGrp="1"/>
-          </p:cNvSpPr>
-          <p:nvPr>
-            <p:ph type="title"/>
-          </p:nvPr>
-        </p:nvSpPr>
-        <p:spPr/>
-        <p:txBody>
-          <a:bodyPr/>
-          <a:lstStyle/>
-          <a:p>
-            <a:r>
-              <a:rPr lang="en-US" dirty="0" smtClean="0"/>
-              <a:t>Extending HTML</a:t>
-            </a:r>
-            <a:endParaRPr lang="en-US" dirty="0"/>
-          </a:p>
-        </p:txBody>
-      </p:sp>
-      <p:sp>
-        <p:nvSpPr>
-          <p:cNvPr id="3" name="Text Placeholder 2"/>
-          <p:cNvSpPr>
-            <a:spLocks noGrp="1"/>
-          </p:cNvSpPr>
-          <p:nvPr>
-            <p:ph type="body" idx="1"/>
-          </p:nvPr>
-        </p:nvSpPr>
-        <p:spPr/>
-        <p:txBody>
-          <a:bodyPr/>
-          <a:lstStyle/>
-          <a:p>
-            <a:endParaRPr lang="en-US"/>
-          </a:p>
-        </p:txBody>
-      </p:sp>
-    </p:spTree>
-    <p:extLst>
-      <p:ext uri="{BB962C8B-B14F-4D97-AF65-F5344CB8AC3E}">
-        <p14:creationId xmlns:p14="http://schemas.microsoft.com/office/powerpoint/2010/main" val="2629268903"/>
-      </p:ext>
-    </p:extLst>
-  </p:cSld>
-  <p:clrMapOvr>
-    <a:masterClrMapping/>
-  </p:clrMapOvr>
-  <p:transition>
-    <p:fade/>
-  </p:transition>
-</p:sld>
-</file>
-
-<file path=ppt/slides/slide20.xml><?xml version="1.0" encoding="utf-8"?>
-<p:sld xmlns:a="http://schemas.openxmlformats.org/drawingml/2006/main" xmlns:r="http://schemas.openxmlformats.org/officeDocument/2006/relationships" xmlns:p="http://schemas.openxmlformats.org/presentationml/2006/main">
-  <p:cSld>
-    <p:spTree>
-      <p:nvGrpSpPr>
-        <p:cNvPr id="1" name=""/>
-        <p:cNvGrpSpPr/>
-        <p:nvPr/>
-      </p:nvGrpSpPr>
-      <p:grpSpPr>
-        <a:xfrm>
-          <a:off x="0" y="0"/>
-          <a:ext cx="0" cy="0"/>
-          <a:chOff x="0" y="0"/>
-          <a:chExt cx="0" cy="0"/>
-        </a:xfrm>
-      </p:grpSpPr>
-      <p:sp>
-        <p:nvSpPr>
-          <p:cNvPr id="2" name="Title 1"/>
-          <p:cNvSpPr>
-            <a:spLocks noGrp="1"/>
-          </p:cNvSpPr>
-          <p:nvPr>
-            <p:ph type="title"/>
-          </p:nvPr>
-        </p:nvSpPr>
-        <p:spPr/>
-        <p:txBody>
-          <a:bodyPr/>
-          <a:lstStyle/>
-          <a:p>
-            <a:r>
-              <a:rPr lang="en-US" dirty="0" smtClean="0"/>
-              <a:t>Summary</a:t>
-            </a:r>
-            <a:endParaRPr lang="en-US" dirty="0"/>
-          </a:p>
-        </p:txBody>
-      </p:sp>
-      <p:sp>
-        <p:nvSpPr>
-          <p:cNvPr id="3" name="Text Placeholder 2"/>
-          <p:cNvSpPr>
-            <a:spLocks noGrp="1"/>
-          </p:cNvSpPr>
-          <p:nvPr>
-            <p:ph type="body" idx="1"/>
-          </p:nvPr>
-        </p:nvSpPr>
-        <p:spPr/>
-        <p:txBody>
-          <a:bodyPr/>
-          <a:lstStyle/>
-          <a:p>
+              <a:t>Directives manipulate the DOM</a:t>
+            </a:r>
             <a:endParaRPr lang="en-US" dirty="0"/>
           </a:p>
         </p:txBody>
@@ -3509,6 +3174,154 @@
 </p:sld>
 </file>
 
+<file path=ppt/slides/slide2.xml><?xml version="1.0" encoding="utf-8"?>
+<p:sld xmlns:a="http://schemas.openxmlformats.org/drawingml/2006/main" xmlns:r="http://schemas.openxmlformats.org/officeDocument/2006/relationships" xmlns:p="http://schemas.openxmlformats.org/presentationml/2006/main">
+  <p:cSld>
+    <p:spTree>
+      <p:nvGrpSpPr>
+        <p:cNvPr id="1" name=""/>
+        <p:cNvGrpSpPr/>
+        <p:nvPr/>
+      </p:nvGrpSpPr>
+      <p:grpSpPr>
+        <a:xfrm>
+          <a:off x="0" y="0"/>
+          <a:ext cx="0" cy="0"/>
+          <a:chOff x="0" y="0"/>
+          <a:chExt cx="0" cy="0"/>
+        </a:xfrm>
+      </p:grpSpPr>
+      <p:sp>
+        <p:nvSpPr>
+          <p:cNvPr id="2" name="Title 1"/>
+          <p:cNvSpPr>
+            <a:spLocks noGrp="1"/>
+          </p:cNvSpPr>
+          <p:nvPr>
+            <p:ph type="title"/>
+          </p:nvPr>
+        </p:nvSpPr>
+        <p:spPr/>
+        <p:txBody>
+          <a:bodyPr/>
+          <a:lstStyle/>
+          <a:p>
+            <a:r>
+              <a:rPr lang="en-US" dirty="0" smtClean="0"/>
+              <a:t>Extending HTML</a:t>
+            </a:r>
+            <a:endParaRPr lang="en-US" dirty="0"/>
+          </a:p>
+        </p:txBody>
+      </p:sp>
+      <p:sp>
+        <p:nvSpPr>
+          <p:cNvPr id="3" name="Text Placeholder 2"/>
+          <p:cNvSpPr>
+            <a:spLocks noGrp="1"/>
+          </p:cNvSpPr>
+          <p:nvPr>
+            <p:ph type="body" idx="1"/>
+          </p:nvPr>
+        </p:nvSpPr>
+        <p:spPr/>
+        <p:txBody>
+          <a:bodyPr/>
+          <a:lstStyle/>
+          <a:p>
+            <a:r>
+              <a:rPr lang="en-US" dirty="0" err="1" smtClean="0"/>
+              <a:t>WebComponents</a:t>
+            </a:r>
+            <a:r>
+              <a:rPr lang="en-US" dirty="0" smtClean="0"/>
+              <a:t> and Shadow DOM coming</a:t>
+            </a:r>
+          </a:p>
+          <a:p>
+            <a:r>
+              <a:rPr lang="en-US" dirty="0" smtClean="0"/>
+              <a:t>Directives bring a glimpse of the future today</a:t>
+            </a:r>
+          </a:p>
+          <a:p>
+            <a:pPr lvl="1"/>
+            <a:r>
+              <a:rPr lang="en-US" dirty="0" smtClean="0"/>
+              <a:t>Custom elements</a:t>
+            </a:r>
+          </a:p>
+          <a:p>
+            <a:pPr lvl="1"/>
+            <a:r>
+              <a:rPr lang="en-US" dirty="0" smtClean="0"/>
+              <a:t>More semantic markup</a:t>
+            </a:r>
+          </a:p>
+        </p:txBody>
+      </p:sp>
+      <p:pic>
+        <p:nvPicPr>
+          <p:cNvPr id="4" name="Picture 3"/>
+          <p:cNvPicPr>
+            <a:picLocks noChangeAspect="1"/>
+          </p:cNvPicPr>
+          <p:nvPr/>
+        </p:nvPicPr>
+        <p:blipFill>
+          <a:blip r:embed="rId2">
+            <a:extLst>
+              <a:ext uri="{BEBA8EAE-BF5A-486C-A8C5-ECC9F3942E4B}">
+                <a14:imgProps xmlns:a14="http://schemas.microsoft.com/office/drawing/2010/main">
+                  <a14:imgLayer r:embed="rId3">
+                    <a14:imgEffect>
+                      <a14:colorTemperature colorTemp="11200"/>
+                    </a14:imgEffect>
+                  </a14:imgLayer>
+                </a14:imgProps>
+              </a:ext>
+            </a:extLst>
+          </a:blip>
+          <a:stretch>
+            <a:fillRect/>
+          </a:stretch>
+        </p:blipFill>
+        <p:spPr>
+          <a:xfrm>
+            <a:off x="990600" y="3124200"/>
+            <a:ext cx="6634762" cy="3124200"/>
+          </a:xfrm>
+          <a:prstGeom prst="rect">
+            <a:avLst/>
+          </a:prstGeom>
+          <a:ln>
+            <a:noFill/>
+          </a:ln>
+          <a:effectLst>
+            <a:outerShdw blurRad="292100" dist="139700" dir="2700000" algn="tl" rotWithShape="0">
+              <a:srgbClr val="333333">
+                <a:alpha val="65000"/>
+              </a:srgbClr>
+            </a:outerShdw>
+          </a:effectLst>
+        </p:spPr>
+      </p:pic>
+    </p:spTree>
+    <p:extLst>
+      <p:ext uri="{BB962C8B-B14F-4D97-AF65-F5344CB8AC3E}">
+        <p14:creationId xmlns:p14="http://schemas.microsoft.com/office/powerpoint/2010/main" val="2629268903"/>
+      </p:ext>
+    </p:extLst>
+  </p:cSld>
+  <p:clrMapOvr>
+    <a:masterClrMapping/>
+  </p:clrMapOvr>
+  <p:transition>
+    <p:fade/>
+  </p:transition>
+</p:sld>
+</file>
+
 <file path=ppt/slides/slide3.xml><?xml version="1.0" encoding="utf-8"?>
 <p:sld xmlns:a="http://schemas.openxmlformats.org/drawingml/2006/main" xmlns:r="http://schemas.openxmlformats.org/officeDocument/2006/relationships" xmlns:p="http://schemas.openxmlformats.org/presentationml/2006/main">
   <p:cSld>
@@ -3564,10 +3377,81 @@
           <a:bodyPr/>
           <a:lstStyle/>
           <a:p>
-            <a:endParaRPr lang="en-US"/>
+            <a:r>
+              <a:rPr lang="en-US" dirty="0" smtClean="0"/>
+              <a:t>Many directives will work in any position</a:t>
+            </a:r>
+          </a:p>
+          <a:p>
+            <a:pPr lvl="1"/>
+            <a:r>
+              <a:rPr lang="en-US" dirty="0" smtClean="0"/>
+              <a:t>Element &lt;accordion&gt;</a:t>
+            </a:r>
+          </a:p>
+          <a:p>
+            <a:pPr lvl="1"/>
+            <a:r>
+              <a:rPr lang="en-US" dirty="0" smtClean="0"/>
+              <a:t>Attribute &lt;div accordion&gt;</a:t>
+            </a:r>
+          </a:p>
+          <a:p>
+            <a:pPr lvl="1"/>
+            <a:r>
+              <a:rPr lang="en-US" dirty="0" smtClean="0"/>
+              <a:t>Class &lt;div class=accordion&gt;</a:t>
+            </a:r>
+            <a:endParaRPr lang="en-US" dirty="0"/>
           </a:p>
         </p:txBody>
       </p:sp>
+      <p:pic>
+        <p:nvPicPr>
+          <p:cNvPr id="4" name="Picture 3"/>
+          <p:cNvPicPr>
+            <a:picLocks noChangeAspect="1"/>
+          </p:cNvPicPr>
+          <p:nvPr/>
+        </p:nvPicPr>
+        <p:blipFill>
+          <a:blip r:embed="rId2">
+            <a:extLst>
+              <a:ext uri="{BEBA8EAE-BF5A-486C-A8C5-ECC9F3942E4B}">
+                <a14:imgProps xmlns:a14="http://schemas.microsoft.com/office/drawing/2010/main">
+                  <a14:imgLayer r:embed="rId3">
+                    <a14:imgEffect>
+                      <a14:colorTemperature colorTemp="11200"/>
+                    </a14:imgEffect>
+                  </a14:imgLayer>
+                </a14:imgProps>
+              </a:ext>
+            </a:extLst>
+          </a:blip>
+          <a:stretch>
+            <a:fillRect/>
+          </a:stretch>
+        </p:blipFill>
+        <p:spPr>
+          <a:xfrm>
+            <a:off x="1981200" y="3505200"/>
+            <a:ext cx="4914900" cy="952500"/>
+          </a:xfrm>
+          <a:prstGeom prst="rect">
+            <a:avLst/>
+          </a:prstGeom>
+          <a:ln>
+            <a:noFill/>
+          </a:ln>
+          <a:effectLst>
+            <a:outerShdw blurRad="292100" dist="139700" dir="2700000" algn="tl" rotWithShape="0">
+              <a:srgbClr val="333333">
+                <a:alpha val="65000"/>
+              </a:srgbClr>
+            </a:outerShdw>
+          </a:effectLst>
+        </p:spPr>
+      </p:pic>
     </p:spTree>
     <p:extLst>
       <p:ext uri="{BB962C8B-B14F-4D97-AF65-F5344CB8AC3E}">
@@ -3641,15 +3525,86 @@
           <a:p>
             <a:r>
               <a:rPr lang="en-US" dirty="0" err="1" smtClean="0"/>
+              <a:t>ngClick</a:t>
+            </a:r>
+            <a:endParaRPr lang="en-US" dirty="0" smtClean="0"/>
+          </a:p>
+          <a:p>
+            <a:r>
+              <a:rPr lang="en-US" dirty="0" err="1" smtClean="0"/>
               <a:t>ngChange</a:t>
             </a:r>
             <a:r>
               <a:rPr lang="en-US" dirty="0" smtClean="0"/>
-              <a:t> required </a:t>
+              <a:t> (requires </a:t>
             </a:r>
             <a:r>
               <a:rPr lang="en-US" dirty="0" err="1" smtClean="0"/>
               <a:t>ngModel</a:t>
+            </a:r>
+            <a:r>
+              <a:rPr lang="en-US" dirty="0" smtClean="0"/>
+              <a:t>)</a:t>
+            </a:r>
+          </a:p>
+          <a:p>
+            <a:r>
+              <a:rPr lang="en-US" dirty="0" err="1" smtClean="0"/>
+              <a:t>ngChecked</a:t>
+            </a:r>
+            <a:endParaRPr lang="en-US" dirty="0" smtClean="0"/>
+          </a:p>
+          <a:p>
+            <a:r>
+              <a:rPr lang="en-US" dirty="0" err="1" smtClean="0"/>
+              <a:t>ngBlur</a:t>
+            </a:r>
+            <a:endParaRPr lang="en-US" dirty="0" smtClean="0"/>
+          </a:p>
+          <a:p>
+            <a:r>
+              <a:rPr lang="en-US" dirty="0" err="1" smtClean="0"/>
+              <a:t>ngDblClick</a:t>
+            </a:r>
+            <a:endParaRPr lang="en-US" dirty="0" smtClean="0"/>
+          </a:p>
+          <a:p>
+            <a:r>
+              <a:rPr lang="en-US" dirty="0" err="1" smtClean="0"/>
+              <a:t>ngKeydown</a:t>
+            </a:r>
+            <a:r>
+              <a:rPr lang="en-US" dirty="0" smtClean="0"/>
+              <a:t> </a:t>
+            </a:r>
+            <a:r>
+              <a:rPr lang="en-US" dirty="0" err="1" smtClean="0"/>
+              <a:t>ngKeyup</a:t>
+            </a:r>
+            <a:r>
+              <a:rPr lang="en-US" dirty="0" smtClean="0"/>
+              <a:t> </a:t>
+            </a:r>
+            <a:r>
+              <a:rPr lang="en-US" dirty="0" err="1" smtClean="0"/>
+              <a:t>ngKeypress</a:t>
+            </a:r>
+            <a:endParaRPr lang="en-US" dirty="0" smtClean="0"/>
+          </a:p>
+          <a:p>
+            <a:r>
+              <a:rPr lang="en-US" dirty="0" err="1" smtClean="0"/>
+              <a:t>ngMouse</a:t>
+            </a:r>
+            <a:r>
+              <a:rPr lang="en-US" dirty="0" smtClean="0"/>
+              <a:t>*</a:t>
+            </a:r>
+          </a:p>
+          <a:p>
+            <a:r>
+              <a:rPr lang="en-US" dirty="0" err="1" smtClean="0"/>
+              <a:t>ngSubmit</a:t>
             </a:r>
             <a:endParaRPr lang="en-US" dirty="0"/>
           </a:p>
@@ -3726,7 +3681,25 @@
           <a:bodyPr/>
           <a:lstStyle/>
           <a:p>
-            <a:endParaRPr lang="en-US"/>
+            <a:r>
+              <a:rPr lang="en-US" dirty="0" err="1" smtClean="0"/>
+              <a:t>ngApp</a:t>
+            </a:r>
+            <a:endParaRPr lang="en-US" dirty="0" smtClean="0"/>
+          </a:p>
+          <a:p>
+            <a:r>
+              <a:rPr lang="en-US" dirty="0" err="1" smtClean="0"/>
+              <a:t>ngController</a:t>
+            </a:r>
+            <a:endParaRPr lang="en-US" dirty="0" smtClean="0"/>
+          </a:p>
+          <a:p>
+            <a:r>
+              <a:rPr lang="en-US" dirty="0" err="1" smtClean="0"/>
+              <a:t>ngForm</a:t>
+            </a:r>
+            <a:endParaRPr lang="en-US" dirty="0"/>
           </a:p>
         </p:txBody>
       </p:sp>
@@ -3801,10 +3774,60 @@
           <a:bodyPr/>
           <a:lstStyle/>
           <a:p>
-            <a:endParaRPr lang="en-US"/>
+            <a:r>
+              <a:rPr lang="en-US" dirty="0" smtClean="0"/>
+              <a:t>Use a Directive Definition Object</a:t>
+            </a:r>
+            <a:endParaRPr lang="en-US" dirty="0"/>
           </a:p>
         </p:txBody>
       </p:sp>
+      <p:pic>
+        <p:nvPicPr>
+          <p:cNvPr id="4" name="Picture 3"/>
+          <p:cNvPicPr>
+            <a:picLocks noChangeAspect="1"/>
+          </p:cNvPicPr>
+          <p:nvPr/>
+        </p:nvPicPr>
+        <p:blipFill>
+          <a:blip r:embed="rId2">
+            <a:extLst>
+              <a:ext uri="{BEBA8EAE-BF5A-486C-A8C5-ECC9F3942E4B}">
+                <a14:imgProps xmlns:a14="http://schemas.microsoft.com/office/drawing/2010/main">
+                  <a14:imgLayer r:embed="rId3">
+                    <a14:imgEffect>
+                      <a14:colorTemperature colorTemp="11200"/>
+                    </a14:imgEffect>
+                  </a14:imgLayer>
+                </a14:imgProps>
+              </a:ext>
+            </a:extLst>
+          </a:blip>
+          <a:stretch>
+            <a:fillRect/>
+          </a:stretch>
+        </p:blipFill>
+        <p:spPr>
+          <a:xfrm>
+            <a:off x="1204912" y="1981200"/>
+            <a:ext cx="6734175" cy="4489450"/>
+          </a:xfrm>
+          <a:prstGeom prst="rect">
+            <a:avLst/>
+          </a:prstGeom>
+          <a:ln>
+            <a:noFill/>
+          </a:ln>
+          <a:effectLst>
+            <a:outerShdw blurRad="292100" dist="139700" dir="2700000" algn="tl" rotWithShape="0">
+              <a:srgbClr val="333333">
+                <a:alpha val="65000"/>
+              </a:srgbClr>
+            </a:outerShdw>
+          </a:effectLst>
+        </p:spPr>
+      </p:pic>
     </p:spTree>
     <p:extLst>
       <p:ext uri="{BB962C8B-B14F-4D97-AF65-F5344CB8AC3E}">
@@ -3854,12 +3877,8 @@
           <a:lstStyle/>
           <a:p>
             <a:r>
-              <a:rPr lang="en-US" dirty="0" err="1"/>
-              <a:t>a</a:t>
-            </a:r>
-            <a:r>
-              <a:rPr lang="en-US" dirty="0" err="1" smtClean="0"/>
-              <a:t>ngular.element</a:t>
+              <a:rPr lang="en-US" dirty="0" smtClean="0"/>
+              <a:t>Names</a:t>
             </a:r>
             <a:endParaRPr lang="en-US" dirty="0"/>
           </a:p>
@@ -3880,14 +3899,25 @@
           <a:bodyPr/>
           <a:lstStyle/>
           <a:p>
-            <a:endParaRPr lang="en-US"/>
+            <a:r>
+              <a:rPr lang="en-US" dirty="0" smtClean="0"/>
+              <a:t>Best to use a prefix</a:t>
+            </a:r>
+          </a:p>
+          <a:p>
+            <a:pPr lvl="1"/>
+            <a:r>
+              <a:rPr lang="en-US" dirty="0" smtClean="0"/>
+              <a:t>Avoid clashes with over libraries or future specifications</a:t>
+            </a:r>
+            <a:endParaRPr lang="en-US" dirty="0"/>
           </a:p>
         </p:txBody>
       </p:sp>
     </p:spTree>
     <p:extLst>
       <p:ext uri="{BB962C8B-B14F-4D97-AF65-F5344CB8AC3E}">
-        <p14:creationId xmlns:p14="http://schemas.microsoft.com/office/powerpoint/2010/main" val="1616011012"/>
+        <p14:creationId xmlns:p14="http://schemas.microsoft.com/office/powerpoint/2010/main" val="3680186656"/>
       </p:ext>
     </p:extLst>
   </p:cSld>
@@ -3933,8 +3963,12 @@
           <a:lstStyle/>
           <a:p>
             <a:r>
-              <a:rPr lang="en-US" dirty="0" smtClean="0"/>
-              <a:t>$compile</a:t>
+              <a:rPr lang="en-US" dirty="0" err="1"/>
+              <a:t>a</a:t>
+            </a:r>
+            <a:r>
+              <a:rPr lang="en-US" dirty="0" err="1" smtClean="0"/>
+              <a:t>ngular.element</a:t>
             </a:r>
             <a:endParaRPr lang="en-US" dirty="0"/>
           </a:p>
@@ -3955,14 +3989,59 @@
           <a:bodyPr/>
           <a:lstStyle/>
           <a:p>
-            <a:endParaRPr lang="en-US"/>
+            <a:r>
+              <a:rPr lang="en-US" dirty="0" smtClean="0"/>
+              <a:t>jQuery Lite (or jQuery) API</a:t>
+            </a:r>
+          </a:p>
+          <a:p>
+            <a:pPr lvl="1"/>
+            <a:r>
+              <a:rPr lang="en-US" dirty="0" smtClean="0"/>
+              <a:t>The 20% of jQuery you use 80% of the time</a:t>
+            </a:r>
+            <a:endParaRPr lang="en-US" dirty="0"/>
           </a:p>
         </p:txBody>
       </p:sp>
+      <p:pic>
+        <p:nvPicPr>
+          <p:cNvPr id="4" name="Picture 3"/>
+          <p:cNvPicPr>
+            <a:picLocks noChangeAspect="1"/>
+          </p:cNvPicPr>
+          <p:nvPr/>
+        </p:nvPicPr>
+        <p:blipFill>
+          <a:blip r:embed="rId2"/>
+          <a:stretch>
+            <a:fillRect/>
+          </a:stretch>
+        </p:blipFill>
+        <p:spPr>
+          <a:xfrm>
+            <a:off x="2714625" y="3067050"/>
+            <a:ext cx="3714750" cy="628650"/>
+          </a:xfrm>
+          <a:prstGeom prst="rect">
+            <a:avLst/>
+          </a:prstGeom>
+          <a:ln>
+            <a:noFill/>
+          </a:ln>
+          <a:effectLst>
+            <a:outerShdw blurRad="292100" dist="139700" dir="2700000" algn="tl" rotWithShape="0">
+              <a:srgbClr val="333333">
+                <a:alpha val="65000"/>
+              </a:srgbClr>
+            </a:outerShdw>
+          </a:effectLst>
+        </p:spPr>
+      </p:pic>
     </p:spTree>
     <p:extLst>
       <p:ext uri="{BB962C8B-B14F-4D97-AF65-F5344CB8AC3E}">
-        <p14:creationId xmlns:p14="http://schemas.microsoft.com/office/powerpoint/2010/main" val="939496736"/>
+        <p14:creationId xmlns:p14="http://schemas.microsoft.com/office/powerpoint/2010/main" val="1616011012"/>
       </p:ext>
     </p:extLst>
   </p:cSld>
@@ -4009,7 +4088,7 @@
           <a:p>
             <a:r>
               <a:rPr lang="en-US" dirty="0" smtClean="0"/>
-              <a:t>$parse</a:t>
+              <a:t>Directive Templates</a:t>
             </a:r>
             <a:endParaRPr lang="en-US" dirty="0"/>
           </a:p>
@@ -4030,14 +4109,77 @@
           <a:bodyPr/>
           <a:lstStyle/>
           <a:p>
-            <a:endParaRPr lang="en-US"/>
+            <a:r>
+              <a:rPr lang="en-US" dirty="0" smtClean="0"/>
+              <a:t>Will wrap or replace an element with the template contents</a:t>
+            </a:r>
+          </a:p>
+          <a:p>
+            <a:r>
+              <a:rPr lang="en-US" dirty="0" smtClean="0"/>
+              <a:t>Can be local (strings) or remote (</a:t>
+            </a:r>
+            <a:r>
+              <a:rPr lang="en-US" dirty="0" err="1" smtClean="0"/>
+              <a:t>templateUrl</a:t>
+            </a:r>
+            <a:r>
+              <a:rPr lang="en-US" dirty="0" smtClean="0"/>
+              <a:t>)</a:t>
+            </a:r>
           </a:p>
         </p:txBody>
       </p:sp>
+      <p:pic>
+        <p:nvPicPr>
+          <p:cNvPr id="4" name="Picture 3"/>
+          <p:cNvPicPr>
+            <a:picLocks noChangeAspect="1"/>
+          </p:cNvPicPr>
+          <p:nvPr/>
+        </p:nvPicPr>
+        <p:blipFill>
+          <a:blip r:embed="rId2">
+            <a:extLst>
+              <a:ext uri="{BEBA8EAE-BF5A-486C-A8C5-ECC9F3942E4B}">
+                <a14:imgProps xmlns:a14="http://schemas.microsoft.com/office/drawing/2010/main">
+                  <a14:imgLayer r:embed="rId3">
+                    <a14:imgEffect>
+                      <a14:colorTemperature colorTemp="11200"/>
+                    </a14:imgEffect>
+                  </a14:imgLayer>
+                </a14:imgProps>
+              </a:ext>
+            </a:extLst>
+          </a:blip>
+          <a:stretch>
+            <a:fillRect/>
+          </a:stretch>
+        </p:blipFill>
+        <p:spPr>
+          <a:xfrm>
+            <a:off x="1042987" y="2667000"/>
+            <a:ext cx="7058025" cy="2943225"/>
+          </a:xfrm>
+          <a:prstGeom prst="rect">
+            <a:avLst/>
+          </a:prstGeom>
+          <a:ln>
+            <a:noFill/>
+          </a:ln>
+          <a:effectLst>
+            <a:outerShdw blurRad="292100" dist="139700" dir="2700000" algn="tl" rotWithShape="0">
+              <a:srgbClr val="333333">
+                <a:alpha val="65000"/>
+              </a:srgbClr>
+            </a:outerShdw>
+          </a:effectLst>
+        </p:spPr>
+      </p:pic>
     </p:spTree>
     <p:extLst>
       <p:ext uri="{BB962C8B-B14F-4D97-AF65-F5344CB8AC3E}">
-        <p14:creationId xmlns:p14="http://schemas.microsoft.com/office/powerpoint/2010/main" val="2357980226"/>
+        <p14:creationId xmlns:p14="http://schemas.microsoft.com/office/powerpoint/2010/main" val="787836262"/>
       </p:ext>
     </p:extLst>
   </p:cSld>

--- a/angularjs/slides/05_Directives.pptx
+++ b/angularjs/slides/05_Directives.pptx
@@ -5,26 +5,35 @@
     <p:sldMasterId id="2147483772" r:id="rId1"/>
   </p:sldMasterIdLst>
   <p:notesMasterIdLst>
-    <p:notesMasterId r:id="rId16"/>
+    <p:notesMasterId r:id="rId25"/>
   </p:notesMasterIdLst>
   <p:handoutMasterIdLst>
-    <p:handoutMasterId r:id="rId17"/>
+    <p:handoutMasterId r:id="rId26"/>
   </p:handoutMasterIdLst>
   <p:sldIdLst>
     <p:sldId id="327" r:id="rId2"/>
     <p:sldId id="346" r:id="rId3"/>
     <p:sldId id="347" r:id="rId4"/>
     <p:sldId id="348" r:id="rId5"/>
-    <p:sldId id="349" r:id="rId6"/>
+    <p:sldId id="351" r:id="rId6"/>
     <p:sldId id="352" r:id="rId7"/>
-    <p:sldId id="364" r:id="rId8"/>
-    <p:sldId id="353" r:id="rId9"/>
-    <p:sldId id="354" r:id="rId10"/>
-    <p:sldId id="365" r:id="rId11"/>
-    <p:sldId id="363" r:id="rId12"/>
-    <p:sldId id="355" r:id="rId13"/>
-    <p:sldId id="356" r:id="rId14"/>
-    <p:sldId id="345" r:id="rId15"/>
+    <p:sldId id="353" r:id="rId8"/>
+    <p:sldId id="354" r:id="rId9"/>
+    <p:sldId id="355" r:id="rId10"/>
+    <p:sldId id="356" r:id="rId11"/>
+    <p:sldId id="357" r:id="rId12"/>
+    <p:sldId id="358" r:id="rId13"/>
+    <p:sldId id="360" r:id="rId14"/>
+    <p:sldId id="361" r:id="rId15"/>
+    <p:sldId id="362" r:id="rId16"/>
+    <p:sldId id="359" r:id="rId17"/>
+    <p:sldId id="364" r:id="rId18"/>
+    <p:sldId id="365" r:id="rId19"/>
+    <p:sldId id="368" r:id="rId20"/>
+    <p:sldId id="366" r:id="rId21"/>
+    <p:sldId id="367" r:id="rId22"/>
+    <p:sldId id="363" r:id="rId23"/>
+    <p:sldId id="345" r:id="rId24"/>
   </p:sldIdLst>
   <p:sldSz cx="9144000" cy="6858000" type="screen4x3"/>
   <p:notesSz cx="7302500" cy="9588500"/>
@@ -156,12 +165,12 @@
   <p:extLst>
     <p:ext uri="{EFAFB233-063F-42B5-8137-9DF3F51BA10A}">
       <p15:sldGuideLst xmlns:p15="http://schemas.microsoft.com/office/powerpoint/2012/main">
-        <p15:guide id="1" orient="horz" pos="2160">
+        <p15:guide id="1" orient="horz" pos="2160" userDrawn="1">
           <p15:clr>
             <a:srgbClr val="A4A3A4"/>
           </p15:clr>
         </p15:guide>
-        <p15:guide id="2" pos="2880">
+        <p15:guide id="2" pos="2880" userDrawn="1">
           <p15:clr>
             <a:srgbClr val="A4A3A4"/>
           </p15:clr>
@@ -277,7 +286,7 @@
               <a:pPr>
                 <a:defRPr/>
               </a:pPr>
-              <a:t>12/1/2013</a:t>
+              <a:t>5/29/2014</a:t>
             </a:fld>
             <a:endParaRPr lang="en-US"/>
           </a:p>
@@ -875,6 +884,10 @@
           </p:nvPr>
         </p:nvSpPr>
         <p:spPr>
+          <a:xfrm>
+            <a:off x="1254125" y="719138"/>
+            <a:ext cx="4794250" cy="3595687"/>
+          </a:xfrm>
           <a:noFill/>
           <a:ln cap="flat">
             <a:headEnd type="none" w="med" len="med"/>
@@ -909,6 +922,96 @@
     <p:extLst>
       <p:ext uri="{BB962C8B-B14F-4D97-AF65-F5344CB8AC3E}">
         <p14:creationId xmlns:p14="http://schemas.microsoft.com/office/powerpoint/2010/main" val="1495744"/>
+      </p:ext>
+    </p:extLst>
+  </p:cSld>
+  <p:clrMapOvr>
+    <a:masterClrMapping/>
+  </p:clrMapOvr>
+</p:notes>
+</file>
+
+<file path=ppt/notesSlides/notesSlide2.xml><?xml version="1.0" encoding="utf-8"?>
+<p:notes xmlns:a="http://schemas.openxmlformats.org/drawingml/2006/main" xmlns:r="http://schemas.openxmlformats.org/officeDocument/2006/relationships" xmlns:p="http://schemas.openxmlformats.org/presentationml/2006/main">
+  <p:cSld>
+    <p:spTree>
+      <p:nvGrpSpPr>
+        <p:cNvPr id="1" name=""/>
+        <p:cNvGrpSpPr/>
+        <p:nvPr/>
+      </p:nvGrpSpPr>
+      <p:grpSpPr>
+        <a:xfrm>
+          <a:off x="0" y="0"/>
+          <a:ext cx="0" cy="0"/>
+          <a:chOff x="0" y="0"/>
+          <a:chExt cx="0" cy="0"/>
+        </a:xfrm>
+      </p:grpSpPr>
+      <p:sp>
+        <p:nvSpPr>
+          <p:cNvPr id="2" name="Slide Image Placeholder 1"/>
+          <p:cNvSpPr>
+            <a:spLocks noGrp="1" noRot="1" noChangeAspect="1"/>
+          </p:cNvSpPr>
+          <p:nvPr>
+            <p:ph type="sldImg"/>
+          </p:nvPr>
+        </p:nvSpPr>
+        <p:spPr/>
+      </p:sp>
+      <p:sp>
+        <p:nvSpPr>
+          <p:cNvPr id="3" name="Notes Placeholder 2"/>
+          <p:cNvSpPr>
+            <a:spLocks noGrp="1"/>
+          </p:cNvSpPr>
+          <p:nvPr>
+            <p:ph type="body" idx="1"/>
+          </p:nvPr>
+        </p:nvSpPr>
+        <p:spPr/>
+        <p:txBody>
+          <a:bodyPr/>
+          <a:lstStyle/>
+          <a:p>
+            <a:endParaRPr lang="en-US" dirty="0"/>
+          </a:p>
+        </p:txBody>
+      </p:sp>
+      <p:sp>
+        <p:nvSpPr>
+          <p:cNvPr id="4" name="Slide Number Placeholder 3"/>
+          <p:cNvSpPr>
+            <a:spLocks noGrp="1"/>
+          </p:cNvSpPr>
+          <p:nvPr>
+            <p:ph type="sldNum" sz="quarter" idx="10"/>
+          </p:nvPr>
+        </p:nvSpPr>
+        <p:spPr/>
+        <p:txBody>
+          <a:bodyPr/>
+          <a:lstStyle/>
+          <a:p>
+            <a:pPr>
+              <a:defRPr/>
+            </a:pPr>
+            <a:fld id="{11D29CD3-EA91-4B07-8041-33A63E8C46BA}" type="slidenum">
+              <a:rPr lang="en-US" smtClean="0"/>
+              <a:pPr>
+                <a:defRPr/>
+              </a:pPr>
+              <a:t>2</a:t>
+            </a:fld>
+            <a:endParaRPr lang="en-US"/>
+          </a:p>
+        </p:txBody>
+      </p:sp>
+    </p:spTree>
+    <p:extLst>
+      <p:ext uri="{BB962C8B-B14F-4D97-AF65-F5344CB8AC3E}">
+        <p14:creationId xmlns:p14="http://schemas.microsoft.com/office/powerpoint/2010/main" val="2307070819"/>
       </p:ext>
     </p:extLst>
   </p:cSld>
@@ -947,7 +1050,7 @@
         </p:nvSpPr>
         <p:spPr>
           <a:xfrm>
-            <a:off x="685800" y="1219200"/>
+            <a:off x="685800" y="1219202"/>
             <a:ext cx="7772400" cy="1933575"/>
           </a:xfrm>
           <a:noFill/>
@@ -1009,43 +1112,43 @@
       </p:sp>
       <p:pic>
         <p:nvPicPr>
-          <p:cNvPr id="9" name="Picture 6" descr="http://www.odetocode.com/">
-            <a:hlinkClick r:id="rId2"/>
-          </p:cNvPr>
+          <p:cNvPr id="2050" name="Picture 2" descr="http://odetocode.com/Images/odetocode3.png"/>
           <p:cNvPicPr>
             <a:picLocks noChangeAspect="1" noChangeArrowheads="1"/>
           </p:cNvPicPr>
           <p:nvPr userDrawn="1"/>
         </p:nvPicPr>
         <p:blipFill>
-          <a:blip r:embed="rId3"/>
-          <a:srcRect r="26934"/>
+          <a:blip r:embed="rId2">
+            <a:extLst>
+              <a:ext uri="{28A0092B-C50C-407E-A947-70E740481C1C}">
+                <a14:useLocalDpi xmlns:a14="http://schemas.microsoft.com/office/drawing/2010/main" val="0"/>
+              </a:ext>
+            </a:extLst>
+          </a:blip>
+          <a:srcRect/>
           <a:stretch>
             <a:fillRect/>
           </a:stretch>
         </p:blipFill>
         <p:spPr bwMode="auto">
           <a:xfrm>
-            <a:off x="7620000" y="6248400"/>
-            <a:ext cx="1295400" cy="439103"/>
+            <a:off x="7620000" y="6467714"/>
+            <a:ext cx="1438275" cy="390286"/>
           </a:xfrm>
           <a:prstGeom prst="rect">
             <a:avLst/>
           </a:prstGeom>
-          <a:ln w="38100" cap="sq">
-            <a:solidFill>
-              <a:srgbClr val="000000"/>
-            </a:solidFill>
-            <a:prstDash val="solid"/>
-            <a:miter lim="800000"/>
-          </a:ln>
-          <a:effectLst>
-            <a:outerShdw blurRad="50800" dist="38100" dir="2700000" algn="tl" rotWithShape="0">
-              <a:srgbClr val="000000">
-                <a:alpha val="43000"/>
-              </a:srgbClr>
-            </a:outerShdw>
-          </a:effectLst>
+          <a:noFill/>
+          <a:extLst>
+            <a:ext uri="{909E8E84-426E-40DD-AFC4-6F175D3DCCD1}">
+              <a14:hiddenFill xmlns:a14="http://schemas.microsoft.com/office/drawing/2010/main">
+                <a:solidFill>
+                  <a:srgbClr val="FFFFFF"/>
+                </a:solidFill>
+              </a14:hiddenFill>
+            </a:ext>
+          </a:extLst>
         </p:spPr>
       </p:pic>
     </p:spTree>
@@ -1067,6 +1170,14 @@
 <file path=ppt/slideLayouts/slideLayout2.xml><?xml version="1.0" encoding="utf-8"?>
 <p:sldLayout xmlns:a="http://schemas.openxmlformats.org/drawingml/2006/main" xmlns:r="http://schemas.openxmlformats.org/officeDocument/2006/relationships" xmlns:p="http://schemas.openxmlformats.org/presentationml/2006/main" type="tx" preserve="1">
   <p:cSld name="Title and Text">
+    <p:bg>
+      <p:bgPr>
+        <a:solidFill>
+          <a:srgbClr val="BDBDA9"/>
+        </a:solidFill>
+        <a:effectLst/>
+      </p:bgPr>
+    </p:bg>
     <p:spTree>
       <p:nvGrpSpPr>
         <p:cNvPr id="1" name=""/>
@@ -1862,43 +1973,43 @@
       </p:cxnSp>
       <p:pic>
         <p:nvPicPr>
-          <p:cNvPr id="8" name="Picture 6" descr="http://www.odetocode.com/">
-            <a:hlinkClick r:id="rId9"/>
-          </p:cNvPr>
+          <p:cNvPr id="1026" name="Picture 2" descr="http://odetocode.com/Images/odetocode3.png"/>
           <p:cNvPicPr>
             <a:picLocks noChangeAspect="1" noChangeArrowheads="1"/>
           </p:cNvPicPr>
           <p:nvPr userDrawn="1"/>
         </p:nvPicPr>
         <p:blipFill>
-          <a:blip r:embed="rId10"/>
-          <a:srcRect r="26934"/>
+          <a:blip r:embed="rId9">
+            <a:extLst>
+              <a:ext uri="{28A0092B-C50C-407E-A947-70E740481C1C}">
+                <a14:useLocalDpi xmlns:a14="http://schemas.microsoft.com/office/drawing/2010/main" val="0"/>
+              </a:ext>
+            </a:extLst>
+          </a:blip>
+          <a:srcRect/>
           <a:stretch>
             <a:fillRect/>
           </a:stretch>
         </p:blipFill>
         <p:spPr bwMode="auto">
           <a:xfrm>
-            <a:off x="7620000" y="6266497"/>
-            <a:ext cx="1295400" cy="439103"/>
+            <a:off x="7696200" y="6278582"/>
+            <a:ext cx="1362075" cy="369609"/>
           </a:xfrm>
           <a:prstGeom prst="rect">
             <a:avLst/>
           </a:prstGeom>
-          <a:ln w="38100" cap="sq">
-            <a:solidFill>
-              <a:srgbClr val="000000"/>
-            </a:solidFill>
-            <a:prstDash val="solid"/>
-            <a:miter lim="800000"/>
-          </a:ln>
-          <a:effectLst>
-            <a:outerShdw blurRad="50800" dist="38100" dir="2700000" algn="tl" rotWithShape="0">
-              <a:srgbClr val="000000">
-                <a:alpha val="43000"/>
-              </a:srgbClr>
-            </a:outerShdw>
-          </a:effectLst>
+          <a:noFill/>
+          <a:extLst>
+            <a:ext uri="{909E8E84-426E-40DD-AFC4-6F175D3DCCD1}">
+              <a14:hiddenFill xmlns:a14="http://schemas.microsoft.com/office/drawing/2010/main">
+                <a:solidFill>
+                  <a:srgbClr val="FFFFFF"/>
+                </a:solidFill>
+              </a14:hiddenFill>
+            </a:ext>
+          </a:extLst>
         </p:spPr>
       </p:pic>
     </p:spTree>
@@ -2437,10 +2548,18 @@
           <a:bodyPr/>
           <a:lstStyle/>
           <a:p>
-            <a:pPr marL="0" indent="0" defTabSz="914400" eaLnBrk="1" hangingPunct="1"/>
+            <a:pPr marL="0" indent="0" defTabSz="914400"/>
             <a:r>
               <a:rPr lang="en-US" dirty="0" smtClean="0"/>
-              <a:t>Directives</a:t>
+              <a:t>Building Directives For </a:t>
+            </a:r>
+            <a:r>
+              <a:rPr lang="en-US" dirty="0"/>
+              <a:t>A</a:t>
+            </a:r>
+            <a:r>
+              <a:rPr lang="en-US" dirty="0" smtClean="0"/>
+              <a:t>ngularJS</a:t>
             </a:r>
           </a:p>
         </p:txBody>
@@ -2460,7 +2579,7 @@
           <a:bodyPr/>
           <a:lstStyle/>
           <a:p>
-            <a:pPr defTabSz="914400" eaLnBrk="1" hangingPunct="1"/>
+            <a:pPr defTabSz="914400"/>
             <a:r>
               <a:rPr lang="en-US" dirty="0" smtClean="0"/>
               <a:t>&lt;</a:t>
@@ -2475,15 +2594,22 @@
             </a:r>
           </a:p>
           <a:p>
-            <a:pPr defTabSz="914400" eaLnBrk="1" hangingPunct="1"/>
+            <a:pPr defTabSz="914400"/>
             <a:r>
               <a:rPr lang="en-US" dirty="0" smtClean="0"/>
               <a:t>&lt;slide&gt;</a:t>
             </a:r>
+          </a:p>
+          <a:p>
+            <a:pPr defTabSz="914400"/>
+            <a:r>
+              <a:rPr lang="en-US" dirty="0" smtClean="0"/>
+              <a:t>&lt;/slide&gt;</a:t>
+            </a:r>
             <a:endParaRPr lang="en-US" dirty="0"/>
           </a:p>
           <a:p>
-            <a:pPr defTabSz="914400" eaLnBrk="1" hangingPunct="1"/>
+            <a:pPr defTabSz="914400"/>
             <a:r>
               <a:rPr lang="en-US" dirty="0" smtClean="0"/>
               <a:t>&lt;/</a:t>
@@ -2522,7 +2648,7 @@
         </p:blipFill>
         <p:spPr bwMode="auto">
           <a:xfrm>
-            <a:off x="685800" y="5610225"/>
+            <a:off x="685802" y="5610227"/>
             <a:ext cx="3648075" cy="1028701"/>
           </a:xfrm>
           <a:prstGeom prst="rect">
@@ -2591,8 +2717,8 @@
           <a:lstStyle/>
           <a:p>
             <a:r>
-              <a:rPr lang="en-US" dirty="0" err="1" smtClean="0"/>
-              <a:t>Transclusion</a:t>
+              <a:rPr lang="en-US" dirty="0" smtClean="0"/>
+              <a:t>Link Function</a:t>
             </a:r>
             <a:endParaRPr lang="en-US" dirty="0"/>
           </a:p>
@@ -2615,7 +2741,24 @@
           <a:p>
             <a:r>
               <a:rPr lang="en-US" dirty="0" smtClean="0"/>
-              <a:t>Include original content into template</a:t>
+              <a:t>‘Link’ the DOM to an Angular scope</a:t>
+            </a:r>
+          </a:p>
+          <a:p>
+            <a:r>
+              <a:rPr lang="en-US" dirty="0" smtClean="0"/>
+              <a:t>Element parameter is wrapped by </a:t>
+            </a:r>
+            <a:r>
+              <a:rPr lang="en-US" dirty="0" err="1" smtClean="0"/>
+              <a:t>jqLite</a:t>
+            </a:r>
+            <a:endParaRPr lang="en-US" dirty="0" smtClean="0"/>
+          </a:p>
+          <a:p>
+            <a:r>
+              <a:rPr lang="en-US" dirty="0" smtClean="0"/>
+              <a:t>Safe to modify DOM, wire up events</a:t>
             </a:r>
             <a:endParaRPr lang="en-US" dirty="0"/>
           </a:p>
@@ -2623,7 +2766,7 @@
       </p:sp>
       <p:pic>
         <p:nvPicPr>
-          <p:cNvPr id="4" name="Picture 3"/>
+          <p:cNvPr id="5" name="Picture 4"/>
           <p:cNvPicPr>
             <a:picLocks noChangeAspect="1"/>
           </p:cNvPicPr>
@@ -2637,28 +2780,18 @@
         </p:blipFill>
         <p:spPr>
           <a:xfrm>
-            <a:off x="1319212" y="2628900"/>
-            <a:ext cx="6505575" cy="1600200"/>
+            <a:off x="1295400" y="2857500"/>
+            <a:ext cx="6353175" cy="3467100"/>
           </a:xfrm>
           <a:prstGeom prst="rect">
             <a:avLst/>
           </a:prstGeom>
-          <a:ln>
-            <a:noFill/>
-          </a:ln>
-          <a:effectLst>
-            <a:outerShdw blurRad="292100" dist="139700" dir="2700000" algn="tl" rotWithShape="0">
-              <a:srgbClr val="333333">
-                <a:alpha val="65000"/>
-              </a:srgbClr>
-            </a:outerShdw>
-          </a:effectLst>
         </p:spPr>
       </p:pic>
     </p:spTree>
     <p:extLst>
       <p:ext uri="{BB962C8B-B14F-4D97-AF65-F5344CB8AC3E}">
-        <p14:creationId xmlns:p14="http://schemas.microsoft.com/office/powerpoint/2010/main" val="1097313718"/>
+        <p14:creationId xmlns:p14="http://schemas.microsoft.com/office/powerpoint/2010/main" val="2062915293"/>
       </p:ext>
     </p:extLst>
   </p:cSld>
@@ -2668,6 +2801,13 @@
   <p:transition>
     <p:fade/>
   </p:transition>
+  <p:timing>
+    <p:tnLst>
+      <p:par>
+        <p:cTn id="1" dur="indefinite" restart="never" nodeType="tmRoot"/>
+      </p:par>
+    </p:tnLst>
+  </p:timing>
 </p:sld>
 </file>
 
@@ -2705,7 +2845,7 @@
           <a:p>
             <a:r>
               <a:rPr lang="en-US" dirty="0" smtClean="0"/>
-              <a:t>Compile and Link</a:t>
+              <a:t>Isolated Scope</a:t>
             </a:r>
             <a:endParaRPr lang="en-US" dirty="0"/>
           </a:p>
@@ -2728,14 +2868,26 @@
           <a:p>
             <a:r>
               <a:rPr lang="en-US" dirty="0" smtClean="0"/>
-              <a:t>Compile: transforms the template</a:t>
+              <a:t>Directive scope === parent scope (by default)</a:t>
             </a:r>
           </a:p>
           <a:p>
             <a:r>
               <a:rPr lang="en-US" dirty="0" smtClean="0"/>
-              <a:t>Link: Modify data in the view (DOM)</a:t>
-            </a:r>
+              <a:t>Isolated scope gives directive it’s own scope</a:t>
+            </a:r>
+          </a:p>
+          <a:p>
+            <a:pPr lvl="1"/>
+            <a:r>
+              <a:rPr lang="en-US" dirty="0" smtClean="0"/>
+              <a:t>Inherits from $</a:t>
+            </a:r>
+            <a:r>
+              <a:rPr lang="en-US" dirty="0" err="1" smtClean="0"/>
+              <a:t>rootScope</a:t>
+            </a:r>
+            <a:endParaRPr lang="en-US" dirty="0"/>
           </a:p>
         </p:txBody>
       </p:sp>
@@ -2755,28 +2907,70 @@
         </p:blipFill>
         <p:spPr>
           <a:xfrm>
-            <a:off x="2514600" y="2690812"/>
-            <a:ext cx="4114800" cy="1476375"/>
+            <a:off x="1676400" y="2743200"/>
+            <a:ext cx="5791200" cy="3771900"/>
           </a:xfrm>
           <a:prstGeom prst="rect">
             <a:avLst/>
           </a:prstGeom>
-          <a:ln>
-            <a:noFill/>
+        </p:spPr>
+      </p:pic>
+      <p:sp>
+        <p:nvSpPr>
+          <p:cNvPr id="5" name="Right Arrow 4"/>
+          <p:cNvSpPr/>
+          <p:nvPr/>
+        </p:nvSpPr>
+        <p:spPr bwMode="auto">
+          <a:xfrm>
+            <a:off x="1905000" y="3695700"/>
+            <a:ext cx="685800" cy="342900"/>
+          </a:xfrm>
+          <a:prstGeom prst="rightArrow">
+            <a:avLst/>
+          </a:prstGeom>
+          <a:gradFill rotWithShape="1">
+            <a:gsLst>
+              <a:gs pos="0">
+                <a:srgbClr val="A4D289"/>
+              </a:gs>
+              <a:gs pos="100000">
+                <a:schemeClr val="bg1"/>
+              </a:gs>
+            </a:gsLst>
+            <a:lin ang="5400000" scaled="1"/>
+          </a:gradFill>
+          <a:ln w="9525" algn="ctr">
+            <a:solidFill>
+              <a:schemeClr val="tx1"/>
+            </a:solidFill>
+            <a:miter lim="800000"/>
+            <a:headEnd/>
+            <a:tailEnd/>
           </a:ln>
           <a:effectLst>
-            <a:outerShdw blurRad="292100" dist="139700" dir="2700000" algn="tl" rotWithShape="0">
-              <a:srgbClr val="333333">
-                <a:alpha val="65000"/>
-              </a:srgbClr>
+            <a:outerShdw blurRad="50800" dist="38100" dir="2700000" algn="tl" rotWithShape="0">
+              <a:prstClr val="black">
+                <a:alpha val="40000"/>
+              </a:prstClr>
             </a:outerShdw>
           </a:effectLst>
         </p:spPr>
-      </p:pic>
+        <p:txBody>
+          <a:bodyPr wrap="none" rtlCol="0" anchor="ctr"/>
+          <a:lstStyle/>
+          <a:p>
+            <a:pPr algn="ctr"/>
+            <a:endParaRPr lang="en-US" sz="2000" dirty="0">
+              <a:latin typeface="Tekton Pro" pitchFamily="34" charset="0"/>
+            </a:endParaRPr>
+          </a:p>
+        </p:txBody>
+      </p:sp>
     </p:spTree>
     <p:extLst>
       <p:ext uri="{BB962C8B-B14F-4D97-AF65-F5344CB8AC3E}">
-        <p14:creationId xmlns:p14="http://schemas.microsoft.com/office/powerpoint/2010/main" val="3624257315"/>
+        <p14:creationId xmlns:p14="http://schemas.microsoft.com/office/powerpoint/2010/main" val="1210971847"/>
       </p:ext>
     </p:extLst>
   </p:cSld>
@@ -2786,6 +2980,111 @@
   <p:transition>
     <p:fade/>
   </p:transition>
+  <p:timing>
+    <p:tnLst>
+      <p:par>
+        <p:cTn id="1" dur="indefinite" restart="never" nodeType="tmRoot">
+          <p:childTnLst>
+            <p:seq concurrent="1" nextAc="seek">
+              <p:cTn id="2" dur="indefinite" nodeType="mainSeq">
+                <p:childTnLst>
+                  <p:par>
+                    <p:cTn id="3" fill="hold">
+                      <p:stCondLst>
+                        <p:cond delay="indefinite"/>
+                      </p:stCondLst>
+                      <p:childTnLst>
+                        <p:par>
+                          <p:cTn id="4" fill="hold">
+                            <p:stCondLst>
+                              <p:cond delay="0"/>
+                            </p:stCondLst>
+                            <p:childTnLst>
+                              <p:par>
+                                <p:cTn id="5" presetID="1" presetClass="entr" presetSubtype="0" fill="hold" nodeType="clickEffect">
+                                  <p:stCondLst>
+                                    <p:cond delay="0"/>
+                                  </p:stCondLst>
+                                  <p:childTnLst>
+                                    <p:set>
+                                      <p:cBhvr>
+                                        <p:cTn id="6" dur="1" fill="hold">
+                                          <p:stCondLst>
+                                            <p:cond delay="0"/>
+                                          </p:stCondLst>
+                                        </p:cTn>
+                                        <p:tgtEl>
+                                          <p:spTgt spid="4"/>
+                                        </p:tgtEl>
+                                        <p:attrNameLst>
+                                          <p:attrName>style.visibility</p:attrName>
+                                        </p:attrNameLst>
+                                      </p:cBhvr>
+                                      <p:to>
+                                        <p:strVal val="visible"/>
+                                      </p:to>
+                                    </p:set>
+                                  </p:childTnLst>
+                                </p:cTn>
+                              </p:par>
+                              <p:par>
+                                <p:cTn id="7" presetID="1" presetClass="entr" presetSubtype="0" fill="hold" grpId="0" nodeType="withEffect">
+                                  <p:stCondLst>
+                                    <p:cond delay="0"/>
+                                  </p:stCondLst>
+                                  <p:childTnLst>
+                                    <p:set>
+                                      <p:cBhvr>
+                                        <p:cTn id="8" dur="1" fill="hold">
+                                          <p:stCondLst>
+                                            <p:cond delay="0"/>
+                                          </p:stCondLst>
+                                        </p:cTn>
+                                        <p:tgtEl>
+                                          <p:spTgt spid="5"/>
+                                        </p:tgtEl>
+                                        <p:attrNameLst>
+                                          <p:attrName>style.visibility</p:attrName>
+                                        </p:attrNameLst>
+                                      </p:cBhvr>
+                                      <p:to>
+                                        <p:strVal val="visible"/>
+                                      </p:to>
+                                    </p:set>
+                                  </p:childTnLst>
+                                </p:cTn>
+                              </p:par>
+                            </p:childTnLst>
+                          </p:cTn>
+                        </p:par>
+                      </p:childTnLst>
+                    </p:cTn>
+                  </p:par>
+                </p:childTnLst>
+              </p:cTn>
+              <p:prevCondLst>
+                <p:cond evt="onPrev" delay="0">
+                  <p:tgtEl>
+                    <p:sldTgt/>
+                  </p:tgtEl>
+                </p:cond>
+              </p:prevCondLst>
+              <p:nextCondLst>
+                <p:cond evt="onNext" delay="0">
+                  <p:tgtEl>
+                    <p:sldTgt/>
+                  </p:tgtEl>
+                </p:cond>
+              </p:nextCondLst>
+            </p:seq>
+          </p:childTnLst>
+        </p:cTn>
+      </p:par>
+    </p:tnLst>
+    <p:bldLst>
+      <p:bldP spid="5" grpId="0" animBg="1"/>
+    </p:bldLst>
+  </p:timing>
 </p:sld>
 </file>
 
@@ -2823,7 +3122,7 @@
           <a:p>
             <a:r>
               <a:rPr lang="en-US" dirty="0" smtClean="0"/>
-              <a:t>Directives and Scope</a:t>
+              <a:t>Scope Bindings</a:t>
             </a:r>
             <a:endParaRPr lang="en-US" dirty="0"/>
           </a:p>
@@ -2846,45 +3145,227 @@
           <a:p>
             <a:r>
               <a:rPr lang="en-US" dirty="0" smtClean="0"/>
-              <a:t>Three options</a:t>
+              <a:t>Form a bridge from isolated scope to controller scope and attributes</a:t>
+            </a:r>
+          </a:p>
+          <a:p>
+            <a:r>
+              <a:rPr lang="en-US" dirty="0" smtClean="0"/>
+              <a:t>Three magical bindings</a:t>
             </a:r>
           </a:p>
           <a:p>
             <a:pPr lvl="1"/>
             <a:r>
               <a:rPr lang="en-US" dirty="0" smtClean="0"/>
-              <a:t>Use existing scope (default)</a:t>
+              <a:t>@ (attribute)</a:t>
             </a:r>
           </a:p>
           <a:p>
             <a:pPr lvl="1"/>
             <a:r>
               <a:rPr lang="en-US" dirty="0" smtClean="0"/>
-              <a:t>Create a new inherited scope (</a:t>
-            </a:r>
-            <a:r>
-              <a:rPr lang="en-US" dirty="0" err="1" smtClean="0"/>
-              <a:t>scope:true</a:t>
-            </a:r>
+              <a:t>= (model value)</a:t>
+            </a:r>
+          </a:p>
+          <a:p>
+            <a:pPr lvl="1"/>
             <a:r>
               <a:rPr lang="en-US" dirty="0" smtClean="0"/>
-              <a:t>)</a:t>
-            </a:r>
-          </a:p>
-          <a:p>
-            <a:pPr lvl="1"/>
-            <a:r>
-              <a:rPr lang="en-US" dirty="0" smtClean="0"/>
-              <a:t>Create an isolate scope ( scope: { } )</a:t>
+              <a:t>&amp; (model function)</a:t>
             </a:r>
             <a:endParaRPr lang="en-US" dirty="0"/>
+          </a:p>
+        </p:txBody>
+      </p:sp>
+      <p:pic>
+        <p:nvPicPr>
+          <p:cNvPr id="1026" name="Picture 2" descr="http://www.beautifulflowerpictures.com/blog/wp-content/uploads/2008/06/burnsidebridge2_hdr.jpg"/>
+          <p:cNvPicPr>
+            <a:picLocks noChangeAspect="1" noChangeArrowheads="1"/>
+          </p:cNvPicPr>
+          <p:nvPr/>
+        </p:nvPicPr>
+        <p:blipFill>
+          <a:blip r:embed="rId2">
+            <a:extLst>
+              <a:ext uri="{28A0092B-C50C-407E-A947-70E740481C1C}">
+                <a14:useLocalDpi xmlns:a14="http://schemas.microsoft.com/office/drawing/2010/main" val="0"/>
+              </a:ext>
+            </a:extLst>
+          </a:blip>
+          <a:srcRect/>
+          <a:stretch>
+            <a:fillRect/>
+          </a:stretch>
+        </p:blipFill>
+        <p:spPr bwMode="auto">
+          <a:xfrm>
+            <a:off x="2569748" y="3629891"/>
+            <a:ext cx="4004503" cy="2667000"/>
+          </a:xfrm>
+          <a:prstGeom prst="rect">
+            <a:avLst/>
+          </a:prstGeom>
+          <a:noFill/>
+          <a:extLst>
+            <a:ext uri="{909E8E84-426E-40DD-AFC4-6F175D3DCCD1}">
+              <a14:hiddenFill xmlns:a14="http://schemas.microsoft.com/office/drawing/2010/main">
+                <a:solidFill>
+                  <a:srgbClr val="FFFFFF"/>
+                </a:solidFill>
+              </a14:hiddenFill>
+            </a:ext>
+          </a:extLst>
+        </p:spPr>
+      </p:pic>
+      <p:sp>
+        <p:nvSpPr>
+          <p:cNvPr id="4" name="Oval 3"/>
+          <p:cNvSpPr/>
+          <p:nvPr/>
+        </p:nvSpPr>
+        <p:spPr bwMode="auto">
+          <a:xfrm>
+            <a:off x="1447800" y="4315691"/>
+            <a:ext cx="1371600" cy="1295400"/>
+          </a:xfrm>
+          <a:prstGeom prst="ellipse">
+            <a:avLst/>
+          </a:prstGeom>
+          <a:gradFill rotWithShape="1">
+            <a:gsLst>
+              <a:gs pos="0">
+                <a:srgbClr val="A4D289"/>
+              </a:gs>
+              <a:gs pos="100000">
+                <a:schemeClr val="bg1"/>
+              </a:gs>
+            </a:gsLst>
+            <a:lin ang="5400000" scaled="1"/>
+          </a:gradFill>
+          <a:ln w="9525" algn="ctr">
+            <a:solidFill>
+              <a:schemeClr val="tx1"/>
+            </a:solidFill>
+            <a:miter lim="800000"/>
+            <a:headEnd/>
+            <a:tailEnd/>
+          </a:ln>
+          <a:effectLst>
+            <a:outerShdw blurRad="50800" dist="38100" dir="2700000" algn="tl" rotWithShape="0">
+              <a:prstClr val="black">
+                <a:alpha val="40000"/>
+              </a:prstClr>
+            </a:outerShdw>
+          </a:effectLst>
+        </p:spPr>
+        <p:txBody>
+          <a:bodyPr wrap="none" rtlCol="0" anchor="ctr"/>
+          <a:lstStyle/>
+          <a:p>
+            <a:pPr algn="ctr"/>
+            <a:r>
+              <a:rPr lang="en-US" sz="2000" dirty="0" smtClean="0">
+                <a:latin typeface="Tekton Pro" pitchFamily="34" charset="0"/>
+              </a:rPr>
+              <a:t>Controller</a:t>
+            </a:r>
+          </a:p>
+          <a:p>
+            <a:pPr algn="ctr"/>
+            <a:r>
+              <a:rPr lang="en-US" sz="2000" dirty="0" smtClean="0">
+                <a:latin typeface="Tekton Pro" pitchFamily="34" charset="0"/>
+              </a:rPr>
+              <a:t>$scope</a:t>
+            </a:r>
+            <a:endParaRPr lang="en-US" sz="2000" dirty="0">
+              <a:latin typeface="Tekton Pro" pitchFamily="34" charset="0"/>
+            </a:endParaRPr>
+          </a:p>
+        </p:txBody>
+      </p:sp>
+      <p:sp>
+        <p:nvSpPr>
+          <p:cNvPr id="6" name="Oval 5"/>
+          <p:cNvSpPr/>
+          <p:nvPr/>
+        </p:nvSpPr>
+        <p:spPr bwMode="auto">
+          <a:xfrm>
+            <a:off x="6324599" y="4315691"/>
+            <a:ext cx="1371600" cy="1295400"/>
+          </a:xfrm>
+          <a:prstGeom prst="ellipse">
+            <a:avLst/>
+          </a:prstGeom>
+          <a:gradFill rotWithShape="1">
+            <a:gsLst>
+              <a:gs pos="0">
+                <a:srgbClr val="A4D289"/>
+              </a:gs>
+              <a:gs pos="100000">
+                <a:schemeClr val="bg1"/>
+              </a:gs>
+            </a:gsLst>
+            <a:lin ang="5400000" scaled="1"/>
+          </a:gradFill>
+          <a:ln w="9525" algn="ctr">
+            <a:solidFill>
+              <a:schemeClr val="tx1"/>
+            </a:solidFill>
+            <a:miter lim="800000"/>
+            <a:headEnd/>
+            <a:tailEnd/>
+          </a:ln>
+          <a:effectLst>
+            <a:outerShdw blurRad="50800" dist="38100" dir="2700000" algn="tl" rotWithShape="0">
+              <a:prstClr val="black">
+                <a:alpha val="40000"/>
+              </a:prstClr>
+            </a:outerShdw>
+          </a:effectLst>
+        </p:spPr>
+        <p:txBody>
+          <a:bodyPr wrap="none" rtlCol="0" anchor="ctr"/>
+          <a:lstStyle/>
+          <a:p>
+            <a:pPr algn="ctr"/>
+            <a:r>
+              <a:rPr lang="en-US" sz="2000" dirty="0" smtClean="0">
+                <a:latin typeface="Tekton Pro" pitchFamily="34" charset="0"/>
+              </a:rPr>
+              <a:t>Isolated</a:t>
+            </a:r>
+          </a:p>
+          <a:p>
+            <a:pPr algn="ctr"/>
+            <a:r>
+              <a:rPr lang="en-US" sz="2000" dirty="0" smtClean="0">
+                <a:latin typeface="Tekton Pro" pitchFamily="34" charset="0"/>
+              </a:rPr>
+              <a:t>Directive</a:t>
+            </a:r>
+          </a:p>
+          <a:p>
+            <a:pPr algn="ctr"/>
+            <a:r>
+              <a:rPr lang="en-US" sz="2000" dirty="0" smtClean="0">
+                <a:latin typeface="Tekton Pro" pitchFamily="34" charset="0"/>
+              </a:rPr>
+              <a:t>scope</a:t>
+            </a:r>
+            <a:endParaRPr lang="en-US" sz="2000" dirty="0">
+              <a:latin typeface="Tekton Pro" pitchFamily="34" charset="0"/>
+            </a:endParaRPr>
           </a:p>
         </p:txBody>
       </p:sp>
     </p:spTree>
     <p:extLst>
       <p:ext uri="{BB962C8B-B14F-4D97-AF65-F5344CB8AC3E}">
-        <p14:creationId xmlns:p14="http://schemas.microsoft.com/office/powerpoint/2010/main" val="1347379776"/>
+        <p14:creationId xmlns:p14="http://schemas.microsoft.com/office/powerpoint/2010/main" val="3698402651"/>
       </p:ext>
     </p:extLst>
   </p:cSld>
@@ -2894,6 +3375,432 @@
   <p:transition>
     <p:fade/>
   </p:transition>
+  <p:timing>
+    <p:tnLst>
+      <p:par>
+        <p:cTn id="1" dur="indefinite" restart="never" nodeType="tmRoot">
+          <p:childTnLst>
+            <p:seq concurrent="1" nextAc="seek">
+              <p:cTn id="2" dur="indefinite" nodeType="mainSeq">
+                <p:childTnLst>
+                  <p:par>
+                    <p:cTn id="3" fill="hold">
+                      <p:stCondLst>
+                        <p:cond delay="indefinite"/>
+                      </p:stCondLst>
+                      <p:childTnLst>
+                        <p:par>
+                          <p:cTn id="4" fill="hold">
+                            <p:stCondLst>
+                              <p:cond delay="0"/>
+                            </p:stCondLst>
+                            <p:childTnLst>
+                              <p:par>
+                                <p:cTn id="5" presetID="10" presetClass="entr" presetSubtype="0" fill="hold" nodeType="clickEffect">
+                                  <p:stCondLst>
+                                    <p:cond delay="0"/>
+                                  </p:stCondLst>
+                                  <p:childTnLst>
+                                    <p:set>
+                                      <p:cBhvr>
+                                        <p:cTn id="6" dur="1" fill="hold">
+                                          <p:stCondLst>
+                                            <p:cond delay="0"/>
+                                          </p:stCondLst>
+                                        </p:cTn>
+                                        <p:tgtEl>
+                                          <p:spTgt spid="3">
+                                            <p:txEl>
+                                              <p:pRg st="0" end="0"/>
+                                            </p:txEl>
+                                          </p:spTgt>
+                                        </p:tgtEl>
+                                        <p:attrNameLst>
+                                          <p:attrName>style.visibility</p:attrName>
+                                        </p:attrNameLst>
+                                      </p:cBhvr>
+                                      <p:to>
+                                        <p:strVal val="visible"/>
+                                      </p:to>
+                                    </p:set>
+                                    <p:animEffect transition="in" filter="fade">
+                                      <p:cBhvr>
+                                        <p:cTn id="7" dur="500"/>
+                                        <p:tgtEl>
+                                          <p:spTgt spid="3">
+                                            <p:txEl>
+                                              <p:pRg st="0" end="0"/>
+                                            </p:txEl>
+                                          </p:spTgt>
+                                        </p:tgtEl>
+                                      </p:cBhvr>
+                                    </p:animEffect>
+                                  </p:childTnLst>
+                                </p:cTn>
+                              </p:par>
+                              <p:par>
+                                <p:cTn id="8" presetID="10" presetClass="entr" presetSubtype="0" fill="hold" nodeType="withEffect">
+                                  <p:stCondLst>
+                                    <p:cond delay="0"/>
+                                  </p:stCondLst>
+                                  <p:childTnLst>
+                                    <p:set>
+                                      <p:cBhvr>
+                                        <p:cTn id="9" dur="1" fill="hold">
+                                          <p:stCondLst>
+                                            <p:cond delay="0"/>
+                                          </p:stCondLst>
+                                        </p:cTn>
+                                        <p:tgtEl>
+                                          <p:spTgt spid="3">
+                                            <p:txEl>
+                                              <p:pRg st="1" end="1"/>
+                                            </p:txEl>
+                                          </p:spTgt>
+                                        </p:tgtEl>
+                                        <p:attrNameLst>
+                                          <p:attrName>style.visibility</p:attrName>
+                                        </p:attrNameLst>
+                                      </p:cBhvr>
+                                      <p:to>
+                                        <p:strVal val="visible"/>
+                                      </p:to>
+                                    </p:set>
+                                    <p:animEffect transition="in" filter="fade">
+                                      <p:cBhvr>
+                                        <p:cTn id="10" dur="500"/>
+                                        <p:tgtEl>
+                                          <p:spTgt spid="3">
+                                            <p:txEl>
+                                              <p:pRg st="1" end="1"/>
+                                            </p:txEl>
+                                          </p:spTgt>
+                                        </p:tgtEl>
+                                      </p:cBhvr>
+                                    </p:animEffect>
+                                  </p:childTnLst>
+                                </p:cTn>
+                              </p:par>
+                              <p:par>
+                                <p:cTn id="11" presetID="10" presetClass="entr" presetSubtype="0" fill="hold" nodeType="withEffect">
+                                  <p:stCondLst>
+                                    <p:cond delay="0"/>
+                                  </p:stCondLst>
+                                  <p:childTnLst>
+                                    <p:set>
+                                      <p:cBhvr>
+                                        <p:cTn id="12" dur="1" fill="hold">
+                                          <p:stCondLst>
+                                            <p:cond delay="0"/>
+                                          </p:stCondLst>
+                                        </p:cTn>
+                                        <p:tgtEl>
+                                          <p:spTgt spid="3">
+                                            <p:txEl>
+                                              <p:pRg st="2" end="2"/>
+                                            </p:txEl>
+                                          </p:spTgt>
+                                        </p:tgtEl>
+                                        <p:attrNameLst>
+                                          <p:attrName>style.visibility</p:attrName>
+                                        </p:attrNameLst>
+                                      </p:cBhvr>
+                                      <p:to>
+                                        <p:strVal val="visible"/>
+                                      </p:to>
+                                    </p:set>
+                                    <p:animEffect transition="in" filter="fade">
+                                      <p:cBhvr>
+                                        <p:cTn id="13" dur="500"/>
+                                        <p:tgtEl>
+                                          <p:spTgt spid="3">
+                                            <p:txEl>
+                                              <p:pRg st="2" end="2"/>
+                                            </p:txEl>
+                                          </p:spTgt>
+                                        </p:tgtEl>
+                                      </p:cBhvr>
+                                    </p:animEffect>
+                                  </p:childTnLst>
+                                </p:cTn>
+                              </p:par>
+                              <p:par>
+                                <p:cTn id="14" presetID="10" presetClass="entr" presetSubtype="0" fill="hold" nodeType="withEffect">
+                                  <p:stCondLst>
+                                    <p:cond delay="0"/>
+                                  </p:stCondLst>
+                                  <p:childTnLst>
+                                    <p:set>
+                                      <p:cBhvr>
+                                        <p:cTn id="15" dur="1" fill="hold">
+                                          <p:stCondLst>
+                                            <p:cond delay="0"/>
+                                          </p:stCondLst>
+                                        </p:cTn>
+                                        <p:tgtEl>
+                                          <p:spTgt spid="3">
+                                            <p:txEl>
+                                              <p:pRg st="3" end="3"/>
+                                            </p:txEl>
+                                          </p:spTgt>
+                                        </p:tgtEl>
+                                        <p:attrNameLst>
+                                          <p:attrName>style.visibility</p:attrName>
+                                        </p:attrNameLst>
+                                      </p:cBhvr>
+                                      <p:to>
+                                        <p:strVal val="visible"/>
+                                      </p:to>
+                                    </p:set>
+                                    <p:animEffect transition="in" filter="fade">
+                                      <p:cBhvr>
+                                        <p:cTn id="16" dur="500"/>
+                                        <p:tgtEl>
+                                          <p:spTgt spid="3">
+                                            <p:txEl>
+                                              <p:pRg st="3" end="3"/>
+                                            </p:txEl>
+                                          </p:spTgt>
+                                        </p:tgtEl>
+                                      </p:cBhvr>
+                                    </p:animEffect>
+                                  </p:childTnLst>
+                                </p:cTn>
+                              </p:par>
+                              <p:par>
+                                <p:cTn id="17" presetID="10" presetClass="entr" presetSubtype="0" fill="hold" nodeType="withEffect">
+                                  <p:stCondLst>
+                                    <p:cond delay="0"/>
+                                  </p:stCondLst>
+                                  <p:childTnLst>
+                                    <p:set>
+                                      <p:cBhvr>
+                                        <p:cTn id="18" dur="1" fill="hold">
+                                          <p:stCondLst>
+                                            <p:cond delay="0"/>
+                                          </p:stCondLst>
+                                        </p:cTn>
+                                        <p:tgtEl>
+                                          <p:spTgt spid="3">
+                                            <p:txEl>
+                                              <p:pRg st="4" end="4"/>
+                                            </p:txEl>
+                                          </p:spTgt>
+                                        </p:tgtEl>
+                                        <p:attrNameLst>
+                                          <p:attrName>style.visibility</p:attrName>
+                                        </p:attrNameLst>
+                                      </p:cBhvr>
+                                      <p:to>
+                                        <p:strVal val="visible"/>
+                                      </p:to>
+                                    </p:set>
+                                    <p:animEffect transition="in" filter="fade">
+                                      <p:cBhvr>
+                                        <p:cTn id="19" dur="500"/>
+                                        <p:tgtEl>
+                                          <p:spTgt spid="3">
+                                            <p:txEl>
+                                              <p:pRg st="4" end="4"/>
+                                            </p:txEl>
+                                          </p:spTgt>
+                                        </p:tgtEl>
+                                      </p:cBhvr>
+                                    </p:animEffect>
+                                  </p:childTnLst>
+                                </p:cTn>
+                              </p:par>
+                            </p:childTnLst>
+                          </p:cTn>
+                        </p:par>
+                      </p:childTnLst>
+                    </p:cTn>
+                  </p:par>
+                  <p:par>
+                    <p:cTn id="20" fill="hold">
+                      <p:stCondLst>
+                        <p:cond delay="indefinite"/>
+                      </p:stCondLst>
+                      <p:childTnLst>
+                        <p:par>
+                          <p:cTn id="21" fill="hold">
+                            <p:stCondLst>
+                              <p:cond delay="0"/>
+                            </p:stCondLst>
+                            <p:childTnLst>
+                              <p:par>
+                                <p:cTn id="22" presetID="10" presetClass="entr" presetSubtype="0" fill="hold" grpId="0" nodeType="clickEffect">
+                                  <p:stCondLst>
+                                    <p:cond delay="0"/>
+                                  </p:stCondLst>
+                                  <p:childTnLst>
+                                    <p:set>
+                                      <p:cBhvr>
+                                        <p:cTn id="23" dur="1" fill="hold">
+                                          <p:stCondLst>
+                                            <p:cond delay="0"/>
+                                          </p:stCondLst>
+                                        </p:cTn>
+                                        <p:tgtEl>
+                                          <p:spTgt spid="4"/>
+                                        </p:tgtEl>
+                                        <p:attrNameLst>
+                                          <p:attrName>style.visibility</p:attrName>
+                                        </p:attrNameLst>
+                                      </p:cBhvr>
+                                      <p:to>
+                                        <p:strVal val="visible"/>
+                                      </p:to>
+                                    </p:set>
+                                    <p:animEffect transition="in" filter="fade">
+                                      <p:cBhvr>
+                                        <p:cTn id="24" dur="500"/>
+                                        <p:tgtEl>
+                                          <p:spTgt spid="4"/>
+                                        </p:tgtEl>
+                                      </p:cBhvr>
+                                    </p:animEffect>
+                                  </p:childTnLst>
+                                </p:cTn>
+                              </p:par>
+                            </p:childTnLst>
+                          </p:cTn>
+                        </p:par>
+                      </p:childTnLst>
+                    </p:cTn>
+                  </p:par>
+                  <p:par>
+                    <p:cTn id="25" fill="hold">
+                      <p:stCondLst>
+                        <p:cond delay="indefinite"/>
+                      </p:stCondLst>
+                      <p:childTnLst>
+                        <p:par>
+                          <p:cTn id="26" fill="hold">
+                            <p:stCondLst>
+                              <p:cond delay="0"/>
+                            </p:stCondLst>
+                            <p:childTnLst>
+                              <p:par>
+                                <p:cTn id="27" presetID="10" presetClass="entr" presetSubtype="0" fill="hold" grpId="0" nodeType="clickEffect">
+                                  <p:stCondLst>
+                                    <p:cond delay="0"/>
+                                  </p:stCondLst>
+                                  <p:childTnLst>
+                                    <p:set>
+                                      <p:cBhvr>
+                                        <p:cTn id="28" dur="1" fill="hold">
+                                          <p:stCondLst>
+                                            <p:cond delay="0"/>
+                                          </p:stCondLst>
+                                        </p:cTn>
+                                        <p:tgtEl>
+                                          <p:spTgt spid="6"/>
+                                        </p:tgtEl>
+                                        <p:attrNameLst>
+                                          <p:attrName>style.visibility</p:attrName>
+                                        </p:attrNameLst>
+                                      </p:cBhvr>
+                                      <p:to>
+                                        <p:strVal val="visible"/>
+                                      </p:to>
+                                    </p:set>
+                                    <p:animEffect transition="in" filter="fade">
+                                      <p:cBhvr>
+                                        <p:cTn id="29" dur="500"/>
+                                        <p:tgtEl>
+                                          <p:spTgt spid="6"/>
+                                        </p:tgtEl>
+                                      </p:cBhvr>
+                                    </p:animEffect>
+                                  </p:childTnLst>
+                                </p:cTn>
+                              </p:par>
+                            </p:childTnLst>
+                          </p:cTn>
+                        </p:par>
+                      </p:childTnLst>
+                    </p:cTn>
+                  </p:par>
+                  <p:par>
+                    <p:cTn id="30" fill="hold">
+                      <p:stCondLst>
+                        <p:cond delay="indefinite"/>
+                      </p:stCondLst>
+                      <p:childTnLst>
+                        <p:par>
+                          <p:cTn id="31" fill="hold">
+                            <p:stCondLst>
+                              <p:cond delay="0"/>
+                            </p:stCondLst>
+                            <p:childTnLst>
+                              <p:par>
+                                <p:cTn id="32" presetID="10" presetClass="entr" presetSubtype="0" fill="hold" nodeType="clickEffect">
+                                  <p:stCondLst>
+                                    <p:cond delay="0"/>
+                                  </p:stCondLst>
+                                  <p:childTnLst>
+                                    <p:set>
+                                      <p:cBhvr>
+                                        <p:cTn id="33" dur="1" fill="hold">
+                                          <p:stCondLst>
+                                            <p:cond delay="0"/>
+                                          </p:stCondLst>
+                                        </p:cTn>
+                                        <p:tgtEl>
+                                          <p:spTgt spid="1026"/>
+                                        </p:tgtEl>
+                                        <p:attrNameLst>
+                                          <p:attrName>style.visibility</p:attrName>
+                                        </p:attrNameLst>
+                                      </p:cBhvr>
+                                      <p:to>
+                                        <p:strVal val="visible"/>
+                                      </p:to>
+                                    </p:set>
+                                    <p:animEffect transition="in" filter="fade">
+                                      <p:cBhvr>
+                                        <p:cTn id="34" dur="500"/>
+                                        <p:tgtEl>
+                                          <p:spTgt spid="1026"/>
+                                        </p:tgtEl>
+                                      </p:cBhvr>
+                                    </p:animEffect>
+                                  </p:childTnLst>
+                                </p:cTn>
+                              </p:par>
+                            </p:childTnLst>
+                          </p:cTn>
+                        </p:par>
+                      </p:childTnLst>
+                    </p:cTn>
+                  </p:par>
+                </p:childTnLst>
+              </p:cTn>
+              <p:prevCondLst>
+                <p:cond evt="onPrev" delay="0">
+                  <p:tgtEl>
+                    <p:sldTgt/>
+                  </p:tgtEl>
+                </p:cond>
+              </p:prevCondLst>
+              <p:nextCondLst>
+                <p:cond evt="onNext" delay="0">
+                  <p:tgtEl>
+                    <p:sldTgt/>
+                  </p:tgtEl>
+                </p:cond>
+              </p:nextCondLst>
+            </p:seq>
+          </p:childTnLst>
+        </p:cTn>
+      </p:par>
+    </p:tnLst>
+    <p:bldLst>
+      <p:bldP spid="4" grpId="0" animBg="1"/>
+      <p:bldP spid="6" grpId="0" animBg="1"/>
+    </p:bldLst>
+  </p:timing>
 </p:sld>
 </file>
 
@@ -2931,7 +3838,7 @@
           <a:p>
             <a:r>
               <a:rPr lang="en-US" dirty="0" smtClean="0"/>
-              <a:t>Isolated Scopes</a:t>
+              <a:t>@ - bind attributes</a:t>
             </a:r>
             <a:endParaRPr lang="en-US" dirty="0"/>
           </a:p>
@@ -2954,34 +3861,14 @@
           <a:p>
             <a:r>
               <a:rPr lang="en-US" dirty="0" smtClean="0"/>
-              <a:t>No inherited access to parent scope</a:t>
-            </a:r>
-          </a:p>
-          <a:p>
-            <a:pPr lvl="1"/>
+              <a:t>Value is always a string</a:t>
+            </a:r>
+          </a:p>
+          <a:p>
             <a:r>
               <a:rPr lang="en-US" dirty="0" smtClean="0"/>
-              <a:t>Still have $parent property</a:t>
-            </a:r>
-          </a:p>
-          <a:p>
-            <a:r>
-              <a:rPr lang="en-US" dirty="0" smtClean="0"/>
-              <a:t>Isolated scope good for reusable widgets</a:t>
-            </a:r>
-          </a:p>
-          <a:p>
-            <a:pPr lvl="1"/>
-            <a:r>
-              <a:rPr lang="en-US" dirty="0" smtClean="0"/>
-              <a:t>Don’t want 2 directives sharing same scope </a:t>
-            </a:r>
-          </a:p>
-          <a:p>
-            <a:pPr lvl="1"/>
-            <a:endParaRPr lang="en-US" dirty="0" smtClean="0"/>
-          </a:p>
-          <a:p>
+              <a:t>One way binding</a:t>
+            </a:r>
             <a:endParaRPr lang="en-US" dirty="0"/>
           </a:p>
         </p:txBody>
@@ -2995,47 +3882,230 @@
           <p:nvPr/>
         </p:nvPicPr>
         <p:blipFill>
-          <a:blip r:embed="rId2">
-            <a:extLst>
-              <a:ext uri="{BEBA8EAE-BF5A-486C-A8C5-ECC9F3942E4B}">
-                <a14:imgProps xmlns:a14="http://schemas.microsoft.com/office/drawing/2010/main">
-                  <a14:imgLayer r:embed="rId3">
-                    <a14:imgEffect>
-                      <a14:colorTemperature colorTemp="11200"/>
-                    </a14:imgEffect>
-                  </a14:imgLayer>
-                </a14:imgProps>
-              </a:ext>
-            </a:extLst>
-          </a:blip>
+          <a:blip r:embed="rId2"/>
           <a:stretch>
             <a:fillRect/>
           </a:stretch>
         </p:blipFill>
         <p:spPr>
           <a:xfrm>
-            <a:off x="3124200" y="3886200"/>
-            <a:ext cx="2543175" cy="1209675"/>
+            <a:off x="4419600" y="1784149"/>
+            <a:ext cx="1981200" cy="733425"/>
+          </a:xfrm>
+          <a:prstGeom prst="rect">
+            <a:avLst/>
+          </a:prstGeom>
+        </p:spPr>
+      </p:pic>
+      <p:sp>
+        <p:nvSpPr>
+          <p:cNvPr id="6" name="Rectangle 5"/>
+          <p:cNvSpPr/>
+          <p:nvPr/>
+        </p:nvSpPr>
+        <p:spPr bwMode="auto">
+          <a:xfrm>
+            <a:off x="457200" y="3429000"/>
+            <a:ext cx="1981200" cy="2247900"/>
           </a:xfrm>
           <a:prstGeom prst="rect">
             <a:avLst/>
           </a:prstGeom>
           <a:ln>
-            <a:noFill/>
+            <a:headEnd/>
+            <a:tailEnd/>
+          </a:ln>
+        </p:spPr>
+        <p:style>
+          <a:lnRef idx="1">
+            <a:schemeClr val="dk1"/>
+          </a:lnRef>
+          <a:fillRef idx="3">
+            <a:schemeClr val="dk1"/>
+          </a:fillRef>
+          <a:effectRef idx="2">
+            <a:schemeClr val="dk1"/>
+          </a:effectRef>
+          <a:fontRef idx="minor">
+            <a:schemeClr val="lt1"/>
+          </a:fontRef>
+        </p:style>
+        <p:txBody>
+          <a:bodyPr wrap="none" rtlCol="0" anchor="ctr"/>
+          <a:lstStyle/>
+          <a:p>
+            <a:pPr algn="ctr"/>
+            <a:r>
+              <a:rPr lang="en-US" sz="2000" dirty="0">
+                <a:latin typeface="Tekton Pro" pitchFamily="34" charset="0"/>
+              </a:rPr>
+              <a:t>s</a:t>
+            </a:r>
+            <a:r>
+              <a:rPr lang="en-US" sz="2000" dirty="0" smtClean="0">
+                <a:latin typeface="Tekton Pro" pitchFamily="34" charset="0"/>
+              </a:rPr>
+              <a:t>cope</a:t>
+            </a:r>
+          </a:p>
+          <a:p>
+            <a:pPr algn="ctr"/>
+            <a:endParaRPr lang="en-US" sz="2000" dirty="0">
+              <a:latin typeface="Tekton Pro" pitchFamily="34" charset="0"/>
+            </a:endParaRPr>
+          </a:p>
+          <a:p>
+            <a:pPr algn="ctr"/>
+            <a:r>
+              <a:rPr lang="en-US" sz="2000" dirty="0">
+                <a:latin typeface="Tekton Pro" pitchFamily="34" charset="0"/>
+              </a:rPr>
+              <a:t>t</a:t>
+            </a:r>
+            <a:r>
+              <a:rPr lang="en-US" sz="2000" dirty="0" smtClean="0">
+                <a:latin typeface="Tekton Pro" pitchFamily="34" charset="0"/>
+              </a:rPr>
+              <a:t>ype = “info”</a:t>
+            </a:r>
+            <a:endParaRPr lang="en-US" sz="2000" dirty="0">
+              <a:latin typeface="Tekton Pro" pitchFamily="34" charset="0"/>
+            </a:endParaRPr>
+          </a:p>
+        </p:txBody>
+      </p:sp>
+      <p:pic>
+        <p:nvPicPr>
+          <p:cNvPr id="8" name="Picture 7"/>
+          <p:cNvPicPr>
+            <a:picLocks noChangeAspect="1"/>
+          </p:cNvPicPr>
+          <p:nvPr/>
+        </p:nvPicPr>
+        <p:blipFill>
+          <a:blip r:embed="rId3"/>
+          <a:stretch>
+            <a:fillRect/>
+          </a:stretch>
+        </p:blipFill>
+        <p:spPr>
+          <a:xfrm>
+            <a:off x="3505200" y="3130369"/>
+            <a:ext cx="4610100" cy="885825"/>
+          </a:xfrm>
+          <a:prstGeom prst="rect">
+            <a:avLst/>
+          </a:prstGeom>
+        </p:spPr>
+      </p:pic>
+      <p:sp>
+        <p:nvSpPr>
+          <p:cNvPr id="11" name="Right Arrow 10"/>
+          <p:cNvSpPr/>
+          <p:nvPr/>
+        </p:nvSpPr>
+        <p:spPr bwMode="auto">
+          <a:xfrm rot="7219301">
+            <a:off x="4514666" y="2495853"/>
+            <a:ext cx="975807" cy="546267"/>
+          </a:xfrm>
+          <a:prstGeom prst="rightArrow">
+            <a:avLst/>
+          </a:prstGeom>
+          <a:gradFill rotWithShape="1">
+            <a:gsLst>
+              <a:gs pos="0">
+                <a:srgbClr val="A4D289"/>
+              </a:gs>
+              <a:gs pos="100000">
+                <a:schemeClr val="bg1"/>
+              </a:gs>
+            </a:gsLst>
+            <a:lin ang="5400000" scaled="1"/>
+          </a:gradFill>
+          <a:ln w="9525" algn="ctr">
+            <a:solidFill>
+              <a:schemeClr val="tx1"/>
+            </a:solidFill>
+            <a:miter lim="800000"/>
+            <a:headEnd/>
+            <a:tailEnd/>
           </a:ln>
           <a:effectLst>
-            <a:outerShdw blurRad="292100" dist="139700" dir="2700000" algn="tl" rotWithShape="0">
-              <a:srgbClr val="333333">
-                <a:alpha val="65000"/>
-              </a:srgbClr>
+            <a:outerShdw blurRad="50800" dist="38100" dir="2700000" algn="tl" rotWithShape="0">
+              <a:prstClr val="black">
+                <a:alpha val="40000"/>
+              </a:prstClr>
             </a:outerShdw>
           </a:effectLst>
         </p:spPr>
-      </p:pic>
+        <p:txBody>
+          <a:bodyPr wrap="none" rtlCol="0" anchor="ctr"/>
+          <a:lstStyle/>
+          <a:p>
+            <a:pPr algn="ctr"/>
+            <a:endParaRPr lang="en-US" sz="2000" dirty="0">
+              <a:latin typeface="Tekton Pro" pitchFamily="34" charset="0"/>
+            </a:endParaRPr>
+          </a:p>
+        </p:txBody>
+      </p:sp>
+      <p:sp>
+        <p:nvSpPr>
+          <p:cNvPr id="12" name="Right Arrow 11"/>
+          <p:cNvSpPr/>
+          <p:nvPr/>
+        </p:nvSpPr>
+        <p:spPr bwMode="auto">
+          <a:xfrm rot="8623332">
+            <a:off x="2074815" y="3895748"/>
+            <a:ext cx="2273989" cy="546267"/>
+          </a:xfrm>
+          <a:prstGeom prst="rightArrow">
+            <a:avLst/>
+          </a:prstGeom>
+          <a:gradFill rotWithShape="1">
+            <a:gsLst>
+              <a:gs pos="0">
+                <a:srgbClr val="A4D289"/>
+              </a:gs>
+              <a:gs pos="100000">
+                <a:schemeClr val="bg1"/>
+              </a:gs>
+            </a:gsLst>
+            <a:lin ang="5400000" scaled="1"/>
+          </a:gradFill>
+          <a:ln w="9525" algn="ctr">
+            <a:solidFill>
+              <a:schemeClr val="tx1"/>
+            </a:solidFill>
+            <a:miter lim="800000"/>
+            <a:headEnd/>
+            <a:tailEnd/>
+          </a:ln>
+          <a:effectLst>
+            <a:outerShdw blurRad="50800" dist="38100" dir="2700000" algn="tl" rotWithShape="0">
+              <a:prstClr val="black">
+                <a:alpha val="40000"/>
+              </a:prstClr>
+            </a:outerShdw>
+          </a:effectLst>
+        </p:spPr>
+        <p:txBody>
+          <a:bodyPr wrap="none" rtlCol="0" anchor="ctr"/>
+          <a:lstStyle/>
+          <a:p>
+            <a:pPr algn="ctr"/>
+            <a:endParaRPr lang="en-US" sz="2000" dirty="0">
+              <a:latin typeface="Tekton Pro" pitchFamily="34" charset="0"/>
+            </a:endParaRPr>
+          </a:p>
+        </p:txBody>
+      </p:sp>
     </p:spTree>
     <p:extLst>
       <p:ext uri="{BB962C8B-B14F-4D97-AF65-F5344CB8AC3E}">
-        <p14:creationId xmlns:p14="http://schemas.microsoft.com/office/powerpoint/2010/main" val="2387280165"/>
+        <p14:creationId xmlns:p14="http://schemas.microsoft.com/office/powerpoint/2010/main" val="1958912739"/>
       </p:ext>
     </p:extLst>
   </p:cSld>
@@ -3045,6 +4115,129 @@
   <p:transition>
     <p:fade/>
   </p:transition>
+  <p:timing>
+    <p:tnLst>
+      <p:par>
+        <p:cTn id="1" dur="indefinite" restart="never" nodeType="tmRoot">
+          <p:childTnLst>
+            <p:seq concurrent="1" nextAc="seek">
+              <p:cTn id="2" dur="indefinite" nodeType="mainSeq">
+                <p:childTnLst>
+                  <p:par>
+                    <p:cTn id="3" fill="hold">
+                      <p:stCondLst>
+                        <p:cond delay="indefinite"/>
+                      </p:stCondLst>
+                      <p:childTnLst>
+                        <p:par>
+                          <p:cTn id="4" fill="hold">
+                            <p:stCondLst>
+                              <p:cond delay="0"/>
+                            </p:stCondLst>
+                            <p:childTnLst>
+                              <p:par>
+                                <p:cTn id="5" presetID="1" presetClass="entr" presetSubtype="0" fill="hold" nodeType="clickEffect">
+                                  <p:stCondLst>
+                                    <p:cond delay="0"/>
+                                  </p:stCondLst>
+                                  <p:childTnLst>
+                                    <p:set>
+                                      <p:cBhvr>
+                                        <p:cTn id="6" dur="1" fill="hold">
+                                          <p:stCondLst>
+                                            <p:cond delay="0"/>
+                                          </p:stCondLst>
+                                        </p:cTn>
+                                        <p:tgtEl>
+                                          <p:spTgt spid="4"/>
+                                        </p:tgtEl>
+                                        <p:attrNameLst>
+                                          <p:attrName>style.visibility</p:attrName>
+                                        </p:attrNameLst>
+                                      </p:cBhvr>
+                                      <p:to>
+                                        <p:strVal val="visible"/>
+                                      </p:to>
+                                    </p:set>
+                                  </p:childTnLst>
+                                </p:cTn>
+                              </p:par>
+                            </p:childTnLst>
+                          </p:cTn>
+                        </p:par>
+                      </p:childTnLst>
+                    </p:cTn>
+                  </p:par>
+                  <p:par>
+                    <p:cTn id="7" fill="hold">
+                      <p:stCondLst>
+                        <p:cond delay="indefinite"/>
+                      </p:stCondLst>
+                      <p:childTnLst>
+                        <p:par>
+                          <p:cTn id="8" fill="hold">
+                            <p:stCondLst>
+                              <p:cond delay="0"/>
+                            </p:stCondLst>
+                            <p:childTnLst>
+                              <p:par>
+                                <p:cTn id="9" presetID="1" presetClass="entr" presetSubtype="0" fill="hold" grpId="0" nodeType="clickEffect">
+                                  <p:stCondLst>
+                                    <p:cond delay="0"/>
+                                  </p:stCondLst>
+                                  <p:childTnLst>
+                                    <p:set>
+                                      <p:cBhvr>
+                                        <p:cTn id="10" dur="1" fill="hold">
+                                          <p:stCondLst>
+                                            <p:cond delay="0"/>
+                                          </p:stCondLst>
+                                        </p:cTn>
+                                        <p:tgtEl>
+                                          <p:spTgt spid="6"/>
+                                        </p:tgtEl>
+                                        <p:attrNameLst>
+                                          <p:attrName>style.visibility</p:attrName>
+                                        </p:attrNameLst>
+                                      </p:cBhvr>
+                                      <p:to>
+                                        <p:strVal val="visible"/>
+                                      </p:to>
+                                    </p:set>
+                                  </p:childTnLst>
+                                </p:cTn>
+                              </p:par>
+                            </p:childTnLst>
+                          </p:cTn>
+                        </p:par>
+                      </p:childTnLst>
+                    </p:cTn>
+                  </p:par>
+                </p:childTnLst>
+              </p:cTn>
+              <p:prevCondLst>
+                <p:cond evt="onPrev" delay="0">
+                  <p:tgtEl>
+                    <p:sldTgt/>
+                  </p:tgtEl>
+                </p:cond>
+              </p:prevCondLst>
+              <p:nextCondLst>
+                <p:cond evt="onNext" delay="0">
+                  <p:tgtEl>
+                    <p:sldTgt/>
+                  </p:tgtEl>
+                </p:cond>
+              </p:nextCondLst>
+            </p:seq>
+          </p:childTnLst>
+        </p:cTn>
+      </p:par>
+    </p:tnLst>
+    <p:bldLst>
+      <p:bldP spid="6" grpId="0" animBg="1"/>
+    </p:bldLst>
+  </p:timing>
 </p:sld>
 </file>
 
@@ -3082,7 +4275,7 @@
           <a:p>
             <a:r>
               <a:rPr lang="en-US" dirty="0" smtClean="0"/>
-              <a:t>Summary</a:t>
+              <a:t>= - bind model values</a:t>
             </a:r>
             <a:endParaRPr lang="en-US" dirty="0"/>
           </a:p>
@@ -3105,13 +4298,7 @@
           <a:p>
             <a:r>
               <a:rPr lang="en-US" dirty="0" smtClean="0"/>
-              <a:t>Directives create custom HTML</a:t>
-            </a:r>
-          </a:p>
-          <a:p>
-            <a:r>
-              <a:rPr lang="en-US" dirty="0" smtClean="0"/>
-              <a:t>Directives manipulate the DOM</a:t>
+              <a:t>Two way binding between isolated scope and controller scope</a:t>
             </a:r>
             <a:endParaRPr lang="en-US" dirty="0"/>
           </a:p>
@@ -3119,7 +4306,542 @@
       </p:sp>
       <p:pic>
         <p:nvPicPr>
-          <p:cNvPr id="4" name="Picture 2" descr="http://angularjs.org/img/AngularJS-large.png"/>
+          <p:cNvPr id="4" name="Picture 3"/>
+          <p:cNvPicPr>
+            <a:picLocks noChangeAspect="1"/>
+          </p:cNvPicPr>
+          <p:nvPr/>
+        </p:nvPicPr>
+        <p:blipFill>
+          <a:blip r:embed="rId2"/>
+          <a:stretch>
+            <a:fillRect/>
+          </a:stretch>
+        </p:blipFill>
+        <p:spPr>
+          <a:xfrm>
+            <a:off x="4800600" y="2286000"/>
+            <a:ext cx="2257425" cy="942975"/>
+          </a:xfrm>
+          <a:prstGeom prst="rect">
+            <a:avLst/>
+          </a:prstGeom>
+        </p:spPr>
+      </p:pic>
+      <p:pic>
+        <p:nvPicPr>
+          <p:cNvPr id="5" name="Picture 4"/>
+          <p:cNvPicPr>
+            <a:picLocks noChangeAspect="1"/>
+          </p:cNvPicPr>
+          <p:nvPr/>
+        </p:nvPicPr>
+        <p:blipFill>
+          <a:blip r:embed="rId3"/>
+          <a:stretch>
+            <a:fillRect/>
+          </a:stretch>
+        </p:blipFill>
+        <p:spPr>
+          <a:xfrm>
+            <a:off x="1781175" y="3590925"/>
+            <a:ext cx="5276850" cy="876300"/>
+          </a:xfrm>
+          <a:prstGeom prst="rect">
+            <a:avLst/>
+          </a:prstGeom>
+        </p:spPr>
+      </p:pic>
+      <p:sp>
+        <p:nvSpPr>
+          <p:cNvPr id="6" name="Rectangle 5"/>
+          <p:cNvSpPr/>
+          <p:nvPr/>
+        </p:nvSpPr>
+        <p:spPr bwMode="auto">
+          <a:xfrm>
+            <a:off x="1781175" y="4743450"/>
+            <a:ext cx="1524000" cy="1676400"/>
+          </a:xfrm>
+          <a:prstGeom prst="rect">
+            <a:avLst/>
+          </a:prstGeom>
+          <a:ln>
+            <a:headEnd/>
+            <a:tailEnd/>
+          </a:ln>
+        </p:spPr>
+        <p:style>
+          <a:lnRef idx="1">
+            <a:schemeClr val="dk1"/>
+          </a:lnRef>
+          <a:fillRef idx="3">
+            <a:schemeClr val="dk1"/>
+          </a:fillRef>
+          <a:effectRef idx="2">
+            <a:schemeClr val="dk1"/>
+          </a:effectRef>
+          <a:fontRef idx="minor">
+            <a:schemeClr val="lt1"/>
+          </a:fontRef>
+        </p:style>
+        <p:txBody>
+          <a:bodyPr wrap="none" rtlCol="0" anchor="ctr"/>
+          <a:lstStyle/>
+          <a:p>
+            <a:pPr algn="ctr"/>
+            <a:r>
+              <a:rPr lang="en-US" sz="2000" dirty="0">
+                <a:latin typeface="Tekton Pro" pitchFamily="34" charset="0"/>
+              </a:rPr>
+              <a:t>s</a:t>
+            </a:r>
+            <a:r>
+              <a:rPr lang="en-US" sz="2000" dirty="0" smtClean="0">
+                <a:latin typeface="Tekton Pro" pitchFamily="34" charset="0"/>
+              </a:rPr>
+              <a:t>cope</a:t>
+            </a:r>
+          </a:p>
+          <a:p>
+            <a:pPr algn="ctr"/>
+            <a:endParaRPr lang="en-US" sz="2000" dirty="0">
+              <a:latin typeface="Tekton Pro" pitchFamily="34" charset="0"/>
+            </a:endParaRPr>
+          </a:p>
+          <a:p>
+            <a:pPr algn="ctr"/>
+            <a:r>
+              <a:rPr lang="en-US" sz="2000" dirty="0">
+                <a:latin typeface="Tekton Pro" pitchFamily="34" charset="0"/>
+              </a:rPr>
+              <a:t>t</a:t>
+            </a:r>
+            <a:r>
+              <a:rPr lang="en-US" sz="2000" dirty="0" smtClean="0">
+                <a:latin typeface="Tekton Pro" pitchFamily="34" charset="0"/>
+              </a:rPr>
+              <a:t>ype = “info”</a:t>
+            </a:r>
+            <a:endParaRPr lang="en-US" sz="2000" dirty="0">
+              <a:latin typeface="Tekton Pro" pitchFamily="34" charset="0"/>
+            </a:endParaRPr>
+          </a:p>
+        </p:txBody>
+      </p:sp>
+      <p:sp>
+        <p:nvSpPr>
+          <p:cNvPr id="8" name="Rectangle 7"/>
+          <p:cNvSpPr/>
+          <p:nvPr/>
+        </p:nvSpPr>
+        <p:spPr bwMode="auto">
+          <a:xfrm>
+            <a:off x="5534025" y="4748213"/>
+            <a:ext cx="1524000" cy="1676400"/>
+          </a:xfrm>
+          <a:prstGeom prst="rect">
+            <a:avLst/>
+          </a:prstGeom>
+          <a:ln>
+            <a:headEnd/>
+            <a:tailEnd/>
+          </a:ln>
+        </p:spPr>
+        <p:style>
+          <a:lnRef idx="1">
+            <a:schemeClr val="dk1"/>
+          </a:lnRef>
+          <a:fillRef idx="3">
+            <a:schemeClr val="dk1"/>
+          </a:fillRef>
+          <a:effectRef idx="2">
+            <a:schemeClr val="dk1"/>
+          </a:effectRef>
+          <a:fontRef idx="minor">
+            <a:schemeClr val="lt1"/>
+          </a:fontRef>
+        </p:style>
+        <p:txBody>
+          <a:bodyPr wrap="none" rtlCol="0" anchor="ctr"/>
+          <a:lstStyle/>
+          <a:p>
+            <a:pPr algn="ctr"/>
+            <a:r>
+              <a:rPr lang="en-US" sz="2000" dirty="0">
+                <a:latin typeface="Tekton Pro" pitchFamily="34" charset="0"/>
+              </a:rPr>
+              <a:t>s</a:t>
+            </a:r>
+            <a:r>
+              <a:rPr lang="en-US" sz="2000" dirty="0" smtClean="0">
+                <a:latin typeface="Tekton Pro" pitchFamily="34" charset="0"/>
+              </a:rPr>
+              <a:t>cope</a:t>
+            </a:r>
+          </a:p>
+          <a:p>
+            <a:pPr algn="ctr"/>
+            <a:endParaRPr lang="en-US" sz="2000" dirty="0">
+              <a:latin typeface="Tekton Pro" pitchFamily="34" charset="0"/>
+            </a:endParaRPr>
+          </a:p>
+          <a:p>
+            <a:pPr algn="ctr"/>
+            <a:r>
+              <a:rPr lang="en-US" sz="2000" dirty="0">
+                <a:latin typeface="Tekton Pro" pitchFamily="34" charset="0"/>
+              </a:rPr>
+              <a:t>t</a:t>
+            </a:r>
+            <a:r>
+              <a:rPr lang="en-US" sz="2000" dirty="0" smtClean="0">
+                <a:latin typeface="Tekton Pro" pitchFamily="34" charset="0"/>
+              </a:rPr>
+              <a:t>ype = “info”</a:t>
+            </a:r>
+            <a:endParaRPr lang="en-US" sz="2000" dirty="0">
+              <a:latin typeface="Tekton Pro" pitchFamily="34" charset="0"/>
+            </a:endParaRPr>
+          </a:p>
+        </p:txBody>
+      </p:sp>
+    </p:spTree>
+    <p:extLst>
+      <p:ext uri="{BB962C8B-B14F-4D97-AF65-F5344CB8AC3E}">
+        <p14:creationId xmlns:p14="http://schemas.microsoft.com/office/powerpoint/2010/main" val="1239182827"/>
+      </p:ext>
+    </p:extLst>
+  </p:cSld>
+  <p:clrMapOvr>
+    <a:masterClrMapping/>
+  </p:clrMapOvr>
+  <p:transition>
+    <p:fade/>
+  </p:transition>
+  <p:timing>
+    <p:tnLst>
+      <p:par>
+        <p:cTn id="1" dur="indefinite" restart="never" nodeType="tmRoot">
+          <p:childTnLst>
+            <p:seq concurrent="1" nextAc="seek">
+              <p:cTn id="2" dur="indefinite" nodeType="mainSeq">
+                <p:childTnLst>
+                  <p:par>
+                    <p:cTn id="3" fill="hold">
+                      <p:stCondLst>
+                        <p:cond delay="indefinite"/>
+                      </p:stCondLst>
+                      <p:childTnLst>
+                        <p:par>
+                          <p:cTn id="4" fill="hold">
+                            <p:stCondLst>
+                              <p:cond delay="0"/>
+                            </p:stCondLst>
+                            <p:childTnLst>
+                              <p:par>
+                                <p:cTn id="5" presetID="1" presetClass="entr" presetSubtype="0" fill="hold" grpId="0" nodeType="clickEffect">
+                                  <p:stCondLst>
+                                    <p:cond delay="0"/>
+                                  </p:stCondLst>
+                                  <p:childTnLst>
+                                    <p:set>
+                                      <p:cBhvr>
+                                        <p:cTn id="6" dur="1" fill="hold">
+                                          <p:stCondLst>
+                                            <p:cond delay="0"/>
+                                          </p:stCondLst>
+                                        </p:cTn>
+                                        <p:tgtEl>
+                                          <p:spTgt spid="6"/>
+                                        </p:tgtEl>
+                                        <p:attrNameLst>
+                                          <p:attrName>style.visibility</p:attrName>
+                                        </p:attrNameLst>
+                                      </p:cBhvr>
+                                      <p:to>
+                                        <p:strVal val="visible"/>
+                                      </p:to>
+                                    </p:set>
+                                  </p:childTnLst>
+                                </p:cTn>
+                              </p:par>
+                            </p:childTnLst>
+                          </p:cTn>
+                        </p:par>
+                      </p:childTnLst>
+                    </p:cTn>
+                  </p:par>
+                  <p:par>
+                    <p:cTn id="7" fill="hold">
+                      <p:stCondLst>
+                        <p:cond delay="indefinite"/>
+                      </p:stCondLst>
+                      <p:childTnLst>
+                        <p:par>
+                          <p:cTn id="8" fill="hold">
+                            <p:stCondLst>
+                              <p:cond delay="0"/>
+                            </p:stCondLst>
+                            <p:childTnLst>
+                              <p:par>
+                                <p:cTn id="9" presetID="1" presetClass="entr" presetSubtype="0" fill="hold" grpId="0" nodeType="clickEffect">
+                                  <p:stCondLst>
+                                    <p:cond delay="0"/>
+                                  </p:stCondLst>
+                                  <p:childTnLst>
+                                    <p:set>
+                                      <p:cBhvr>
+                                        <p:cTn id="10" dur="1" fill="hold">
+                                          <p:stCondLst>
+                                            <p:cond delay="0"/>
+                                          </p:stCondLst>
+                                        </p:cTn>
+                                        <p:tgtEl>
+                                          <p:spTgt spid="8"/>
+                                        </p:tgtEl>
+                                        <p:attrNameLst>
+                                          <p:attrName>style.visibility</p:attrName>
+                                        </p:attrNameLst>
+                                      </p:cBhvr>
+                                      <p:to>
+                                        <p:strVal val="visible"/>
+                                      </p:to>
+                                    </p:set>
+                                  </p:childTnLst>
+                                </p:cTn>
+                              </p:par>
+                            </p:childTnLst>
+                          </p:cTn>
+                        </p:par>
+                      </p:childTnLst>
+                    </p:cTn>
+                  </p:par>
+                </p:childTnLst>
+              </p:cTn>
+              <p:prevCondLst>
+                <p:cond evt="onPrev" delay="0">
+                  <p:tgtEl>
+                    <p:sldTgt/>
+                  </p:tgtEl>
+                </p:cond>
+              </p:prevCondLst>
+              <p:nextCondLst>
+                <p:cond evt="onNext" delay="0">
+                  <p:tgtEl>
+                    <p:sldTgt/>
+                  </p:tgtEl>
+                </p:cond>
+              </p:nextCondLst>
+            </p:seq>
+          </p:childTnLst>
+        </p:cTn>
+      </p:par>
+    </p:tnLst>
+    <p:bldLst>
+      <p:bldP spid="6" grpId="0" animBg="1"/>
+      <p:bldP spid="8" grpId="0" animBg="1"/>
+    </p:bldLst>
+  </p:timing>
+</p:sld>
+</file>
+
+<file path=ppt/slides/slide15.xml><?xml version="1.0" encoding="utf-8"?>
+<p:sld xmlns:a="http://schemas.openxmlformats.org/drawingml/2006/main" xmlns:r="http://schemas.openxmlformats.org/officeDocument/2006/relationships" xmlns:p="http://schemas.openxmlformats.org/presentationml/2006/main">
+  <p:cSld>
+    <p:spTree>
+      <p:nvGrpSpPr>
+        <p:cNvPr id="1" name=""/>
+        <p:cNvGrpSpPr/>
+        <p:nvPr/>
+      </p:nvGrpSpPr>
+      <p:grpSpPr>
+        <a:xfrm>
+          <a:off x="0" y="0"/>
+          <a:ext cx="0" cy="0"/>
+          <a:chOff x="0" y="0"/>
+          <a:chExt cx="0" cy="0"/>
+        </a:xfrm>
+      </p:grpSpPr>
+      <p:sp>
+        <p:nvSpPr>
+          <p:cNvPr id="2" name="Title 1"/>
+          <p:cNvSpPr>
+            <a:spLocks noGrp="1"/>
+          </p:cNvSpPr>
+          <p:nvPr>
+            <p:ph type="title"/>
+          </p:nvPr>
+        </p:nvSpPr>
+        <p:spPr/>
+        <p:txBody>
+          <a:bodyPr/>
+          <a:lstStyle/>
+          <a:p>
+            <a:r>
+              <a:rPr lang="en-US" dirty="0" smtClean="0"/>
+              <a:t>&amp; - bind to function</a:t>
+            </a:r>
+            <a:endParaRPr lang="en-US" dirty="0"/>
+          </a:p>
+        </p:txBody>
+      </p:sp>
+      <p:sp>
+        <p:nvSpPr>
+          <p:cNvPr id="3" name="Text Placeholder 2"/>
+          <p:cNvSpPr>
+            <a:spLocks noGrp="1"/>
+          </p:cNvSpPr>
+          <p:nvPr>
+            <p:ph type="body" idx="1"/>
+          </p:nvPr>
+        </p:nvSpPr>
+        <p:spPr/>
+        <p:txBody>
+          <a:bodyPr/>
+          <a:lstStyle/>
+          <a:p>
+            <a:r>
+              <a:rPr lang="en-US" dirty="0" smtClean="0"/>
+              <a:t>Invoke expression using wrapper function</a:t>
+            </a:r>
+            <a:endParaRPr lang="en-US" dirty="0"/>
+          </a:p>
+        </p:txBody>
+      </p:sp>
+      <p:pic>
+        <p:nvPicPr>
+          <p:cNvPr id="4" name="Picture 3"/>
+          <p:cNvPicPr>
+            <a:picLocks noChangeAspect="1"/>
+          </p:cNvPicPr>
+          <p:nvPr/>
+        </p:nvPicPr>
+        <p:blipFill>
+          <a:blip r:embed="rId2"/>
+          <a:stretch>
+            <a:fillRect/>
+          </a:stretch>
+        </p:blipFill>
+        <p:spPr>
+          <a:xfrm>
+            <a:off x="4648200" y="2505075"/>
+            <a:ext cx="2333625" cy="1190625"/>
+          </a:xfrm>
+          <a:prstGeom prst="rect">
+            <a:avLst/>
+          </a:prstGeom>
+        </p:spPr>
+      </p:pic>
+      <p:pic>
+        <p:nvPicPr>
+          <p:cNvPr id="5" name="Picture 4"/>
+          <p:cNvPicPr>
+            <a:picLocks noChangeAspect="1"/>
+          </p:cNvPicPr>
+          <p:nvPr/>
+        </p:nvPicPr>
+        <p:blipFill>
+          <a:blip r:embed="rId3"/>
+          <a:stretch>
+            <a:fillRect/>
+          </a:stretch>
+        </p:blipFill>
+        <p:spPr>
+          <a:xfrm>
+            <a:off x="847725" y="3886200"/>
+            <a:ext cx="7600950" cy="1104900"/>
+          </a:xfrm>
+          <a:prstGeom prst="rect">
+            <a:avLst/>
+          </a:prstGeom>
+        </p:spPr>
+      </p:pic>
+    </p:spTree>
+    <p:extLst>
+      <p:ext uri="{BB962C8B-B14F-4D97-AF65-F5344CB8AC3E}">
+        <p14:creationId xmlns:p14="http://schemas.microsoft.com/office/powerpoint/2010/main" val="720400892"/>
+      </p:ext>
+    </p:extLst>
+  </p:cSld>
+  <p:clrMapOvr>
+    <a:masterClrMapping/>
+  </p:clrMapOvr>
+  <p:transition>
+    <p:fade/>
+  </p:transition>
+  <p:timing>
+    <p:tnLst>
+      <p:par>
+        <p:cTn id="1" dur="indefinite" restart="never" nodeType="tmRoot"/>
+      </p:par>
+    </p:tnLst>
+  </p:timing>
+</p:sld>
+</file>
+
+<file path=ppt/slides/slide16.xml><?xml version="1.0" encoding="utf-8"?>
+<p:sld xmlns:a="http://schemas.openxmlformats.org/drawingml/2006/main" xmlns:r="http://schemas.openxmlformats.org/officeDocument/2006/relationships" xmlns:p="http://schemas.openxmlformats.org/presentationml/2006/main">
+  <p:cSld>
+    <p:spTree>
+      <p:nvGrpSpPr>
+        <p:cNvPr id="1" name=""/>
+        <p:cNvGrpSpPr/>
+        <p:nvPr/>
+      </p:nvGrpSpPr>
+      <p:grpSpPr>
+        <a:xfrm>
+          <a:off x="0" y="0"/>
+          <a:ext cx="0" cy="0"/>
+          <a:chOff x="0" y="0"/>
+          <a:chExt cx="0" cy="0"/>
+        </a:xfrm>
+      </p:grpSpPr>
+      <p:sp>
+        <p:nvSpPr>
+          <p:cNvPr id="2" name="Title 1"/>
+          <p:cNvSpPr>
+            <a:spLocks noGrp="1"/>
+          </p:cNvSpPr>
+          <p:nvPr>
+            <p:ph type="title"/>
+          </p:nvPr>
+        </p:nvSpPr>
+        <p:spPr/>
+        <p:txBody>
+          <a:bodyPr/>
+          <a:lstStyle/>
+          <a:p>
+            <a:r>
+              <a:rPr lang="en-US" dirty="0" smtClean="0"/>
+              <a:t>Plumbing Time …</a:t>
+            </a:r>
+            <a:endParaRPr lang="en-US" dirty="0"/>
+          </a:p>
+        </p:txBody>
+      </p:sp>
+      <p:sp>
+        <p:nvSpPr>
+          <p:cNvPr id="3" name="Text Placeholder 2"/>
+          <p:cNvSpPr>
+            <a:spLocks noGrp="1"/>
+          </p:cNvSpPr>
+          <p:nvPr>
+            <p:ph type="body" idx="1"/>
+          </p:nvPr>
+        </p:nvSpPr>
+        <p:spPr/>
+        <p:txBody>
+          <a:bodyPr/>
+          <a:lstStyle/>
+          <a:p>
+            <a:endParaRPr lang="en-US" dirty="0"/>
+          </a:p>
+        </p:txBody>
+      </p:sp>
+      <p:pic>
+        <p:nvPicPr>
+          <p:cNvPr id="2054" name="Picture 6" descr="http://plumbinghelptoday.com/denver-plumbing-repair-blog/wp-content/uploads/2010/12/When-is-it-Time-to-Replace-your-Plumbing.jpg"/>
           <p:cNvPicPr>
             <a:picLocks noChangeAspect="1" noChangeArrowheads="1"/>
           </p:cNvPicPr>
@@ -3140,7 +4862,1529 @@
         </p:blipFill>
         <p:spPr bwMode="auto">
           <a:xfrm>
-            <a:off x="2747962" y="4419600"/>
+            <a:off x="1181100" y="1152525"/>
+            <a:ext cx="6515100" cy="4886325"/>
+          </a:xfrm>
+          <a:prstGeom prst="rect">
+            <a:avLst/>
+          </a:prstGeom>
+          <a:noFill/>
+          <a:extLst>
+            <a:ext uri="{909E8E84-426E-40DD-AFC4-6F175D3DCCD1}">
+              <a14:hiddenFill xmlns:a14="http://schemas.microsoft.com/office/drawing/2010/main">
+                <a:solidFill>
+                  <a:srgbClr val="FFFFFF"/>
+                </a:solidFill>
+              </a14:hiddenFill>
+            </a:ext>
+          </a:extLst>
+        </p:spPr>
+      </p:pic>
+    </p:spTree>
+    <p:extLst>
+      <p:ext uri="{BB962C8B-B14F-4D97-AF65-F5344CB8AC3E}">
+        <p14:creationId xmlns:p14="http://schemas.microsoft.com/office/powerpoint/2010/main" val="3276258608"/>
+      </p:ext>
+    </p:extLst>
+  </p:cSld>
+  <p:clrMapOvr>
+    <a:masterClrMapping/>
+  </p:clrMapOvr>
+  <p:transition>
+    <p:fade/>
+  </p:transition>
+  <p:timing>
+    <p:tnLst>
+      <p:par>
+        <p:cTn id="1" dur="indefinite" restart="never" nodeType="tmRoot"/>
+      </p:par>
+    </p:tnLst>
+  </p:timing>
+</p:sld>
+</file>
+
+<file path=ppt/slides/slide17.xml><?xml version="1.0" encoding="utf-8"?>
+<p:sld xmlns:a="http://schemas.openxmlformats.org/drawingml/2006/main" xmlns:r="http://schemas.openxmlformats.org/officeDocument/2006/relationships" xmlns:p="http://schemas.openxmlformats.org/presentationml/2006/main">
+  <p:cSld>
+    <p:spTree>
+      <p:nvGrpSpPr>
+        <p:cNvPr id="1" name=""/>
+        <p:cNvGrpSpPr/>
+        <p:nvPr/>
+      </p:nvGrpSpPr>
+      <p:grpSpPr>
+        <a:xfrm>
+          <a:off x="0" y="0"/>
+          <a:ext cx="0" cy="0"/>
+          <a:chOff x="0" y="0"/>
+          <a:chExt cx="0" cy="0"/>
+        </a:xfrm>
+      </p:grpSpPr>
+      <p:sp>
+        <p:nvSpPr>
+          <p:cNvPr id="2" name="Title 1"/>
+          <p:cNvSpPr>
+            <a:spLocks noGrp="1"/>
+          </p:cNvSpPr>
+          <p:nvPr>
+            <p:ph type="title"/>
+          </p:nvPr>
+        </p:nvSpPr>
+        <p:spPr/>
+        <p:txBody>
+          <a:bodyPr/>
+          <a:lstStyle/>
+          <a:p>
+            <a:r>
+              <a:rPr lang="en-US" dirty="0" smtClean="0"/>
+              <a:t>Controller</a:t>
+            </a:r>
+            <a:endParaRPr lang="en-US" dirty="0"/>
+          </a:p>
+        </p:txBody>
+      </p:sp>
+      <p:sp>
+        <p:nvSpPr>
+          <p:cNvPr id="3" name="Text Placeholder 2"/>
+          <p:cNvSpPr>
+            <a:spLocks noGrp="1"/>
+          </p:cNvSpPr>
+          <p:nvPr>
+            <p:ph type="body" idx="1"/>
+          </p:nvPr>
+        </p:nvSpPr>
+        <p:spPr/>
+        <p:txBody>
+          <a:bodyPr/>
+          <a:lstStyle/>
+          <a:p>
+            <a:r>
+              <a:rPr lang="en-US" dirty="0" smtClean="0"/>
+              <a:t>Create an API for the directive</a:t>
+            </a:r>
+          </a:p>
+        </p:txBody>
+      </p:sp>
+      <p:pic>
+        <p:nvPicPr>
+          <p:cNvPr id="5" name="Picture 4"/>
+          <p:cNvPicPr>
+            <a:picLocks noChangeAspect="1"/>
+          </p:cNvPicPr>
+          <p:nvPr/>
+        </p:nvPicPr>
+        <p:blipFill>
+          <a:blip r:embed="rId2"/>
+          <a:stretch>
+            <a:fillRect/>
+          </a:stretch>
+        </p:blipFill>
+        <p:spPr>
+          <a:xfrm>
+            <a:off x="1652587" y="2733675"/>
+            <a:ext cx="5838825" cy="1390650"/>
+          </a:xfrm>
+          <a:prstGeom prst="rect">
+            <a:avLst/>
+          </a:prstGeom>
+        </p:spPr>
+      </p:pic>
+    </p:spTree>
+    <p:extLst>
+      <p:ext uri="{BB962C8B-B14F-4D97-AF65-F5344CB8AC3E}">
+        <p14:creationId xmlns:p14="http://schemas.microsoft.com/office/powerpoint/2010/main" val="2252752866"/>
+      </p:ext>
+    </p:extLst>
+  </p:cSld>
+  <p:clrMapOvr>
+    <a:masterClrMapping/>
+  </p:clrMapOvr>
+  <p:transition>
+    <p:fade/>
+  </p:transition>
+  <p:timing>
+    <p:tnLst>
+      <p:par>
+        <p:cTn id="1" dur="indefinite" restart="never" nodeType="tmRoot"/>
+      </p:par>
+    </p:tnLst>
+  </p:timing>
+</p:sld>
+</file>
+
+<file path=ppt/slides/slide18.xml><?xml version="1.0" encoding="utf-8"?>
+<p:sld xmlns:a="http://schemas.openxmlformats.org/drawingml/2006/main" xmlns:r="http://schemas.openxmlformats.org/officeDocument/2006/relationships" xmlns:p="http://schemas.openxmlformats.org/presentationml/2006/main">
+  <p:cSld>
+    <p:spTree>
+      <p:nvGrpSpPr>
+        <p:cNvPr id="1" name=""/>
+        <p:cNvGrpSpPr/>
+        <p:nvPr/>
+      </p:nvGrpSpPr>
+      <p:grpSpPr>
+        <a:xfrm>
+          <a:off x="0" y="0"/>
+          <a:ext cx="0" cy="0"/>
+          <a:chOff x="0" y="0"/>
+          <a:chExt cx="0" cy="0"/>
+        </a:xfrm>
+      </p:grpSpPr>
+      <p:sp>
+        <p:nvSpPr>
+          <p:cNvPr id="2" name="Title 1"/>
+          <p:cNvSpPr>
+            <a:spLocks noGrp="1"/>
+          </p:cNvSpPr>
+          <p:nvPr>
+            <p:ph type="title"/>
+          </p:nvPr>
+        </p:nvSpPr>
+        <p:spPr/>
+        <p:txBody>
+          <a:bodyPr/>
+          <a:lstStyle/>
+          <a:p>
+            <a:r>
+              <a:rPr lang="en-US" dirty="0" smtClean="0"/>
+              <a:t>Communication With Other Controllers</a:t>
+            </a:r>
+            <a:endParaRPr lang="en-US" dirty="0"/>
+          </a:p>
+        </p:txBody>
+      </p:sp>
+      <p:sp>
+        <p:nvSpPr>
+          <p:cNvPr id="3" name="Text Placeholder 2"/>
+          <p:cNvSpPr>
+            <a:spLocks noGrp="1"/>
+          </p:cNvSpPr>
+          <p:nvPr>
+            <p:ph type="body" idx="1"/>
+          </p:nvPr>
+        </p:nvSpPr>
+        <p:spPr/>
+        <p:txBody>
+          <a:bodyPr/>
+          <a:lstStyle/>
+          <a:p>
+            <a:r>
+              <a:rPr lang="en-US" dirty="0" err="1" smtClean="0"/>
+              <a:t>ngForm</a:t>
+            </a:r>
+            <a:r>
+              <a:rPr lang="en-US" dirty="0" smtClean="0"/>
+              <a:t> and </a:t>
+            </a:r>
+            <a:r>
+              <a:rPr lang="en-US" dirty="0" err="1" smtClean="0"/>
+              <a:t>ngModel</a:t>
+            </a:r>
+            <a:r>
+              <a:rPr lang="en-US" dirty="0" smtClean="0"/>
+              <a:t> are popular targets</a:t>
+            </a:r>
+            <a:endParaRPr lang="en-US" dirty="0"/>
+          </a:p>
+        </p:txBody>
+      </p:sp>
+      <p:pic>
+        <p:nvPicPr>
+          <p:cNvPr id="4" name="Picture 3"/>
+          <p:cNvPicPr>
+            <a:picLocks noChangeAspect="1"/>
+          </p:cNvPicPr>
+          <p:nvPr/>
+        </p:nvPicPr>
+        <p:blipFill>
+          <a:blip r:embed="rId2"/>
+          <a:stretch>
+            <a:fillRect/>
+          </a:stretch>
+        </p:blipFill>
+        <p:spPr>
+          <a:xfrm>
+            <a:off x="2296365" y="2164138"/>
+            <a:ext cx="4551269" cy="4160462"/>
+          </a:xfrm>
+          <a:prstGeom prst="rect">
+            <a:avLst/>
+          </a:prstGeom>
+        </p:spPr>
+      </p:pic>
+    </p:spTree>
+    <p:extLst>
+      <p:ext uri="{BB962C8B-B14F-4D97-AF65-F5344CB8AC3E}">
+        <p14:creationId xmlns:p14="http://schemas.microsoft.com/office/powerpoint/2010/main" val="2540724166"/>
+      </p:ext>
+    </p:extLst>
+  </p:cSld>
+  <p:clrMapOvr>
+    <a:masterClrMapping/>
+  </p:clrMapOvr>
+  <p:transition>
+    <p:fade/>
+  </p:transition>
+  <p:timing>
+    <p:tnLst>
+      <p:par>
+        <p:cTn id="1" dur="indefinite" restart="never" nodeType="tmRoot">
+          <p:childTnLst>
+            <p:seq concurrent="1" nextAc="seek">
+              <p:cTn id="2" dur="indefinite" nodeType="mainSeq">
+                <p:childTnLst>
+                  <p:par>
+                    <p:cTn id="3" fill="hold">
+                      <p:stCondLst>
+                        <p:cond delay="indefinite"/>
+                      </p:stCondLst>
+                      <p:childTnLst>
+                        <p:par>
+                          <p:cTn id="4" fill="hold">
+                            <p:stCondLst>
+                              <p:cond delay="0"/>
+                            </p:stCondLst>
+                            <p:childTnLst>
+                              <p:par>
+                                <p:cTn id="5" presetID="10" presetClass="entr" presetSubtype="0" fill="hold" nodeType="clickEffect">
+                                  <p:stCondLst>
+                                    <p:cond delay="0"/>
+                                  </p:stCondLst>
+                                  <p:childTnLst>
+                                    <p:set>
+                                      <p:cBhvr>
+                                        <p:cTn id="6" dur="1" fill="hold">
+                                          <p:stCondLst>
+                                            <p:cond delay="0"/>
+                                          </p:stCondLst>
+                                        </p:cTn>
+                                        <p:tgtEl>
+                                          <p:spTgt spid="4"/>
+                                        </p:tgtEl>
+                                        <p:attrNameLst>
+                                          <p:attrName>style.visibility</p:attrName>
+                                        </p:attrNameLst>
+                                      </p:cBhvr>
+                                      <p:to>
+                                        <p:strVal val="visible"/>
+                                      </p:to>
+                                    </p:set>
+                                    <p:animEffect transition="in" filter="fade">
+                                      <p:cBhvr>
+                                        <p:cTn id="7" dur="500"/>
+                                        <p:tgtEl>
+                                          <p:spTgt spid="4"/>
+                                        </p:tgtEl>
+                                      </p:cBhvr>
+                                    </p:animEffect>
+                                  </p:childTnLst>
+                                </p:cTn>
+                              </p:par>
+                            </p:childTnLst>
+                          </p:cTn>
+                        </p:par>
+                      </p:childTnLst>
+                    </p:cTn>
+                  </p:par>
+                </p:childTnLst>
+              </p:cTn>
+              <p:prevCondLst>
+                <p:cond evt="onPrev" delay="0">
+                  <p:tgtEl>
+                    <p:sldTgt/>
+                  </p:tgtEl>
+                </p:cond>
+              </p:prevCondLst>
+              <p:nextCondLst>
+                <p:cond evt="onNext" delay="0">
+                  <p:tgtEl>
+                    <p:sldTgt/>
+                  </p:tgtEl>
+                </p:cond>
+              </p:nextCondLst>
+            </p:seq>
+          </p:childTnLst>
+        </p:cTn>
+      </p:par>
+    </p:tnLst>
+  </p:timing>
+</p:sld>
+</file>
+
+<file path=ppt/slides/slide19.xml><?xml version="1.0" encoding="utf-8"?>
+<p:sld xmlns:a="http://schemas.openxmlformats.org/drawingml/2006/main" xmlns:r="http://schemas.openxmlformats.org/officeDocument/2006/relationships" xmlns:p="http://schemas.openxmlformats.org/presentationml/2006/main">
+  <p:cSld>
+    <p:spTree>
+      <p:nvGrpSpPr>
+        <p:cNvPr id="1" name=""/>
+        <p:cNvGrpSpPr/>
+        <p:nvPr/>
+      </p:nvGrpSpPr>
+      <p:grpSpPr>
+        <a:xfrm>
+          <a:off x="0" y="0"/>
+          <a:ext cx="0" cy="0"/>
+          <a:chOff x="0" y="0"/>
+          <a:chExt cx="0" cy="0"/>
+        </a:xfrm>
+      </p:grpSpPr>
+      <p:sp>
+        <p:nvSpPr>
+          <p:cNvPr id="2" name="Title 1"/>
+          <p:cNvSpPr>
+            <a:spLocks noGrp="1"/>
+          </p:cNvSpPr>
+          <p:nvPr>
+            <p:ph type="title"/>
+          </p:nvPr>
+        </p:nvSpPr>
+        <p:spPr/>
+        <p:txBody>
+          <a:bodyPr/>
+          <a:lstStyle/>
+          <a:p>
+            <a:r>
+              <a:rPr lang="en-US" dirty="0" err="1" smtClean="0"/>
+              <a:t>NgFormController</a:t>
+            </a:r>
+            <a:r>
+              <a:rPr lang="en-US" dirty="0" smtClean="0"/>
+              <a:t>, </a:t>
+            </a:r>
+            <a:r>
+              <a:rPr lang="en-US" dirty="0" err="1" smtClean="0"/>
+              <a:t>NgModelController</a:t>
+            </a:r>
+            <a:endParaRPr lang="en-US" dirty="0"/>
+          </a:p>
+        </p:txBody>
+      </p:sp>
+      <p:sp>
+        <p:nvSpPr>
+          <p:cNvPr id="4" name="Rectangle 3"/>
+          <p:cNvSpPr/>
+          <p:nvPr/>
+        </p:nvSpPr>
+        <p:spPr bwMode="auto">
+          <a:xfrm>
+            <a:off x="1237562" y="1600200"/>
+            <a:ext cx="2743200" cy="3810000"/>
+          </a:xfrm>
+          <a:prstGeom prst="rect">
+            <a:avLst/>
+          </a:prstGeom>
+          <a:gradFill rotWithShape="1">
+            <a:gsLst>
+              <a:gs pos="0">
+                <a:srgbClr val="A4D289"/>
+              </a:gs>
+              <a:gs pos="100000">
+                <a:schemeClr val="bg1"/>
+              </a:gs>
+            </a:gsLst>
+            <a:lin ang="5400000" scaled="1"/>
+          </a:gradFill>
+          <a:ln w="9525" algn="ctr">
+            <a:solidFill>
+              <a:schemeClr val="tx1"/>
+            </a:solidFill>
+            <a:miter lim="800000"/>
+            <a:headEnd/>
+            <a:tailEnd/>
+          </a:ln>
+          <a:effectLst>
+            <a:outerShdw blurRad="50800" dist="38100" dir="2700000" algn="tl" rotWithShape="0">
+              <a:prstClr val="black">
+                <a:alpha val="40000"/>
+              </a:prstClr>
+            </a:outerShdw>
+          </a:effectLst>
+        </p:spPr>
+        <p:txBody>
+          <a:bodyPr wrap="none" rtlCol="0" anchor="ctr"/>
+          <a:lstStyle/>
+          <a:p>
+            <a:pPr algn="ctr"/>
+            <a:r>
+              <a:rPr lang="en-US" sz="2000" dirty="0" err="1" smtClean="0">
+                <a:latin typeface="Tekton Pro" pitchFamily="34" charset="0"/>
+              </a:rPr>
+              <a:t>NgFormController</a:t>
+            </a:r>
+            <a:endParaRPr lang="en-US" sz="2000" dirty="0" smtClean="0">
+              <a:latin typeface="Tekton Pro" pitchFamily="34" charset="0"/>
+            </a:endParaRPr>
+          </a:p>
+          <a:p>
+            <a:pPr algn="ctr"/>
+            <a:endParaRPr lang="en-US" sz="2000" dirty="0">
+              <a:latin typeface="Tekton Pro" pitchFamily="34" charset="0"/>
+            </a:endParaRPr>
+          </a:p>
+          <a:p>
+            <a:pPr algn="ctr"/>
+            <a:r>
+              <a:rPr lang="en-US" sz="2000" dirty="0" smtClean="0">
+                <a:latin typeface="Tekton Pro" pitchFamily="34" charset="0"/>
+              </a:rPr>
+              <a:t>$</a:t>
+            </a:r>
+            <a:r>
+              <a:rPr lang="en-US" sz="2000" dirty="0" err="1" smtClean="0">
+                <a:latin typeface="Tekton Pro" pitchFamily="34" charset="0"/>
+              </a:rPr>
+              <a:t>addControl</a:t>
+            </a:r>
+            <a:endParaRPr lang="en-US" sz="2000" dirty="0" smtClean="0">
+              <a:latin typeface="Tekton Pro" pitchFamily="34" charset="0"/>
+            </a:endParaRPr>
+          </a:p>
+          <a:p>
+            <a:pPr algn="ctr"/>
+            <a:r>
+              <a:rPr lang="en-US" sz="2000" dirty="0" smtClean="0">
+                <a:latin typeface="Tekton Pro" pitchFamily="34" charset="0"/>
+              </a:rPr>
+              <a:t>$</a:t>
+            </a:r>
+            <a:r>
+              <a:rPr lang="en-US" sz="2000" dirty="0" err="1" smtClean="0">
+                <a:latin typeface="Tekton Pro" pitchFamily="34" charset="0"/>
+              </a:rPr>
+              <a:t>removeControl</a:t>
+            </a:r>
+            <a:endParaRPr lang="en-US" sz="2000" dirty="0" smtClean="0">
+              <a:latin typeface="Tekton Pro" pitchFamily="34" charset="0"/>
+            </a:endParaRPr>
+          </a:p>
+          <a:p>
+            <a:pPr algn="ctr"/>
+            <a:r>
+              <a:rPr lang="en-US" sz="2000" dirty="0" smtClean="0">
+                <a:latin typeface="Tekton Pro" pitchFamily="34" charset="0"/>
+              </a:rPr>
+              <a:t>$</a:t>
+            </a:r>
+            <a:r>
+              <a:rPr lang="en-US" sz="2000" dirty="0" err="1" smtClean="0">
+                <a:latin typeface="Tekton Pro" pitchFamily="34" charset="0"/>
+              </a:rPr>
+              <a:t>setValidity</a:t>
+            </a:r>
+            <a:endParaRPr lang="en-US" sz="2000" dirty="0" smtClean="0">
+              <a:latin typeface="Tekton Pro" pitchFamily="34" charset="0"/>
+            </a:endParaRPr>
+          </a:p>
+          <a:p>
+            <a:pPr algn="ctr"/>
+            <a:r>
+              <a:rPr lang="en-US" sz="2000" dirty="0" smtClean="0">
+                <a:latin typeface="Tekton Pro" pitchFamily="34" charset="0"/>
+              </a:rPr>
+              <a:t>$</a:t>
+            </a:r>
+            <a:r>
+              <a:rPr lang="en-US" sz="2000" dirty="0" err="1" smtClean="0">
+                <a:latin typeface="Tekton Pro" pitchFamily="34" charset="0"/>
+              </a:rPr>
+              <a:t>setDirty</a:t>
+            </a:r>
+            <a:endParaRPr lang="en-US" sz="2000" dirty="0" smtClean="0">
+              <a:latin typeface="Tekton Pro" pitchFamily="34" charset="0"/>
+            </a:endParaRPr>
+          </a:p>
+          <a:p>
+            <a:pPr algn="ctr"/>
+            <a:r>
+              <a:rPr lang="en-US" sz="2000" dirty="0" smtClean="0">
+                <a:latin typeface="Tekton Pro" pitchFamily="34" charset="0"/>
+              </a:rPr>
+              <a:t>$</a:t>
+            </a:r>
+            <a:r>
+              <a:rPr lang="en-US" sz="2000" dirty="0" err="1" smtClean="0">
+                <a:latin typeface="Tekton Pro" pitchFamily="34" charset="0"/>
+              </a:rPr>
+              <a:t>setPristine</a:t>
+            </a:r>
+            <a:endParaRPr lang="en-US" sz="2000" dirty="0" smtClean="0">
+              <a:latin typeface="Tekton Pro" pitchFamily="34" charset="0"/>
+            </a:endParaRPr>
+          </a:p>
+          <a:p>
+            <a:pPr algn="ctr"/>
+            <a:r>
+              <a:rPr lang="en-US" sz="2000" dirty="0" smtClean="0">
+                <a:latin typeface="Tekton Pro" pitchFamily="34" charset="0"/>
+              </a:rPr>
+              <a:t>--</a:t>
+            </a:r>
+          </a:p>
+          <a:p>
+            <a:pPr algn="ctr"/>
+            <a:r>
+              <a:rPr lang="en-US" sz="2000" dirty="0" smtClean="0">
+                <a:latin typeface="Tekton Pro" pitchFamily="34" charset="0"/>
+              </a:rPr>
+              <a:t>$pristine</a:t>
+            </a:r>
+          </a:p>
+          <a:p>
+            <a:pPr algn="ctr"/>
+            <a:r>
+              <a:rPr lang="en-US" sz="2000" dirty="0" smtClean="0">
+                <a:latin typeface="Tekton Pro" pitchFamily="34" charset="0"/>
+              </a:rPr>
+              <a:t>$valid</a:t>
+            </a:r>
+          </a:p>
+          <a:p>
+            <a:pPr algn="ctr"/>
+            <a:r>
+              <a:rPr lang="en-US" sz="2000" dirty="0" smtClean="0">
+                <a:latin typeface="Tekton Pro" pitchFamily="34" charset="0"/>
+              </a:rPr>
+              <a:t>$dirty</a:t>
+            </a:r>
+          </a:p>
+          <a:p>
+            <a:pPr algn="ctr"/>
+            <a:r>
+              <a:rPr lang="en-US" sz="2000" dirty="0" smtClean="0">
+                <a:latin typeface="Tekton Pro" pitchFamily="34" charset="0"/>
+              </a:rPr>
+              <a:t>$invalid</a:t>
+            </a:r>
+            <a:endParaRPr lang="en-US" sz="2000" dirty="0">
+              <a:latin typeface="Tekton Pro" pitchFamily="34" charset="0"/>
+            </a:endParaRPr>
+          </a:p>
+        </p:txBody>
+      </p:sp>
+      <p:sp>
+        <p:nvSpPr>
+          <p:cNvPr id="5" name="Rectangle 4"/>
+          <p:cNvSpPr/>
+          <p:nvPr/>
+        </p:nvSpPr>
+        <p:spPr bwMode="auto">
+          <a:xfrm>
+            <a:off x="4962181" y="1066800"/>
+            <a:ext cx="2743200" cy="5181600"/>
+          </a:xfrm>
+          <a:prstGeom prst="rect">
+            <a:avLst/>
+          </a:prstGeom>
+          <a:gradFill rotWithShape="1">
+            <a:gsLst>
+              <a:gs pos="0">
+                <a:srgbClr val="A4D289"/>
+              </a:gs>
+              <a:gs pos="100000">
+                <a:schemeClr val="bg1"/>
+              </a:gs>
+            </a:gsLst>
+            <a:lin ang="5400000" scaled="1"/>
+          </a:gradFill>
+          <a:ln w="9525" algn="ctr">
+            <a:solidFill>
+              <a:schemeClr val="tx1"/>
+            </a:solidFill>
+            <a:miter lim="800000"/>
+            <a:headEnd/>
+            <a:tailEnd/>
+          </a:ln>
+          <a:effectLst>
+            <a:outerShdw blurRad="50800" dist="38100" dir="2700000" algn="tl" rotWithShape="0">
+              <a:prstClr val="black">
+                <a:alpha val="40000"/>
+              </a:prstClr>
+            </a:outerShdw>
+          </a:effectLst>
+        </p:spPr>
+        <p:txBody>
+          <a:bodyPr wrap="none" rtlCol="0" anchor="ctr"/>
+          <a:lstStyle/>
+          <a:p>
+            <a:pPr algn="ctr"/>
+            <a:r>
+              <a:rPr lang="en-US" sz="2000" dirty="0" err="1" smtClean="0">
+                <a:latin typeface="Tekton Pro" pitchFamily="34" charset="0"/>
+              </a:rPr>
+              <a:t>NgModelController</a:t>
+            </a:r>
+            <a:endParaRPr lang="en-US" sz="2000" dirty="0" smtClean="0">
+              <a:latin typeface="Tekton Pro" pitchFamily="34" charset="0"/>
+            </a:endParaRPr>
+          </a:p>
+          <a:p>
+            <a:pPr algn="ctr"/>
+            <a:endParaRPr lang="en-US" sz="2000" dirty="0" smtClean="0">
+              <a:latin typeface="Tekton Pro" pitchFamily="34" charset="0"/>
+            </a:endParaRPr>
+          </a:p>
+          <a:p>
+            <a:pPr algn="ctr"/>
+            <a:r>
+              <a:rPr lang="en-US" sz="2000" dirty="0" smtClean="0">
+                <a:latin typeface="Tekton Pro" pitchFamily="34" charset="0"/>
+              </a:rPr>
+              <a:t>$render</a:t>
+            </a:r>
+          </a:p>
+          <a:p>
+            <a:pPr algn="ctr"/>
+            <a:r>
+              <a:rPr lang="en-US" sz="2000" dirty="0" smtClean="0">
+                <a:latin typeface="Tekton Pro" pitchFamily="34" charset="0"/>
+              </a:rPr>
+              <a:t>$</a:t>
+            </a:r>
+            <a:r>
+              <a:rPr lang="en-US" sz="2000" dirty="0" err="1" smtClean="0">
+                <a:latin typeface="Tekton Pro" pitchFamily="34" charset="0"/>
+              </a:rPr>
+              <a:t>isEmpty</a:t>
+            </a:r>
+            <a:endParaRPr lang="en-US" sz="2000" dirty="0" smtClean="0">
+              <a:latin typeface="Tekton Pro" pitchFamily="34" charset="0"/>
+            </a:endParaRPr>
+          </a:p>
+          <a:p>
+            <a:pPr algn="ctr"/>
+            <a:r>
+              <a:rPr lang="en-US" sz="2000" dirty="0" smtClean="0">
+                <a:latin typeface="Tekton Pro" pitchFamily="34" charset="0"/>
+              </a:rPr>
+              <a:t>$</a:t>
+            </a:r>
+            <a:r>
+              <a:rPr lang="en-US" sz="2000" dirty="0" err="1" smtClean="0">
+                <a:latin typeface="Tekton Pro" pitchFamily="34" charset="0"/>
+              </a:rPr>
+              <a:t>setValidity</a:t>
+            </a:r>
+            <a:endParaRPr lang="en-US" sz="2000" dirty="0" smtClean="0">
+              <a:latin typeface="Tekton Pro" pitchFamily="34" charset="0"/>
+            </a:endParaRPr>
+          </a:p>
+          <a:p>
+            <a:pPr algn="ctr"/>
+            <a:r>
+              <a:rPr lang="en-US" sz="2000" dirty="0" smtClean="0">
+                <a:latin typeface="Tekton Pro" pitchFamily="34" charset="0"/>
+              </a:rPr>
+              <a:t>$</a:t>
+            </a:r>
+            <a:r>
+              <a:rPr lang="en-US" sz="2000" dirty="0" err="1" smtClean="0">
+                <a:latin typeface="Tekton Pro" pitchFamily="34" charset="0"/>
+              </a:rPr>
+              <a:t>setPristine</a:t>
+            </a:r>
+            <a:endParaRPr lang="en-US" sz="2000" dirty="0" smtClean="0">
+              <a:latin typeface="Tekton Pro" pitchFamily="34" charset="0"/>
+            </a:endParaRPr>
+          </a:p>
+          <a:p>
+            <a:pPr algn="ctr"/>
+            <a:r>
+              <a:rPr lang="en-US" sz="2000" dirty="0" smtClean="0">
+                <a:latin typeface="Tekton Pro" pitchFamily="34" charset="0"/>
+              </a:rPr>
+              <a:t>$</a:t>
+            </a:r>
+            <a:r>
+              <a:rPr lang="en-US" sz="2000" dirty="0" err="1" smtClean="0">
+                <a:latin typeface="Tekton Pro" pitchFamily="34" charset="0"/>
+              </a:rPr>
+              <a:t>rollbackViewValue</a:t>
+            </a:r>
+            <a:endParaRPr lang="en-US" sz="2000" dirty="0" smtClean="0">
+              <a:latin typeface="Tekton Pro" pitchFamily="34" charset="0"/>
+            </a:endParaRPr>
+          </a:p>
+          <a:p>
+            <a:pPr algn="ctr"/>
+            <a:r>
+              <a:rPr lang="en-US" sz="2000" dirty="0" smtClean="0">
+                <a:latin typeface="Tekton Pro" pitchFamily="34" charset="0"/>
+              </a:rPr>
+              <a:t>$</a:t>
+            </a:r>
+            <a:r>
+              <a:rPr lang="en-US" sz="2000" dirty="0" err="1" smtClean="0">
+                <a:latin typeface="Tekton Pro" pitchFamily="34" charset="0"/>
+              </a:rPr>
+              <a:t>commitViewValue</a:t>
+            </a:r>
+            <a:endParaRPr lang="en-US" sz="2000" dirty="0" smtClean="0">
+              <a:latin typeface="Tekton Pro" pitchFamily="34" charset="0"/>
+            </a:endParaRPr>
+          </a:p>
+          <a:p>
+            <a:pPr algn="ctr"/>
+            <a:r>
+              <a:rPr lang="en-US" sz="2000" dirty="0" smtClean="0">
+                <a:latin typeface="Tekton Pro" pitchFamily="34" charset="0"/>
+              </a:rPr>
+              <a:t>$</a:t>
+            </a:r>
+            <a:r>
+              <a:rPr lang="en-US" sz="2000" dirty="0" err="1" smtClean="0">
+                <a:latin typeface="Tekton Pro" pitchFamily="34" charset="0"/>
+              </a:rPr>
+              <a:t>setViewValue</a:t>
+            </a:r>
+            <a:endParaRPr lang="en-US" sz="2000" dirty="0" smtClean="0">
+              <a:latin typeface="Tekton Pro" pitchFamily="34" charset="0"/>
+            </a:endParaRPr>
+          </a:p>
+          <a:p>
+            <a:pPr algn="ctr"/>
+            <a:endParaRPr lang="en-US" sz="2000" dirty="0">
+              <a:latin typeface="Tekton Pro" pitchFamily="34" charset="0"/>
+            </a:endParaRPr>
+          </a:p>
+          <a:p>
+            <a:pPr algn="ctr"/>
+            <a:r>
+              <a:rPr lang="en-US" sz="2000" dirty="0" smtClean="0">
+                <a:latin typeface="Tekton Pro" pitchFamily="34" charset="0"/>
+              </a:rPr>
+              <a:t>-- </a:t>
+            </a:r>
+          </a:p>
+          <a:p>
+            <a:pPr algn="ctr"/>
+            <a:r>
+              <a:rPr lang="en-US" sz="2000" dirty="0" smtClean="0">
+                <a:latin typeface="Tekton Pro" pitchFamily="34" charset="0"/>
+              </a:rPr>
+              <a:t>$</a:t>
+            </a:r>
+            <a:r>
+              <a:rPr lang="en-US" sz="2000" dirty="0" err="1" smtClean="0">
+                <a:latin typeface="Tekton Pro" pitchFamily="34" charset="0"/>
+              </a:rPr>
+              <a:t>viewValue</a:t>
+            </a:r>
+            <a:r>
+              <a:rPr lang="en-US" sz="2000" dirty="0" smtClean="0">
+                <a:latin typeface="Tekton Pro" pitchFamily="34" charset="0"/>
+              </a:rPr>
+              <a:t> / $</a:t>
+            </a:r>
+            <a:r>
+              <a:rPr lang="en-US" sz="2000" dirty="0" err="1" smtClean="0">
+                <a:latin typeface="Tekton Pro" pitchFamily="34" charset="0"/>
+              </a:rPr>
+              <a:t>modelValue</a:t>
+            </a:r>
+            <a:endParaRPr lang="en-US" sz="2000" dirty="0" smtClean="0">
+              <a:latin typeface="Tekton Pro" pitchFamily="34" charset="0"/>
+            </a:endParaRPr>
+          </a:p>
+          <a:p>
+            <a:pPr algn="ctr"/>
+            <a:r>
+              <a:rPr lang="en-US" sz="2000" dirty="0" smtClean="0">
+                <a:latin typeface="Tekton Pro" pitchFamily="34" charset="0"/>
+              </a:rPr>
+              <a:t>$parsers / $formatters</a:t>
+            </a:r>
+          </a:p>
+          <a:p>
+            <a:pPr algn="ctr"/>
+            <a:r>
+              <a:rPr lang="en-US" sz="2000" dirty="0" smtClean="0">
+                <a:latin typeface="Tekton Pro" pitchFamily="34" charset="0"/>
+              </a:rPr>
+              <a:t>$</a:t>
+            </a:r>
+            <a:r>
+              <a:rPr lang="en-US" sz="2000" dirty="0" err="1" smtClean="0">
+                <a:latin typeface="Tekton Pro" pitchFamily="34" charset="0"/>
+              </a:rPr>
+              <a:t>viewChangeListeners</a:t>
+            </a:r>
+            <a:endParaRPr lang="en-US" sz="2000" dirty="0" smtClean="0">
+              <a:latin typeface="Tekton Pro" pitchFamily="34" charset="0"/>
+            </a:endParaRPr>
+          </a:p>
+          <a:p>
+            <a:pPr algn="ctr"/>
+            <a:r>
+              <a:rPr lang="en-US" sz="2000" dirty="0" smtClean="0">
+                <a:latin typeface="Tekton Pro" pitchFamily="34" charset="0"/>
+              </a:rPr>
+              <a:t>$error / $valid / $invalid</a:t>
+            </a:r>
+          </a:p>
+          <a:p>
+            <a:pPr algn="ctr"/>
+            <a:r>
+              <a:rPr lang="en-US" sz="2000" dirty="0" smtClean="0">
+                <a:latin typeface="Tekton Pro" pitchFamily="34" charset="0"/>
+              </a:rPr>
+              <a:t>$pristine / $dirty</a:t>
+            </a:r>
+          </a:p>
+          <a:p>
+            <a:pPr algn="ctr"/>
+            <a:endParaRPr lang="en-US" sz="2000" dirty="0">
+              <a:latin typeface="Tekton Pro" pitchFamily="34" charset="0"/>
+            </a:endParaRPr>
+          </a:p>
+        </p:txBody>
+      </p:sp>
+    </p:spTree>
+    <p:extLst>
+      <p:ext uri="{BB962C8B-B14F-4D97-AF65-F5344CB8AC3E}">
+        <p14:creationId xmlns:p14="http://schemas.microsoft.com/office/powerpoint/2010/main" val="2598781155"/>
+      </p:ext>
+    </p:extLst>
+  </p:cSld>
+  <p:clrMapOvr>
+    <a:masterClrMapping/>
+  </p:clrMapOvr>
+  <p:transition>
+    <p:fade/>
+  </p:transition>
+  <p:timing>
+    <p:tnLst>
+      <p:par>
+        <p:cTn id="1" dur="indefinite" restart="never" nodeType="tmRoot"/>
+      </p:par>
+    </p:tnLst>
+  </p:timing>
+</p:sld>
+</file>
+
+<file path=ppt/slides/slide2.xml><?xml version="1.0" encoding="utf-8"?>
+<p:sld xmlns:a="http://schemas.openxmlformats.org/drawingml/2006/main" xmlns:r="http://schemas.openxmlformats.org/officeDocument/2006/relationships" xmlns:p="http://schemas.openxmlformats.org/presentationml/2006/main">
+  <p:cSld>
+    <p:spTree>
+      <p:nvGrpSpPr>
+        <p:cNvPr id="1" name=""/>
+        <p:cNvGrpSpPr/>
+        <p:nvPr/>
+      </p:nvGrpSpPr>
+      <p:grpSpPr>
+        <a:xfrm>
+          <a:off x="0" y="0"/>
+          <a:ext cx="0" cy="0"/>
+          <a:chOff x="0" y="0"/>
+          <a:chExt cx="0" cy="0"/>
+        </a:xfrm>
+      </p:grpSpPr>
+      <p:pic>
+        <p:nvPicPr>
+          <p:cNvPr id="6" name="Picture 5"/>
+          <p:cNvPicPr>
+            <a:picLocks noChangeAspect="1"/>
+          </p:cNvPicPr>
+          <p:nvPr/>
+        </p:nvPicPr>
+        <p:blipFill>
+          <a:blip r:embed="rId3"/>
+          <a:stretch>
+            <a:fillRect/>
+          </a:stretch>
+        </p:blipFill>
+        <p:spPr>
+          <a:xfrm>
+            <a:off x="0" y="10099"/>
+            <a:ext cx="4524376" cy="6695501"/>
+          </a:xfrm>
+          <a:prstGeom prst="rect">
+            <a:avLst/>
+          </a:prstGeom>
+        </p:spPr>
+      </p:pic>
+      <p:pic>
+        <p:nvPicPr>
+          <p:cNvPr id="5" name="Picture 4"/>
+          <p:cNvPicPr>
+            <a:picLocks noChangeAspect="1"/>
+          </p:cNvPicPr>
+          <p:nvPr/>
+        </p:nvPicPr>
+        <p:blipFill>
+          <a:blip r:embed="rId4"/>
+          <a:stretch>
+            <a:fillRect/>
+          </a:stretch>
+        </p:blipFill>
+        <p:spPr>
+          <a:xfrm>
+            <a:off x="4419600" y="0"/>
+            <a:ext cx="4724400" cy="6705600"/>
+          </a:xfrm>
+          <a:prstGeom prst="rect">
+            <a:avLst/>
+          </a:prstGeom>
+        </p:spPr>
+      </p:pic>
+    </p:spTree>
+    <p:extLst>
+      <p:ext uri="{BB962C8B-B14F-4D97-AF65-F5344CB8AC3E}">
+        <p14:creationId xmlns:p14="http://schemas.microsoft.com/office/powerpoint/2010/main" val="3781502104"/>
+      </p:ext>
+    </p:extLst>
+  </p:cSld>
+  <p:clrMapOvr>
+    <a:masterClrMapping/>
+  </p:clrMapOvr>
+  <p:transition>
+    <p:fade/>
+  </p:transition>
+  <p:timing>
+    <p:tnLst>
+      <p:par>
+        <p:cTn id="1" dur="indefinite" restart="never" nodeType="tmRoot">
+          <p:childTnLst>
+            <p:seq concurrent="1" nextAc="seek">
+              <p:cTn id="2" dur="indefinite" nodeType="mainSeq">
+                <p:childTnLst>
+                  <p:par>
+                    <p:cTn id="3" fill="hold">
+                      <p:stCondLst>
+                        <p:cond delay="indefinite"/>
+                        <p:cond evt="onBegin" delay="0">
+                          <p:tn val="2"/>
+                        </p:cond>
+                      </p:stCondLst>
+                      <p:childTnLst>
+                        <p:par>
+                          <p:cTn id="4" fill="hold">
+                            <p:stCondLst>
+                              <p:cond delay="0"/>
+                            </p:stCondLst>
+                            <p:childTnLst>
+                              <p:par>
+                                <p:cTn id="5" presetID="10" presetClass="entr" presetSubtype="0" fill="hold" nodeType="afterEffect">
+                                  <p:stCondLst>
+                                    <p:cond delay="0"/>
+                                  </p:stCondLst>
+                                  <p:childTnLst>
+                                    <p:set>
+                                      <p:cBhvr>
+                                        <p:cTn id="6" dur="1" fill="hold">
+                                          <p:stCondLst>
+                                            <p:cond delay="0"/>
+                                          </p:stCondLst>
+                                        </p:cTn>
+                                        <p:tgtEl>
+                                          <p:spTgt spid="5"/>
+                                        </p:tgtEl>
+                                        <p:attrNameLst>
+                                          <p:attrName>style.visibility</p:attrName>
+                                        </p:attrNameLst>
+                                      </p:cBhvr>
+                                      <p:to>
+                                        <p:strVal val="visible"/>
+                                      </p:to>
+                                    </p:set>
+                                    <p:animEffect transition="in" filter="fade">
+                                      <p:cBhvr>
+                                        <p:cTn id="7" dur="500"/>
+                                        <p:tgtEl>
+                                          <p:spTgt spid="5"/>
+                                        </p:tgtEl>
+                                      </p:cBhvr>
+                                    </p:animEffect>
+                                  </p:childTnLst>
+                                </p:cTn>
+                              </p:par>
+                            </p:childTnLst>
+                          </p:cTn>
+                        </p:par>
+                      </p:childTnLst>
+                    </p:cTn>
+                  </p:par>
+                </p:childTnLst>
+              </p:cTn>
+              <p:prevCondLst>
+                <p:cond evt="onPrev" delay="0">
+                  <p:tgtEl>
+                    <p:sldTgt/>
+                  </p:tgtEl>
+                </p:cond>
+              </p:prevCondLst>
+              <p:nextCondLst>
+                <p:cond evt="onNext" delay="0">
+                  <p:tgtEl>
+                    <p:sldTgt/>
+                  </p:tgtEl>
+                </p:cond>
+              </p:nextCondLst>
+            </p:seq>
+          </p:childTnLst>
+        </p:cTn>
+      </p:par>
+    </p:tnLst>
+  </p:timing>
+</p:sld>
+</file>
+
+<file path=ppt/slides/slide20.xml><?xml version="1.0" encoding="utf-8"?>
+<p:sld xmlns:a="http://schemas.openxmlformats.org/drawingml/2006/main" xmlns:r="http://schemas.openxmlformats.org/officeDocument/2006/relationships" xmlns:p="http://schemas.openxmlformats.org/presentationml/2006/main">
+  <p:cSld>
+    <p:spTree>
+      <p:nvGrpSpPr>
+        <p:cNvPr id="1" name=""/>
+        <p:cNvGrpSpPr/>
+        <p:nvPr/>
+      </p:nvGrpSpPr>
+      <p:grpSpPr>
+        <a:xfrm>
+          <a:off x="0" y="0"/>
+          <a:ext cx="0" cy="0"/>
+          <a:chOff x="0" y="0"/>
+          <a:chExt cx="0" cy="0"/>
+        </a:xfrm>
+      </p:grpSpPr>
+      <p:sp>
+        <p:nvSpPr>
+          <p:cNvPr id="2" name="Title 1"/>
+          <p:cNvSpPr>
+            <a:spLocks noGrp="1"/>
+          </p:cNvSpPr>
+          <p:nvPr>
+            <p:ph type="title"/>
+          </p:nvPr>
+        </p:nvSpPr>
+        <p:spPr/>
+        <p:txBody>
+          <a:bodyPr/>
+          <a:lstStyle/>
+          <a:p>
+            <a:r>
+              <a:rPr lang="en-US" dirty="0" smtClean="0"/>
+              <a:t>Remember $apply</a:t>
+            </a:r>
+            <a:endParaRPr lang="en-US" dirty="0"/>
+          </a:p>
+        </p:txBody>
+      </p:sp>
+      <p:sp>
+        <p:nvSpPr>
+          <p:cNvPr id="3" name="Text Placeholder 2"/>
+          <p:cNvSpPr>
+            <a:spLocks noGrp="1"/>
+          </p:cNvSpPr>
+          <p:nvPr>
+            <p:ph type="body" idx="1"/>
+          </p:nvPr>
+        </p:nvSpPr>
+        <p:spPr/>
+        <p:txBody>
+          <a:bodyPr/>
+          <a:lstStyle/>
+          <a:p>
+            <a:endParaRPr lang="en-US"/>
+          </a:p>
+        </p:txBody>
+      </p:sp>
+      <p:pic>
+        <p:nvPicPr>
+          <p:cNvPr id="4" name="Picture 3"/>
+          <p:cNvPicPr>
+            <a:picLocks noChangeAspect="1"/>
+          </p:cNvPicPr>
+          <p:nvPr/>
+        </p:nvPicPr>
+        <p:blipFill>
+          <a:blip r:embed="rId2"/>
+          <a:stretch>
+            <a:fillRect/>
+          </a:stretch>
+        </p:blipFill>
+        <p:spPr>
+          <a:xfrm>
+            <a:off x="2057400" y="2819400"/>
+            <a:ext cx="5438775" cy="1514475"/>
+          </a:xfrm>
+          <a:prstGeom prst="rect">
+            <a:avLst/>
+          </a:prstGeom>
+        </p:spPr>
+      </p:pic>
+    </p:spTree>
+    <p:extLst>
+      <p:ext uri="{BB962C8B-B14F-4D97-AF65-F5344CB8AC3E}">
+        <p14:creationId xmlns:p14="http://schemas.microsoft.com/office/powerpoint/2010/main" val="351872095"/>
+      </p:ext>
+    </p:extLst>
+  </p:cSld>
+  <p:clrMapOvr>
+    <a:masterClrMapping/>
+  </p:clrMapOvr>
+  <p:transition>
+    <p:fade/>
+  </p:transition>
+  <p:timing>
+    <p:tnLst>
+      <p:par>
+        <p:cTn id="1" dur="indefinite" restart="never" nodeType="tmRoot"/>
+      </p:par>
+    </p:tnLst>
+  </p:timing>
+</p:sld>
+</file>
+
+<file path=ppt/slides/slide21.xml><?xml version="1.0" encoding="utf-8"?>
+<p:sld xmlns:a="http://schemas.openxmlformats.org/drawingml/2006/main" xmlns:r="http://schemas.openxmlformats.org/officeDocument/2006/relationships" xmlns:p="http://schemas.openxmlformats.org/presentationml/2006/main">
+  <p:cSld>
+    <p:spTree>
+      <p:nvGrpSpPr>
+        <p:cNvPr id="1" name=""/>
+        <p:cNvGrpSpPr/>
+        <p:nvPr/>
+      </p:nvGrpSpPr>
+      <p:grpSpPr>
+        <a:xfrm>
+          <a:off x="0" y="0"/>
+          <a:ext cx="0" cy="0"/>
+          <a:chOff x="0" y="0"/>
+          <a:chExt cx="0" cy="0"/>
+        </a:xfrm>
+      </p:grpSpPr>
+      <p:sp>
+        <p:nvSpPr>
+          <p:cNvPr id="2" name="Title 1"/>
+          <p:cNvSpPr>
+            <a:spLocks noGrp="1"/>
+          </p:cNvSpPr>
+          <p:nvPr>
+            <p:ph type="title"/>
+          </p:nvPr>
+        </p:nvSpPr>
+        <p:spPr/>
+        <p:txBody>
+          <a:bodyPr/>
+          <a:lstStyle/>
+          <a:p>
+            <a:r>
+              <a:rPr lang="en-US" dirty="0" smtClean="0"/>
+              <a:t>$watch and $observe</a:t>
+            </a:r>
+            <a:endParaRPr lang="en-US" dirty="0"/>
+          </a:p>
+        </p:txBody>
+      </p:sp>
+      <p:sp>
+        <p:nvSpPr>
+          <p:cNvPr id="3" name="Text Placeholder 2"/>
+          <p:cNvSpPr>
+            <a:spLocks noGrp="1"/>
+          </p:cNvSpPr>
+          <p:nvPr>
+            <p:ph type="body" idx="1"/>
+          </p:nvPr>
+        </p:nvSpPr>
+        <p:spPr/>
+        <p:txBody>
+          <a:bodyPr/>
+          <a:lstStyle/>
+          <a:p>
+            <a:r>
+              <a:rPr lang="en-US" dirty="0" smtClean="0"/>
+              <a:t>$watch an expression, $observe attributes</a:t>
+            </a:r>
+            <a:endParaRPr lang="en-US" dirty="0"/>
+          </a:p>
+        </p:txBody>
+      </p:sp>
+      <p:pic>
+        <p:nvPicPr>
+          <p:cNvPr id="4" name="Picture 3"/>
+          <p:cNvPicPr>
+            <a:picLocks noChangeAspect="1"/>
+          </p:cNvPicPr>
+          <p:nvPr/>
+        </p:nvPicPr>
+        <p:blipFill>
+          <a:blip r:embed="rId2"/>
+          <a:stretch>
+            <a:fillRect/>
+          </a:stretch>
+        </p:blipFill>
+        <p:spPr>
+          <a:xfrm>
+            <a:off x="1885950" y="2971800"/>
+            <a:ext cx="5372100" cy="914400"/>
+          </a:xfrm>
+          <a:prstGeom prst="rect">
+            <a:avLst/>
+          </a:prstGeom>
+        </p:spPr>
+      </p:pic>
+    </p:spTree>
+    <p:extLst>
+      <p:ext uri="{BB962C8B-B14F-4D97-AF65-F5344CB8AC3E}">
+        <p14:creationId xmlns:p14="http://schemas.microsoft.com/office/powerpoint/2010/main" val="4268450211"/>
+      </p:ext>
+    </p:extLst>
+  </p:cSld>
+  <p:clrMapOvr>
+    <a:masterClrMapping/>
+  </p:clrMapOvr>
+  <p:transition>
+    <p:fade/>
+  </p:transition>
+  <p:timing>
+    <p:tnLst>
+      <p:par>
+        <p:cTn id="1" dur="indefinite" restart="never" nodeType="tmRoot"/>
+      </p:par>
+    </p:tnLst>
+  </p:timing>
+</p:sld>
+</file>
+
+<file path=ppt/slides/slide22.xml><?xml version="1.0" encoding="utf-8"?>
+<p:sld xmlns:a="http://schemas.openxmlformats.org/drawingml/2006/main" xmlns:r="http://schemas.openxmlformats.org/officeDocument/2006/relationships" xmlns:p="http://schemas.openxmlformats.org/presentationml/2006/main">
+  <p:cSld>
+    <p:spTree>
+      <p:nvGrpSpPr>
+        <p:cNvPr id="1" name=""/>
+        <p:cNvGrpSpPr/>
+        <p:nvPr/>
+      </p:nvGrpSpPr>
+      <p:grpSpPr>
+        <a:xfrm>
+          <a:off x="0" y="0"/>
+          <a:ext cx="0" cy="0"/>
+          <a:chOff x="0" y="0"/>
+          <a:chExt cx="0" cy="0"/>
+        </a:xfrm>
+      </p:grpSpPr>
+      <p:sp>
+        <p:nvSpPr>
+          <p:cNvPr id="2" name="Title 1"/>
+          <p:cNvSpPr>
+            <a:spLocks noGrp="1"/>
+          </p:cNvSpPr>
+          <p:nvPr>
+            <p:ph type="title"/>
+          </p:nvPr>
+        </p:nvSpPr>
+        <p:spPr/>
+        <p:txBody>
+          <a:bodyPr/>
+          <a:lstStyle/>
+          <a:p>
+            <a:r>
+              <a:rPr lang="en-US" dirty="0" smtClean="0"/>
+              <a:t>Compile</a:t>
+            </a:r>
+            <a:endParaRPr lang="en-US" dirty="0"/>
+          </a:p>
+        </p:txBody>
+      </p:sp>
+      <p:sp>
+        <p:nvSpPr>
+          <p:cNvPr id="3" name="Text Placeholder 2"/>
+          <p:cNvSpPr>
+            <a:spLocks noGrp="1"/>
+          </p:cNvSpPr>
+          <p:nvPr>
+            <p:ph type="body" idx="1"/>
+          </p:nvPr>
+        </p:nvSpPr>
+        <p:spPr/>
+        <p:txBody>
+          <a:bodyPr/>
+          <a:lstStyle/>
+          <a:p>
+            <a:r>
+              <a:rPr lang="en-US" dirty="0" smtClean="0"/>
+              <a:t>Executes once per directive usage</a:t>
+            </a:r>
+          </a:p>
+          <a:p>
+            <a:r>
+              <a:rPr lang="en-US" dirty="0" smtClean="0"/>
+              <a:t>Linking may execute multiple times (inside </a:t>
+            </a:r>
+            <a:r>
+              <a:rPr lang="en-US" dirty="0" err="1" smtClean="0"/>
+              <a:t>ngRepeat</a:t>
+            </a:r>
+            <a:r>
+              <a:rPr lang="en-US" dirty="0" smtClean="0"/>
+              <a:t>)</a:t>
+            </a:r>
+          </a:p>
+          <a:p>
+            <a:r>
+              <a:rPr lang="en-US" dirty="0" smtClean="0"/>
+              <a:t>Link function is the same as post link</a:t>
+            </a:r>
+          </a:p>
+          <a:p>
+            <a:endParaRPr lang="en-US" dirty="0"/>
+          </a:p>
+        </p:txBody>
+      </p:sp>
+      <p:pic>
+        <p:nvPicPr>
+          <p:cNvPr id="4" name="Picture 3"/>
+          <p:cNvPicPr>
+            <a:picLocks noChangeAspect="1"/>
+          </p:cNvPicPr>
+          <p:nvPr/>
+        </p:nvPicPr>
+        <p:blipFill>
+          <a:blip r:embed="rId2"/>
+          <a:stretch>
+            <a:fillRect/>
+          </a:stretch>
+        </p:blipFill>
+        <p:spPr>
+          <a:xfrm>
+            <a:off x="642937" y="3048000"/>
+            <a:ext cx="7858125" cy="2733675"/>
+          </a:xfrm>
+          <a:prstGeom prst="rect">
+            <a:avLst/>
+          </a:prstGeom>
+        </p:spPr>
+      </p:pic>
+    </p:spTree>
+    <p:extLst>
+      <p:ext uri="{BB962C8B-B14F-4D97-AF65-F5344CB8AC3E}">
+        <p14:creationId xmlns:p14="http://schemas.microsoft.com/office/powerpoint/2010/main" val="2364630904"/>
+      </p:ext>
+    </p:extLst>
+  </p:cSld>
+  <p:clrMapOvr>
+    <a:masterClrMapping/>
+  </p:clrMapOvr>
+  <p:transition>
+    <p:fade/>
+  </p:transition>
+  <p:timing>
+    <p:tnLst>
+      <p:par>
+        <p:cTn id="1" dur="indefinite" restart="never" nodeType="tmRoot"/>
+      </p:par>
+    </p:tnLst>
+  </p:timing>
+</p:sld>
+</file>
+
+<file path=ppt/slides/slide23.xml><?xml version="1.0" encoding="utf-8"?>
+<p:sld xmlns:a="http://schemas.openxmlformats.org/drawingml/2006/main" xmlns:r="http://schemas.openxmlformats.org/officeDocument/2006/relationships" xmlns:p="http://schemas.openxmlformats.org/presentationml/2006/main">
+  <p:cSld>
+    <p:spTree>
+      <p:nvGrpSpPr>
+        <p:cNvPr id="1" name=""/>
+        <p:cNvGrpSpPr/>
+        <p:nvPr/>
+      </p:nvGrpSpPr>
+      <p:grpSpPr>
+        <a:xfrm>
+          <a:off x="0" y="0"/>
+          <a:ext cx="0" cy="0"/>
+          <a:chOff x="0" y="0"/>
+          <a:chExt cx="0" cy="0"/>
+        </a:xfrm>
+      </p:grpSpPr>
+      <p:sp>
+        <p:nvSpPr>
+          <p:cNvPr id="2" name="Title 1"/>
+          <p:cNvSpPr>
+            <a:spLocks noGrp="1"/>
+          </p:cNvSpPr>
+          <p:nvPr>
+            <p:ph type="title"/>
+          </p:nvPr>
+        </p:nvSpPr>
+        <p:spPr/>
+        <p:txBody>
+          <a:bodyPr/>
+          <a:lstStyle/>
+          <a:p>
+            <a:r>
+              <a:rPr lang="en-US" dirty="0" smtClean="0"/>
+              <a:t>Summary</a:t>
+            </a:r>
+            <a:endParaRPr lang="en-US" dirty="0"/>
+          </a:p>
+        </p:txBody>
+      </p:sp>
+      <p:sp>
+        <p:nvSpPr>
+          <p:cNvPr id="3" name="Text Placeholder 2"/>
+          <p:cNvSpPr>
+            <a:spLocks noGrp="1"/>
+          </p:cNvSpPr>
+          <p:nvPr>
+            <p:ph type="body" idx="1"/>
+          </p:nvPr>
+        </p:nvSpPr>
+        <p:spPr/>
+        <p:txBody>
+          <a:bodyPr/>
+          <a:lstStyle/>
+          <a:p>
+            <a:r>
+              <a:rPr lang="en-US" dirty="0" smtClean="0"/>
+              <a:t>Directives create custom </a:t>
+            </a:r>
+            <a:r>
+              <a:rPr lang="en-US" dirty="0" smtClean="0"/>
+              <a:t>elements</a:t>
+            </a:r>
+            <a:endParaRPr lang="en-US" dirty="0" smtClean="0"/>
+          </a:p>
+          <a:p>
+            <a:r>
+              <a:rPr lang="en-US" dirty="0" smtClean="0"/>
+              <a:t>Directives manipulate the </a:t>
+            </a:r>
+            <a:r>
+              <a:rPr lang="en-US" dirty="0" smtClean="0"/>
+              <a:t>DOM</a:t>
+            </a:r>
+          </a:p>
+          <a:p>
+            <a:r>
+              <a:rPr lang="en-US" dirty="0" smtClean="0">
+                <a:hlinkClick r:id="rId2"/>
+              </a:rPr>
+              <a:t>scott@OdeToCode.com</a:t>
+            </a:r>
+            <a:endParaRPr lang="en-US" dirty="0" smtClean="0"/>
+          </a:p>
+        </p:txBody>
+      </p:sp>
+      <p:pic>
+        <p:nvPicPr>
+          <p:cNvPr id="4" name="Picture 2" descr="http://angularjs.org/img/AngularJS-large.png"/>
+          <p:cNvPicPr>
+            <a:picLocks noChangeAspect="1" noChangeArrowheads="1"/>
+          </p:cNvPicPr>
+          <p:nvPr/>
+        </p:nvPicPr>
+        <p:blipFill>
+          <a:blip r:embed="rId3">
+            <a:extLst>
+              <a:ext uri="{28A0092B-C50C-407E-A947-70E740481C1C}">
+                <a14:useLocalDpi xmlns:a14="http://schemas.microsoft.com/office/drawing/2010/main" val="0"/>
+              </a:ext>
+            </a:extLst>
+          </a:blip>
+          <a:srcRect/>
+          <a:stretch>
+            <a:fillRect/>
+          </a:stretch>
+        </p:blipFill>
+        <p:spPr bwMode="auto">
+          <a:xfrm>
+            <a:off x="2747964" y="4419602"/>
             <a:ext cx="3648075" cy="1028701"/>
           </a:xfrm>
           <a:prstGeom prst="rect">
@@ -3171,154 +6415,13 @@
   <p:transition>
     <p:fade/>
   </p:transition>
-</p:sld>
-</file>
-
-<file path=ppt/slides/slide2.xml><?xml version="1.0" encoding="utf-8"?>
-<p:sld xmlns:a="http://schemas.openxmlformats.org/drawingml/2006/main" xmlns:r="http://schemas.openxmlformats.org/officeDocument/2006/relationships" xmlns:p="http://schemas.openxmlformats.org/presentationml/2006/main">
-  <p:cSld>
-    <p:spTree>
-      <p:nvGrpSpPr>
-        <p:cNvPr id="1" name=""/>
-        <p:cNvGrpSpPr/>
-        <p:nvPr/>
-      </p:nvGrpSpPr>
-      <p:grpSpPr>
-        <a:xfrm>
-          <a:off x="0" y="0"/>
-          <a:ext cx="0" cy="0"/>
-          <a:chOff x="0" y="0"/>
-          <a:chExt cx="0" cy="0"/>
-        </a:xfrm>
-      </p:grpSpPr>
-      <p:sp>
-        <p:nvSpPr>
-          <p:cNvPr id="2" name="Title 1"/>
-          <p:cNvSpPr>
-            <a:spLocks noGrp="1"/>
-          </p:cNvSpPr>
-          <p:nvPr>
-            <p:ph type="title"/>
-          </p:nvPr>
-        </p:nvSpPr>
-        <p:spPr/>
-        <p:txBody>
-          <a:bodyPr/>
-          <a:lstStyle/>
-          <a:p>
-            <a:r>
-              <a:rPr lang="en-US" dirty="0" smtClean="0"/>
-              <a:t>Extending HTML</a:t>
-            </a:r>
-            <a:endParaRPr lang="en-US" dirty="0"/>
-          </a:p>
-        </p:txBody>
-      </p:sp>
-      <p:sp>
-        <p:nvSpPr>
-          <p:cNvPr id="3" name="Text Placeholder 2"/>
-          <p:cNvSpPr>
-            <a:spLocks noGrp="1"/>
-          </p:cNvSpPr>
-          <p:nvPr>
-            <p:ph type="body" idx="1"/>
-          </p:nvPr>
-        </p:nvSpPr>
-        <p:spPr/>
-        <p:txBody>
-          <a:bodyPr/>
-          <a:lstStyle/>
-          <a:p>
-            <a:r>
-              <a:rPr lang="en-US" dirty="0" err="1" smtClean="0"/>
-              <a:t>WebComponents</a:t>
-            </a:r>
-            <a:r>
-              <a:rPr lang="en-US" dirty="0" smtClean="0"/>
-              <a:t> and Shadow DOM coming</a:t>
-            </a:r>
-          </a:p>
-          <a:p>
-            <a:r>
-              <a:rPr lang="en-US" dirty="0" smtClean="0"/>
-              <a:t>Directives bring a glimpse of the future today</a:t>
-            </a:r>
-          </a:p>
-          <a:p>
-            <a:pPr lvl="1"/>
-            <a:r>
-              <a:rPr lang="en-US" dirty="0" smtClean="0"/>
-              <a:t>Custom elements</a:t>
-            </a:r>
-          </a:p>
-          <a:p>
-            <a:pPr lvl="1"/>
-            <a:r>
-              <a:rPr lang="en-US" dirty="0" smtClean="0"/>
-              <a:t>More semantic markup</a:t>
-            </a:r>
-          </a:p>
-        </p:txBody>
-      </p:sp>
-      <p:pic>
-        <p:nvPicPr>
-          <p:cNvPr id="4" name="Picture 3"/>
-          <p:cNvPicPr>
-            <a:picLocks noChangeAspect="1"/>
-          </p:cNvPicPr>
-          <p:nvPr/>
-        </p:nvPicPr>
-        <p:blipFill>
-          <a:blip r:embed="rId2">
-            <a:extLst>
-              <a:ext uri="{BEBA8EAE-BF5A-486C-A8C5-ECC9F3942E4B}">
-                <a14:imgProps xmlns:a14="http://schemas.microsoft.com/office/drawing/2010/main">
-                  <a14:imgLayer r:embed="rId3">
-                    <a14:imgEffect>
-                      <a14:colorTemperature colorTemp="11200"/>
-                    </a14:imgEffect>
-                  </a14:imgLayer>
-                </a14:imgProps>
-              </a:ext>
-            </a:extLst>
-          </a:blip>
-          <a:stretch>
-            <a:fillRect/>
-          </a:stretch>
-        </p:blipFill>
-        <p:spPr>
-          <a:xfrm>
-            <a:off x="990600" y="3124200"/>
-            <a:ext cx="6634762" cy="3124200"/>
-          </a:xfrm>
-          <a:prstGeom prst="rect">
-            <a:avLst/>
-          </a:prstGeom>
-          <a:ln>
-            <a:noFill/>
-          </a:ln>
-          <a:effectLst>
-            <a:outerShdw blurRad="292100" dist="139700" dir="2700000" algn="tl" rotWithShape="0">
-              <a:srgbClr val="333333">
-                <a:alpha val="65000"/>
-              </a:srgbClr>
-            </a:outerShdw>
-          </a:effectLst>
-        </p:spPr>
-      </p:pic>
-    </p:spTree>
-    <p:extLst>
-      <p:ext uri="{BB962C8B-B14F-4D97-AF65-F5344CB8AC3E}">
-        <p14:creationId xmlns:p14="http://schemas.microsoft.com/office/powerpoint/2010/main" val="2629268903"/>
-      </p:ext>
-    </p:extLst>
-  </p:cSld>
-  <p:clrMapOvr>
-    <a:masterClrMapping/>
-  </p:clrMapOvr>
-  <p:transition>
-    <p:fade/>
-  </p:transition>
+  <p:timing>
+    <p:tnLst>
+      <p:par>
+        <p:cTn id="1" dur="indefinite" restart="never" nodeType="tmRoot"/>
+      </p:par>
+    </p:tnLst>
+  </p:timing>
 </p:sld>
 </file>
 
@@ -3356,7 +6459,7 @@
           <a:p>
             <a:r>
               <a:rPr lang="en-US" dirty="0" smtClean="0"/>
-              <a:t>Elements, Classes, Attributes</a:t>
+              <a:t>Primitive Obsession</a:t>
             </a:r>
             <a:endParaRPr lang="en-US" dirty="0"/>
           </a:p>
@@ -3377,85 +6480,323 @@
           <a:bodyPr/>
           <a:lstStyle/>
           <a:p>
+            <a:pPr marL="0" indent="0" algn="ctr">
+              <a:buNone/>
+            </a:pPr>
             <a:r>
               <a:rPr lang="en-US" dirty="0" smtClean="0"/>
-              <a:t>Many directives will work in any position</a:t>
-            </a:r>
-          </a:p>
-          <a:p>
-            <a:pPr lvl="1"/>
+              <a:t>&lt;div&gt;&lt;/div&gt;</a:t>
+            </a:r>
+            <a:r>
+              <a:rPr lang="en-US" dirty="0"/>
+              <a:t>&lt;div&gt;&lt;/div</a:t>
+            </a:r>
             <a:r>
               <a:rPr lang="en-US" dirty="0" smtClean="0"/>
-              <a:t>Element &lt;accordion&gt;</a:t>
-            </a:r>
-          </a:p>
-          <a:p>
-            <a:pPr lvl="1"/>
+              <a:t>&gt;</a:t>
+            </a:r>
+            <a:r>
+              <a:rPr lang="en-US" dirty="0"/>
+              <a:t>&lt;div&gt;&lt;/div&gt;&lt;div&gt;&lt;/div</a:t>
+            </a:r>
             <a:r>
               <a:rPr lang="en-US" dirty="0" smtClean="0"/>
-              <a:t>Attribute &lt;div accordion&gt;</a:t>
-            </a:r>
-          </a:p>
-          <a:p>
-            <a:pPr lvl="1"/>
+              <a:t>&gt;</a:t>
+            </a:r>
+            <a:r>
+              <a:rPr lang="en-US" dirty="0"/>
+              <a:t>&lt;div&gt;&lt;/div</a:t>
+            </a:r>
             <a:r>
               <a:rPr lang="en-US" dirty="0" smtClean="0"/>
-              <a:t>Class &lt;div class=accordion&gt;</a:t>
-            </a:r>
+              <a:t>&gt;</a:t>
+            </a:r>
+          </a:p>
+          <a:p>
+            <a:pPr marL="0" indent="0" algn="ctr">
+              <a:buNone/>
+            </a:pPr>
+            <a:r>
+              <a:rPr lang="en-US" dirty="0" smtClean="0"/>
+              <a:t>&lt;</a:t>
+            </a:r>
+            <a:r>
+              <a:rPr lang="en-US" dirty="0"/>
+              <a:t>div&gt;&lt;/div&gt;&lt;div&gt;&lt;/div&gt;&lt;div&gt;&lt;/div&gt;&lt;div&gt;&lt;/div&gt;&lt;div&gt;&lt;/div</a:t>
+            </a:r>
+            <a:r>
+              <a:rPr lang="en-US" dirty="0" smtClean="0"/>
+              <a:t>&gt;</a:t>
+            </a:r>
+            <a:endParaRPr lang="en-US" dirty="0"/>
+          </a:p>
+          <a:p>
+            <a:pPr marL="0" indent="0" algn="ctr">
+              <a:buNone/>
+            </a:pPr>
+            <a:r>
+              <a:rPr lang="en-US" dirty="0"/>
+              <a:t>&lt;div&gt;&lt;/div&gt;&lt;div&gt;&lt;/div&gt;&lt;div&gt;&lt;/div&gt;&lt;div&gt;&lt;/div&gt;&lt;div&gt;&lt;/div</a:t>
+            </a:r>
+            <a:r>
+              <a:rPr lang="en-US" dirty="0" smtClean="0"/>
+              <a:t>&gt;</a:t>
+            </a:r>
+            <a:endParaRPr lang="en-US" dirty="0"/>
+          </a:p>
+          <a:p>
+            <a:pPr marL="0" indent="0" algn="ctr">
+              <a:buNone/>
+            </a:pPr>
+            <a:r>
+              <a:rPr lang="en-US" dirty="0"/>
+              <a:t>&lt;div&gt;&lt;/div&gt;&lt;div&gt;&lt;/div&gt;&lt;div&gt;&lt;/div&gt;&lt;div&gt;&lt;/div&gt;&lt;div&gt;&lt;/div</a:t>
+            </a:r>
+            <a:r>
+              <a:rPr lang="en-US" dirty="0" smtClean="0"/>
+              <a:t>&gt;</a:t>
+            </a:r>
+            <a:endParaRPr lang="en-US" dirty="0"/>
+          </a:p>
+          <a:p>
+            <a:pPr marL="0" indent="0" algn="ctr">
+              <a:buNone/>
+            </a:pPr>
+            <a:r>
+              <a:rPr lang="en-US" dirty="0"/>
+              <a:t>&lt;div&gt;&lt;/div&gt;&lt;div&gt;&lt;/div&gt;&lt;div&gt;&lt;/div&gt;&lt;div&gt;&lt;/div&gt;&lt;div&gt;&lt;/div</a:t>
+            </a:r>
+            <a:r>
+              <a:rPr lang="en-US" dirty="0" smtClean="0"/>
+              <a:t>&gt;</a:t>
+            </a:r>
+            <a:endParaRPr lang="en-US" dirty="0"/>
+          </a:p>
+          <a:p>
+            <a:pPr marL="0" indent="0" algn="ctr">
+              <a:buNone/>
+            </a:pPr>
+            <a:r>
+              <a:rPr lang="en-US" dirty="0"/>
+              <a:t>&lt;div&gt;&lt;/div&gt;&lt;div&gt;&lt;/div&gt;&lt;div&gt;&lt;/div&gt;&lt;div&gt;&lt;/div&gt;&lt;div&gt;&lt;/</a:t>
+            </a:r>
+            <a:r>
+              <a:rPr lang="en-US" dirty="0" smtClean="0"/>
+              <a:t>div</a:t>
+            </a:r>
+            <a:r>
+              <a:rPr lang="en-US" dirty="0"/>
+              <a:t>&gt;</a:t>
+            </a:r>
+          </a:p>
+          <a:p>
+            <a:pPr marL="0" indent="0" algn="ctr">
+              <a:buNone/>
+            </a:pPr>
+            <a:r>
+              <a:rPr lang="en-US" dirty="0" smtClean="0"/>
+              <a:t>&lt;</a:t>
+            </a:r>
+            <a:r>
+              <a:rPr lang="en-US" dirty="0"/>
+              <a:t>div&gt;&lt;/div</a:t>
+            </a:r>
+            <a:r>
+              <a:rPr lang="en-US" dirty="0" smtClean="0"/>
+              <a:t>&gt;&lt;span&gt;</a:t>
+            </a:r>
+            <a:r>
+              <a:rPr lang="en-US" sz="1800" dirty="0" smtClean="0"/>
+              <a:t>important</a:t>
+            </a:r>
+            <a:r>
+              <a:rPr lang="en-US" dirty="0" smtClean="0"/>
+              <a:t>&lt;/span&gt;&lt;</a:t>
+            </a:r>
+            <a:r>
+              <a:rPr lang="en-US" dirty="0"/>
+              <a:t>div&gt;&lt;/div&gt;&lt;div&gt;&lt;/div</a:t>
+            </a:r>
+            <a:r>
+              <a:rPr lang="en-US" dirty="0" smtClean="0"/>
+              <a:t>&gt;</a:t>
+            </a:r>
+            <a:endParaRPr lang="en-US" dirty="0"/>
+          </a:p>
+          <a:p>
+            <a:pPr marL="0" indent="0" algn="ctr">
+              <a:buNone/>
+            </a:pPr>
+            <a:r>
+              <a:rPr lang="en-US" dirty="0" smtClean="0"/>
+              <a:t>&lt;</a:t>
+            </a:r>
+            <a:r>
+              <a:rPr lang="en-US" dirty="0"/>
+              <a:t>div&gt;&lt;/div</a:t>
+            </a:r>
+            <a:r>
+              <a:rPr lang="en-US" dirty="0" smtClean="0"/>
+              <a:t>&gt;&lt;a&gt;menu item here&lt;/a&gt;&lt;</a:t>
+            </a:r>
+            <a:r>
+              <a:rPr lang="en-US" dirty="0"/>
+              <a:t>div&gt;&lt;/div&gt;&lt;div&gt;&lt;/div</a:t>
+            </a:r>
+            <a:r>
+              <a:rPr lang="en-US" dirty="0" smtClean="0"/>
+              <a:t>&gt;</a:t>
+            </a:r>
+            <a:endParaRPr lang="en-US" dirty="0"/>
+          </a:p>
+          <a:p>
+            <a:pPr marL="0" indent="0" algn="ctr">
+              <a:buNone/>
+            </a:pPr>
+            <a:r>
+              <a:rPr lang="en-US" dirty="0"/>
+              <a:t>&lt;div&gt;&lt;/div&gt;&lt;div&gt;&lt;/div&gt;&lt;div&gt;&lt;/div&gt;&lt;div&gt;&lt;/div&gt;&lt;div&gt;&lt;/</a:t>
+            </a:r>
+            <a:r>
+              <a:rPr lang="en-US" dirty="0" smtClean="0"/>
+              <a:t>div</a:t>
+            </a:r>
+            <a:r>
+              <a:rPr lang="en-US" dirty="0"/>
+              <a:t>&gt;</a:t>
+            </a:r>
+          </a:p>
+          <a:p>
+            <a:pPr marL="0" indent="0" algn="ctr">
+              <a:buNone/>
+            </a:pPr>
+            <a:r>
+              <a:rPr lang="en-US" dirty="0" smtClean="0"/>
+              <a:t>&lt;div&gt;&lt;/div&gt;&lt;div&gt;&lt;/div&gt;&lt;div&gt;&lt;/div&gt;&lt;div&gt;&lt;/div&gt;&lt;div&gt;&lt;/div&gt;</a:t>
+            </a:r>
+          </a:p>
+          <a:p>
+            <a:pPr marL="0" indent="0" algn="ctr">
+              <a:buNone/>
+            </a:pPr>
+            <a:r>
+              <a:rPr lang="en-US" dirty="0" smtClean="0"/>
+              <a:t>&lt;div&gt;&lt;/div&gt;&lt;div&gt;&lt;/div&gt;&lt;div&gt;&lt;/div&gt;&lt;div&gt;&lt;/div&gt;&lt;div&gt;&lt;/div&gt;</a:t>
+            </a:r>
+          </a:p>
+          <a:p>
+            <a:pPr marL="0" indent="0" algn="ctr">
+              <a:buNone/>
+            </a:pPr>
+            <a:r>
+              <a:rPr lang="en-US" dirty="0" smtClean="0"/>
+              <a:t>&lt;</a:t>
+            </a:r>
+            <a:r>
+              <a:rPr lang="en-US" dirty="0"/>
+              <a:t>div&gt;&lt;/div&gt;&lt;div&gt;&lt;/div&gt;&lt;div&gt;&lt;/div&gt;&lt;div&gt;&lt;/div&gt;&lt;div&gt;&lt;/div</a:t>
+            </a:r>
+            <a:r>
+              <a:rPr lang="en-US" dirty="0" smtClean="0"/>
+              <a:t>&gt;</a:t>
+            </a:r>
+            <a:endParaRPr lang="en-US" dirty="0"/>
+          </a:p>
+          <a:p>
+            <a:pPr marL="0" indent="0" algn="ctr">
+              <a:buNone/>
+            </a:pPr>
+            <a:endParaRPr lang="en-US" dirty="0"/>
+          </a:p>
+          <a:p>
+            <a:pPr marL="0" indent="0" algn="ctr">
+              <a:buNone/>
+            </a:pPr>
+            <a:endParaRPr lang="en-US" dirty="0"/>
+          </a:p>
+          <a:p>
+            <a:pPr marL="0" indent="0" algn="ctr">
+              <a:buNone/>
+            </a:pPr>
             <a:endParaRPr lang="en-US" dirty="0"/>
           </a:p>
         </p:txBody>
       </p:sp>
-      <p:pic>
-        <p:nvPicPr>
-          <p:cNvPr id="4" name="Picture 3"/>
-          <p:cNvPicPr>
-            <a:picLocks noChangeAspect="1"/>
-          </p:cNvPicPr>
+      <p:sp>
+        <p:nvSpPr>
+          <p:cNvPr id="4" name="Rectangle 3"/>
+          <p:cNvSpPr/>
           <p:nvPr/>
-        </p:nvPicPr>
-        <p:blipFill>
-          <a:blip r:embed="rId2">
-            <a:extLst>
-              <a:ext uri="{BEBA8EAE-BF5A-486C-A8C5-ECC9F3942E4B}">
-                <a14:imgProps xmlns:a14="http://schemas.microsoft.com/office/drawing/2010/main">
-                  <a14:imgLayer r:embed="rId3">
-                    <a14:imgEffect>
-                      <a14:colorTemperature colorTemp="11200"/>
-                    </a14:imgEffect>
-                  </a14:imgLayer>
-                </a14:imgProps>
-              </a:ext>
-            </a:extLst>
-          </a:blip>
-          <a:stretch>
-            <a:fillRect/>
-          </a:stretch>
-        </p:blipFill>
-        <p:spPr>
+        </p:nvSpPr>
+        <p:spPr bwMode="auto">
           <a:xfrm>
-            <a:off x="1981200" y="3505200"/>
-            <a:ext cx="4914900" cy="952500"/>
+            <a:off x="2819400" y="3657600"/>
+            <a:ext cx="2209800" cy="762000"/>
           </a:xfrm>
           <a:prstGeom prst="rect">
             <a:avLst/>
           </a:prstGeom>
-          <a:ln>
+          <a:gradFill flip="none" rotWithShape="1">
+            <a:gsLst>
+              <a:gs pos="0">
+                <a:schemeClr val="accent2">
+                  <a:lumMod val="89000"/>
+                  <a:alpha val="23000"/>
+                </a:schemeClr>
+              </a:gs>
+              <a:gs pos="23000">
+                <a:schemeClr val="accent2">
+                  <a:lumMod val="89000"/>
+                  <a:alpha val="50000"/>
+                </a:schemeClr>
+              </a:gs>
+              <a:gs pos="69000">
+                <a:schemeClr val="accent2">
+                  <a:lumMod val="75000"/>
+                  <a:alpha val="27000"/>
+                </a:schemeClr>
+              </a:gs>
+              <a:gs pos="97000">
+                <a:schemeClr val="accent2">
+                  <a:lumMod val="70000"/>
+                  <a:alpha val="0"/>
+                </a:schemeClr>
+              </a:gs>
+            </a:gsLst>
+            <a:path path="circle">
+              <a:fillToRect l="50000" t="50000" r="50000" b="50000"/>
+            </a:path>
+            <a:tileRect/>
+          </a:gradFill>
+          <a:ln w="9525" algn="ctr">
             <a:noFill/>
+            <a:miter lim="800000"/>
+            <a:headEnd/>
+            <a:tailEnd/>
           </a:ln>
           <a:effectLst>
-            <a:outerShdw blurRad="292100" dist="139700" dir="2700000" algn="tl" rotWithShape="0">
-              <a:srgbClr val="333333">
-                <a:alpha val="65000"/>
-              </a:srgbClr>
+            <a:outerShdw blurRad="50800" dist="38100" dir="2700000" algn="tl" rotWithShape="0">
+              <a:prstClr val="black">
+                <a:alpha val="40000"/>
+              </a:prstClr>
             </a:outerShdw>
           </a:effectLst>
         </p:spPr>
-      </p:pic>
+        <p:txBody>
+          <a:bodyPr wrap="none" rtlCol="0" anchor="ctr"/>
+          <a:lstStyle/>
+          <a:p>
+            <a:pPr algn="ctr"/>
+            <a:endParaRPr lang="en-US" sz="2000" dirty="0">
+              <a:latin typeface="Tekton Pro" pitchFamily="34" charset="0"/>
+            </a:endParaRPr>
+          </a:p>
+        </p:txBody>
+      </p:sp>
     </p:spTree>
     <p:extLst>
       <p:ext uri="{BB962C8B-B14F-4D97-AF65-F5344CB8AC3E}">
-        <p14:creationId xmlns:p14="http://schemas.microsoft.com/office/powerpoint/2010/main" val="2025497275"/>
+        <p14:creationId xmlns:p14="http://schemas.microsoft.com/office/powerpoint/2010/main" val="3065381646"/>
       </p:ext>
     </p:extLst>
   </p:cSld>
@@ -3465,6 +6806,717 @@
   <p:transition>
     <p:fade/>
   </p:transition>
+  <p:timing>
+    <p:tnLst>
+      <p:par>
+        <p:cTn id="1" dur="indefinite" restart="never" nodeType="tmRoot">
+          <p:childTnLst>
+            <p:seq concurrent="1" nextAc="seek">
+              <p:cTn id="2" dur="indefinite" nodeType="mainSeq">
+                <p:childTnLst>
+                  <p:par>
+                    <p:cTn id="3" fill="hold">
+                      <p:stCondLst>
+                        <p:cond delay="indefinite"/>
+                      </p:stCondLst>
+                      <p:childTnLst>
+                        <p:par>
+                          <p:cTn id="4" fill="hold">
+                            <p:stCondLst>
+                              <p:cond delay="0"/>
+                            </p:stCondLst>
+                            <p:childTnLst>
+                              <p:par>
+                                <p:cTn id="5" presetID="10" presetClass="entr" presetSubtype="0" fill="hold" grpId="0" nodeType="clickEffect">
+                                  <p:stCondLst>
+                                    <p:cond delay="0"/>
+                                  </p:stCondLst>
+                                  <p:childTnLst>
+                                    <p:set>
+                                      <p:cBhvr>
+                                        <p:cTn id="6" dur="1" fill="hold">
+                                          <p:stCondLst>
+                                            <p:cond delay="0"/>
+                                          </p:stCondLst>
+                                        </p:cTn>
+                                        <p:tgtEl>
+                                          <p:spTgt spid="3">
+                                            <p:txEl>
+                                              <p:pRg st="0" end="0"/>
+                                            </p:txEl>
+                                          </p:spTgt>
+                                        </p:tgtEl>
+                                        <p:attrNameLst>
+                                          <p:attrName>style.visibility</p:attrName>
+                                        </p:attrNameLst>
+                                      </p:cBhvr>
+                                      <p:to>
+                                        <p:strVal val="visible"/>
+                                      </p:to>
+                                    </p:set>
+                                    <p:animEffect transition="in" filter="fade">
+                                      <p:cBhvr>
+                                        <p:cTn id="7" dur="500"/>
+                                        <p:tgtEl>
+                                          <p:spTgt spid="3">
+                                            <p:txEl>
+                                              <p:pRg st="0" end="0"/>
+                                            </p:txEl>
+                                          </p:spTgt>
+                                        </p:tgtEl>
+                                      </p:cBhvr>
+                                    </p:animEffect>
+                                  </p:childTnLst>
+                                </p:cTn>
+                              </p:par>
+                            </p:childTnLst>
+                          </p:cTn>
+                        </p:par>
+                        <p:par>
+                          <p:cTn id="8" fill="hold">
+                            <p:stCondLst>
+                              <p:cond delay="500"/>
+                            </p:stCondLst>
+                            <p:childTnLst>
+                              <p:par>
+                                <p:cTn id="9" presetID="10" presetClass="entr" presetSubtype="0" fill="hold" grpId="0" nodeType="afterEffect">
+                                  <p:stCondLst>
+                                    <p:cond delay="0"/>
+                                  </p:stCondLst>
+                                  <p:childTnLst>
+                                    <p:set>
+                                      <p:cBhvr>
+                                        <p:cTn id="10" dur="1" fill="hold">
+                                          <p:stCondLst>
+                                            <p:cond delay="0"/>
+                                          </p:stCondLst>
+                                        </p:cTn>
+                                        <p:tgtEl>
+                                          <p:spTgt spid="3">
+                                            <p:txEl>
+                                              <p:pRg st="1" end="1"/>
+                                            </p:txEl>
+                                          </p:spTgt>
+                                        </p:tgtEl>
+                                        <p:attrNameLst>
+                                          <p:attrName>style.visibility</p:attrName>
+                                        </p:attrNameLst>
+                                      </p:cBhvr>
+                                      <p:to>
+                                        <p:strVal val="visible"/>
+                                      </p:to>
+                                    </p:set>
+                                    <p:animEffect transition="in" filter="fade">
+                                      <p:cBhvr>
+                                        <p:cTn id="11" dur="500"/>
+                                        <p:tgtEl>
+                                          <p:spTgt spid="3">
+                                            <p:txEl>
+                                              <p:pRg st="1" end="1"/>
+                                            </p:txEl>
+                                          </p:spTgt>
+                                        </p:tgtEl>
+                                      </p:cBhvr>
+                                    </p:animEffect>
+                                  </p:childTnLst>
+                                </p:cTn>
+                              </p:par>
+                            </p:childTnLst>
+                          </p:cTn>
+                        </p:par>
+                        <p:par>
+                          <p:cTn id="12" fill="hold">
+                            <p:stCondLst>
+                              <p:cond delay="1000"/>
+                            </p:stCondLst>
+                            <p:childTnLst>
+                              <p:par>
+                                <p:cTn id="13" presetID="10" presetClass="entr" presetSubtype="0" fill="hold" grpId="0" nodeType="afterEffect">
+                                  <p:stCondLst>
+                                    <p:cond delay="0"/>
+                                  </p:stCondLst>
+                                  <p:childTnLst>
+                                    <p:set>
+                                      <p:cBhvr>
+                                        <p:cTn id="14" dur="1" fill="hold">
+                                          <p:stCondLst>
+                                            <p:cond delay="0"/>
+                                          </p:stCondLst>
+                                        </p:cTn>
+                                        <p:tgtEl>
+                                          <p:spTgt spid="3">
+                                            <p:txEl>
+                                              <p:pRg st="2" end="2"/>
+                                            </p:txEl>
+                                          </p:spTgt>
+                                        </p:tgtEl>
+                                        <p:attrNameLst>
+                                          <p:attrName>style.visibility</p:attrName>
+                                        </p:attrNameLst>
+                                      </p:cBhvr>
+                                      <p:to>
+                                        <p:strVal val="visible"/>
+                                      </p:to>
+                                    </p:set>
+                                    <p:animEffect transition="in" filter="fade">
+                                      <p:cBhvr>
+                                        <p:cTn id="15" dur="500"/>
+                                        <p:tgtEl>
+                                          <p:spTgt spid="3">
+                                            <p:txEl>
+                                              <p:pRg st="2" end="2"/>
+                                            </p:txEl>
+                                          </p:spTgt>
+                                        </p:tgtEl>
+                                      </p:cBhvr>
+                                    </p:animEffect>
+                                  </p:childTnLst>
+                                </p:cTn>
+                              </p:par>
+                            </p:childTnLst>
+                          </p:cTn>
+                        </p:par>
+                        <p:par>
+                          <p:cTn id="16" fill="hold">
+                            <p:stCondLst>
+                              <p:cond delay="1500"/>
+                            </p:stCondLst>
+                            <p:childTnLst>
+                              <p:par>
+                                <p:cTn id="17" presetID="10" presetClass="entr" presetSubtype="0" fill="hold" grpId="0" nodeType="afterEffect">
+                                  <p:stCondLst>
+                                    <p:cond delay="0"/>
+                                  </p:stCondLst>
+                                  <p:childTnLst>
+                                    <p:set>
+                                      <p:cBhvr>
+                                        <p:cTn id="18" dur="1" fill="hold">
+                                          <p:stCondLst>
+                                            <p:cond delay="0"/>
+                                          </p:stCondLst>
+                                        </p:cTn>
+                                        <p:tgtEl>
+                                          <p:spTgt spid="3">
+                                            <p:txEl>
+                                              <p:pRg st="3" end="3"/>
+                                            </p:txEl>
+                                          </p:spTgt>
+                                        </p:tgtEl>
+                                        <p:attrNameLst>
+                                          <p:attrName>style.visibility</p:attrName>
+                                        </p:attrNameLst>
+                                      </p:cBhvr>
+                                      <p:to>
+                                        <p:strVal val="visible"/>
+                                      </p:to>
+                                    </p:set>
+                                    <p:animEffect transition="in" filter="fade">
+                                      <p:cBhvr>
+                                        <p:cTn id="19" dur="500"/>
+                                        <p:tgtEl>
+                                          <p:spTgt spid="3">
+                                            <p:txEl>
+                                              <p:pRg st="3" end="3"/>
+                                            </p:txEl>
+                                          </p:spTgt>
+                                        </p:tgtEl>
+                                      </p:cBhvr>
+                                    </p:animEffect>
+                                  </p:childTnLst>
+                                </p:cTn>
+                              </p:par>
+                            </p:childTnLst>
+                          </p:cTn>
+                        </p:par>
+                        <p:par>
+                          <p:cTn id="20" fill="hold">
+                            <p:stCondLst>
+                              <p:cond delay="2000"/>
+                            </p:stCondLst>
+                            <p:childTnLst>
+                              <p:par>
+                                <p:cTn id="21" presetID="10" presetClass="entr" presetSubtype="0" fill="hold" grpId="0" nodeType="afterEffect">
+                                  <p:stCondLst>
+                                    <p:cond delay="0"/>
+                                  </p:stCondLst>
+                                  <p:childTnLst>
+                                    <p:set>
+                                      <p:cBhvr>
+                                        <p:cTn id="22" dur="1" fill="hold">
+                                          <p:stCondLst>
+                                            <p:cond delay="0"/>
+                                          </p:stCondLst>
+                                        </p:cTn>
+                                        <p:tgtEl>
+                                          <p:spTgt spid="3">
+                                            <p:txEl>
+                                              <p:pRg st="4" end="4"/>
+                                            </p:txEl>
+                                          </p:spTgt>
+                                        </p:tgtEl>
+                                        <p:attrNameLst>
+                                          <p:attrName>style.visibility</p:attrName>
+                                        </p:attrNameLst>
+                                      </p:cBhvr>
+                                      <p:to>
+                                        <p:strVal val="visible"/>
+                                      </p:to>
+                                    </p:set>
+                                    <p:animEffect transition="in" filter="fade">
+                                      <p:cBhvr>
+                                        <p:cTn id="23" dur="500"/>
+                                        <p:tgtEl>
+                                          <p:spTgt spid="3">
+                                            <p:txEl>
+                                              <p:pRg st="4" end="4"/>
+                                            </p:txEl>
+                                          </p:spTgt>
+                                        </p:tgtEl>
+                                      </p:cBhvr>
+                                    </p:animEffect>
+                                  </p:childTnLst>
+                                </p:cTn>
+                              </p:par>
+                            </p:childTnLst>
+                          </p:cTn>
+                        </p:par>
+                        <p:par>
+                          <p:cTn id="24" fill="hold">
+                            <p:stCondLst>
+                              <p:cond delay="2500"/>
+                            </p:stCondLst>
+                            <p:childTnLst>
+                              <p:par>
+                                <p:cTn id="25" presetID="10" presetClass="entr" presetSubtype="0" fill="hold" grpId="0" nodeType="afterEffect">
+                                  <p:stCondLst>
+                                    <p:cond delay="0"/>
+                                  </p:stCondLst>
+                                  <p:childTnLst>
+                                    <p:set>
+                                      <p:cBhvr>
+                                        <p:cTn id="26" dur="1" fill="hold">
+                                          <p:stCondLst>
+                                            <p:cond delay="0"/>
+                                          </p:stCondLst>
+                                        </p:cTn>
+                                        <p:tgtEl>
+                                          <p:spTgt spid="3">
+                                            <p:txEl>
+                                              <p:pRg st="5" end="5"/>
+                                            </p:txEl>
+                                          </p:spTgt>
+                                        </p:tgtEl>
+                                        <p:attrNameLst>
+                                          <p:attrName>style.visibility</p:attrName>
+                                        </p:attrNameLst>
+                                      </p:cBhvr>
+                                      <p:to>
+                                        <p:strVal val="visible"/>
+                                      </p:to>
+                                    </p:set>
+                                    <p:animEffect transition="in" filter="fade">
+                                      <p:cBhvr>
+                                        <p:cTn id="27" dur="500"/>
+                                        <p:tgtEl>
+                                          <p:spTgt spid="3">
+                                            <p:txEl>
+                                              <p:pRg st="5" end="5"/>
+                                            </p:txEl>
+                                          </p:spTgt>
+                                        </p:tgtEl>
+                                      </p:cBhvr>
+                                    </p:animEffect>
+                                  </p:childTnLst>
+                                </p:cTn>
+                              </p:par>
+                            </p:childTnLst>
+                          </p:cTn>
+                        </p:par>
+                        <p:par>
+                          <p:cTn id="28" fill="hold">
+                            <p:stCondLst>
+                              <p:cond delay="3000"/>
+                            </p:stCondLst>
+                            <p:childTnLst>
+                              <p:par>
+                                <p:cTn id="29" presetID="10" presetClass="entr" presetSubtype="0" fill="hold" grpId="0" nodeType="afterEffect">
+                                  <p:stCondLst>
+                                    <p:cond delay="0"/>
+                                  </p:stCondLst>
+                                  <p:childTnLst>
+                                    <p:set>
+                                      <p:cBhvr>
+                                        <p:cTn id="30" dur="1" fill="hold">
+                                          <p:stCondLst>
+                                            <p:cond delay="0"/>
+                                          </p:stCondLst>
+                                        </p:cTn>
+                                        <p:tgtEl>
+                                          <p:spTgt spid="3">
+                                            <p:txEl>
+                                              <p:pRg st="6" end="6"/>
+                                            </p:txEl>
+                                          </p:spTgt>
+                                        </p:tgtEl>
+                                        <p:attrNameLst>
+                                          <p:attrName>style.visibility</p:attrName>
+                                        </p:attrNameLst>
+                                      </p:cBhvr>
+                                      <p:to>
+                                        <p:strVal val="visible"/>
+                                      </p:to>
+                                    </p:set>
+                                    <p:animEffect transition="in" filter="fade">
+                                      <p:cBhvr>
+                                        <p:cTn id="31" dur="500"/>
+                                        <p:tgtEl>
+                                          <p:spTgt spid="3">
+                                            <p:txEl>
+                                              <p:pRg st="6" end="6"/>
+                                            </p:txEl>
+                                          </p:spTgt>
+                                        </p:tgtEl>
+                                      </p:cBhvr>
+                                    </p:animEffect>
+                                  </p:childTnLst>
+                                </p:cTn>
+                              </p:par>
+                            </p:childTnLst>
+                          </p:cTn>
+                        </p:par>
+                        <p:par>
+                          <p:cTn id="32" fill="hold">
+                            <p:stCondLst>
+                              <p:cond delay="3500"/>
+                            </p:stCondLst>
+                            <p:childTnLst>
+                              <p:par>
+                                <p:cTn id="33" presetID="10" presetClass="entr" presetSubtype="0" fill="hold" grpId="0" nodeType="afterEffect">
+                                  <p:stCondLst>
+                                    <p:cond delay="0"/>
+                                  </p:stCondLst>
+                                  <p:childTnLst>
+                                    <p:set>
+                                      <p:cBhvr>
+                                        <p:cTn id="34" dur="1" fill="hold">
+                                          <p:stCondLst>
+                                            <p:cond delay="0"/>
+                                          </p:stCondLst>
+                                        </p:cTn>
+                                        <p:tgtEl>
+                                          <p:spTgt spid="3">
+                                            <p:txEl>
+                                              <p:pRg st="7" end="7"/>
+                                            </p:txEl>
+                                          </p:spTgt>
+                                        </p:tgtEl>
+                                        <p:attrNameLst>
+                                          <p:attrName>style.visibility</p:attrName>
+                                        </p:attrNameLst>
+                                      </p:cBhvr>
+                                      <p:to>
+                                        <p:strVal val="visible"/>
+                                      </p:to>
+                                    </p:set>
+                                    <p:animEffect transition="in" filter="fade">
+                                      <p:cBhvr>
+                                        <p:cTn id="35" dur="500"/>
+                                        <p:tgtEl>
+                                          <p:spTgt spid="3">
+                                            <p:txEl>
+                                              <p:pRg st="7" end="7"/>
+                                            </p:txEl>
+                                          </p:spTgt>
+                                        </p:tgtEl>
+                                      </p:cBhvr>
+                                    </p:animEffect>
+                                  </p:childTnLst>
+                                </p:cTn>
+                              </p:par>
+                            </p:childTnLst>
+                          </p:cTn>
+                        </p:par>
+                        <p:par>
+                          <p:cTn id="36" fill="hold">
+                            <p:stCondLst>
+                              <p:cond delay="4000"/>
+                            </p:stCondLst>
+                            <p:childTnLst>
+                              <p:par>
+                                <p:cTn id="37" presetID="10" presetClass="entr" presetSubtype="0" fill="hold" grpId="0" nodeType="afterEffect">
+                                  <p:stCondLst>
+                                    <p:cond delay="0"/>
+                                  </p:stCondLst>
+                                  <p:childTnLst>
+                                    <p:set>
+                                      <p:cBhvr>
+                                        <p:cTn id="38" dur="1" fill="hold">
+                                          <p:stCondLst>
+                                            <p:cond delay="0"/>
+                                          </p:stCondLst>
+                                        </p:cTn>
+                                        <p:tgtEl>
+                                          <p:spTgt spid="3">
+                                            <p:txEl>
+                                              <p:pRg st="8" end="8"/>
+                                            </p:txEl>
+                                          </p:spTgt>
+                                        </p:tgtEl>
+                                        <p:attrNameLst>
+                                          <p:attrName>style.visibility</p:attrName>
+                                        </p:attrNameLst>
+                                      </p:cBhvr>
+                                      <p:to>
+                                        <p:strVal val="visible"/>
+                                      </p:to>
+                                    </p:set>
+                                    <p:animEffect transition="in" filter="fade">
+                                      <p:cBhvr>
+                                        <p:cTn id="39" dur="500"/>
+                                        <p:tgtEl>
+                                          <p:spTgt spid="3">
+                                            <p:txEl>
+                                              <p:pRg st="8" end="8"/>
+                                            </p:txEl>
+                                          </p:spTgt>
+                                        </p:tgtEl>
+                                      </p:cBhvr>
+                                    </p:animEffect>
+                                  </p:childTnLst>
+                                </p:cTn>
+                              </p:par>
+                            </p:childTnLst>
+                          </p:cTn>
+                        </p:par>
+                        <p:par>
+                          <p:cTn id="40" fill="hold">
+                            <p:stCondLst>
+                              <p:cond delay="4500"/>
+                            </p:stCondLst>
+                            <p:childTnLst>
+                              <p:par>
+                                <p:cTn id="41" presetID="10" presetClass="entr" presetSubtype="0" fill="hold" grpId="0" nodeType="afterEffect">
+                                  <p:stCondLst>
+                                    <p:cond delay="0"/>
+                                  </p:stCondLst>
+                                  <p:childTnLst>
+                                    <p:set>
+                                      <p:cBhvr>
+                                        <p:cTn id="42" dur="1" fill="hold">
+                                          <p:stCondLst>
+                                            <p:cond delay="0"/>
+                                          </p:stCondLst>
+                                        </p:cTn>
+                                        <p:tgtEl>
+                                          <p:spTgt spid="3">
+                                            <p:txEl>
+                                              <p:pRg st="9" end="9"/>
+                                            </p:txEl>
+                                          </p:spTgt>
+                                        </p:tgtEl>
+                                        <p:attrNameLst>
+                                          <p:attrName>style.visibility</p:attrName>
+                                        </p:attrNameLst>
+                                      </p:cBhvr>
+                                      <p:to>
+                                        <p:strVal val="visible"/>
+                                      </p:to>
+                                    </p:set>
+                                    <p:animEffect transition="in" filter="fade">
+                                      <p:cBhvr>
+                                        <p:cTn id="43" dur="500"/>
+                                        <p:tgtEl>
+                                          <p:spTgt spid="3">
+                                            <p:txEl>
+                                              <p:pRg st="9" end="9"/>
+                                            </p:txEl>
+                                          </p:spTgt>
+                                        </p:tgtEl>
+                                      </p:cBhvr>
+                                    </p:animEffect>
+                                  </p:childTnLst>
+                                </p:cTn>
+                              </p:par>
+                            </p:childTnLst>
+                          </p:cTn>
+                        </p:par>
+                        <p:par>
+                          <p:cTn id="44" fill="hold">
+                            <p:stCondLst>
+                              <p:cond delay="5000"/>
+                            </p:stCondLst>
+                            <p:childTnLst>
+                              <p:par>
+                                <p:cTn id="45" presetID="10" presetClass="entr" presetSubtype="0" fill="hold" grpId="0" nodeType="afterEffect">
+                                  <p:stCondLst>
+                                    <p:cond delay="0"/>
+                                  </p:stCondLst>
+                                  <p:childTnLst>
+                                    <p:set>
+                                      <p:cBhvr>
+                                        <p:cTn id="46" dur="1" fill="hold">
+                                          <p:stCondLst>
+                                            <p:cond delay="0"/>
+                                          </p:stCondLst>
+                                        </p:cTn>
+                                        <p:tgtEl>
+                                          <p:spTgt spid="3">
+                                            <p:txEl>
+                                              <p:pRg st="10" end="10"/>
+                                            </p:txEl>
+                                          </p:spTgt>
+                                        </p:tgtEl>
+                                        <p:attrNameLst>
+                                          <p:attrName>style.visibility</p:attrName>
+                                        </p:attrNameLst>
+                                      </p:cBhvr>
+                                      <p:to>
+                                        <p:strVal val="visible"/>
+                                      </p:to>
+                                    </p:set>
+                                    <p:animEffect transition="in" filter="fade">
+                                      <p:cBhvr>
+                                        <p:cTn id="47" dur="500"/>
+                                        <p:tgtEl>
+                                          <p:spTgt spid="3">
+                                            <p:txEl>
+                                              <p:pRg st="10" end="10"/>
+                                            </p:txEl>
+                                          </p:spTgt>
+                                        </p:tgtEl>
+                                      </p:cBhvr>
+                                    </p:animEffect>
+                                  </p:childTnLst>
+                                </p:cTn>
+                              </p:par>
+                            </p:childTnLst>
+                          </p:cTn>
+                        </p:par>
+                        <p:par>
+                          <p:cTn id="48" fill="hold">
+                            <p:stCondLst>
+                              <p:cond delay="5500"/>
+                            </p:stCondLst>
+                            <p:childTnLst>
+                              <p:par>
+                                <p:cTn id="49" presetID="10" presetClass="entr" presetSubtype="0" fill="hold" grpId="0" nodeType="afterEffect">
+                                  <p:stCondLst>
+                                    <p:cond delay="0"/>
+                                  </p:stCondLst>
+                                  <p:childTnLst>
+                                    <p:set>
+                                      <p:cBhvr>
+                                        <p:cTn id="50" dur="1" fill="hold">
+                                          <p:stCondLst>
+                                            <p:cond delay="0"/>
+                                          </p:stCondLst>
+                                        </p:cTn>
+                                        <p:tgtEl>
+                                          <p:spTgt spid="3">
+                                            <p:txEl>
+                                              <p:pRg st="11" end="11"/>
+                                            </p:txEl>
+                                          </p:spTgt>
+                                        </p:tgtEl>
+                                        <p:attrNameLst>
+                                          <p:attrName>style.visibility</p:attrName>
+                                        </p:attrNameLst>
+                                      </p:cBhvr>
+                                      <p:to>
+                                        <p:strVal val="visible"/>
+                                      </p:to>
+                                    </p:set>
+                                    <p:animEffect transition="in" filter="fade">
+                                      <p:cBhvr>
+                                        <p:cTn id="51" dur="500"/>
+                                        <p:tgtEl>
+                                          <p:spTgt spid="3">
+                                            <p:txEl>
+                                              <p:pRg st="11" end="11"/>
+                                            </p:txEl>
+                                          </p:spTgt>
+                                        </p:tgtEl>
+                                      </p:cBhvr>
+                                    </p:animEffect>
+                                  </p:childTnLst>
+                                </p:cTn>
+                              </p:par>
+                            </p:childTnLst>
+                          </p:cTn>
+                        </p:par>
+                        <p:par>
+                          <p:cTn id="52" fill="hold">
+                            <p:stCondLst>
+                              <p:cond delay="6000"/>
+                            </p:stCondLst>
+                            <p:childTnLst>
+                              <p:par>
+                                <p:cTn id="53" presetID="10" presetClass="entr" presetSubtype="0" fill="hold" grpId="0" nodeType="afterEffect">
+                                  <p:stCondLst>
+                                    <p:cond delay="2000"/>
+                                  </p:stCondLst>
+                                  <p:childTnLst>
+                                    <p:set>
+                                      <p:cBhvr>
+                                        <p:cTn id="54" dur="1" fill="hold">
+                                          <p:stCondLst>
+                                            <p:cond delay="0"/>
+                                          </p:stCondLst>
+                                        </p:cTn>
+                                        <p:tgtEl>
+                                          <p:spTgt spid="4"/>
+                                        </p:tgtEl>
+                                        <p:attrNameLst>
+                                          <p:attrName>style.visibility</p:attrName>
+                                        </p:attrNameLst>
+                                      </p:cBhvr>
+                                      <p:to>
+                                        <p:strVal val="visible"/>
+                                      </p:to>
+                                    </p:set>
+                                    <p:animEffect transition="in" filter="fade">
+                                      <p:cBhvr>
+                                        <p:cTn id="55" dur="3000"/>
+                                        <p:tgtEl>
+                                          <p:spTgt spid="4"/>
+                                        </p:tgtEl>
+                                      </p:cBhvr>
+                                    </p:animEffect>
+                                  </p:childTnLst>
+                                </p:cTn>
+                              </p:par>
+                            </p:childTnLst>
+                          </p:cTn>
+                        </p:par>
+                      </p:childTnLst>
+                    </p:cTn>
+                  </p:par>
+                </p:childTnLst>
+              </p:cTn>
+              <p:prevCondLst>
+                <p:cond evt="onPrev" delay="0">
+                  <p:tgtEl>
+                    <p:sldTgt/>
+                  </p:tgtEl>
+                </p:cond>
+              </p:prevCondLst>
+              <p:nextCondLst>
+                <p:cond evt="onNext" delay="0">
+                  <p:tgtEl>
+                    <p:sldTgt/>
+                  </p:tgtEl>
+                </p:cond>
+              </p:nextCondLst>
+            </p:seq>
+          </p:childTnLst>
+        </p:cTn>
+      </p:par>
+    </p:tnLst>
+    <p:bldLst>
+      <p:bldP spid="3" grpId="0" uiExpand="1" build="p"/>
+      <p:bldP spid="4" grpId="0" animBg="1"/>
+    </p:bldLst>
+  </p:timing>
 </p:sld>
 </file>
 
@@ -3502,7 +7554,7 @@
           <a:p>
             <a:r>
               <a:rPr lang="en-US" dirty="0" smtClean="0"/>
-              <a:t>Event Directives</a:t>
+              <a:t>The Future</a:t>
             </a:r>
             <a:endParaRPr lang="en-US" dirty="0"/>
           </a:p>
@@ -3523,97 +7575,86 @@
           <a:bodyPr/>
           <a:lstStyle/>
           <a:p>
-            <a:r>
-              <a:rPr lang="en-US" dirty="0" err="1" smtClean="0"/>
-              <a:t>ngClick</a:t>
-            </a:r>
-            <a:endParaRPr lang="en-US" dirty="0" smtClean="0"/>
-          </a:p>
-          <a:p>
-            <a:r>
-              <a:rPr lang="en-US" dirty="0" err="1" smtClean="0"/>
-              <a:t>ngChange</a:t>
-            </a:r>
-            <a:r>
-              <a:rPr lang="en-US" dirty="0" smtClean="0"/>
-              <a:t> (requires </a:t>
-            </a:r>
-            <a:r>
-              <a:rPr lang="en-US" dirty="0" err="1" smtClean="0"/>
-              <a:t>ngModel</a:t>
-            </a:r>
-            <a:r>
-              <a:rPr lang="en-US" dirty="0" smtClean="0"/>
-              <a:t>)</a:t>
-            </a:r>
-          </a:p>
-          <a:p>
-            <a:r>
-              <a:rPr lang="en-US" dirty="0" err="1" smtClean="0"/>
-              <a:t>ngChecked</a:t>
-            </a:r>
-            <a:endParaRPr lang="en-US" dirty="0" smtClean="0"/>
-          </a:p>
-          <a:p>
-            <a:r>
-              <a:rPr lang="en-US" dirty="0" err="1" smtClean="0"/>
-              <a:t>ngBlur</a:t>
-            </a:r>
-            <a:endParaRPr lang="en-US" dirty="0" smtClean="0"/>
-          </a:p>
-          <a:p>
-            <a:r>
-              <a:rPr lang="en-US" dirty="0" err="1" smtClean="0"/>
-              <a:t>ngDblClick</a:t>
-            </a:r>
-            <a:endParaRPr lang="en-US" dirty="0" smtClean="0"/>
-          </a:p>
-          <a:p>
-            <a:r>
-              <a:rPr lang="en-US" dirty="0" err="1" smtClean="0"/>
-              <a:t>ngKeydown</a:t>
-            </a:r>
-            <a:r>
-              <a:rPr lang="en-US" dirty="0" smtClean="0"/>
-              <a:t> </a:t>
-            </a:r>
-            <a:r>
-              <a:rPr lang="en-US" dirty="0" err="1" smtClean="0"/>
-              <a:t>ngKeyup</a:t>
-            </a:r>
-            <a:r>
-              <a:rPr lang="en-US" dirty="0" smtClean="0"/>
-              <a:t> </a:t>
-            </a:r>
-            <a:r>
-              <a:rPr lang="en-US" dirty="0" err="1" smtClean="0"/>
-              <a:t>ngKeypress</a:t>
-            </a:r>
-            <a:endParaRPr lang="en-US" dirty="0" smtClean="0"/>
-          </a:p>
-          <a:p>
-            <a:r>
-              <a:rPr lang="en-US" dirty="0" err="1" smtClean="0"/>
-              <a:t>ngMouse</a:t>
-            </a:r>
-            <a:r>
-              <a:rPr lang="en-US" dirty="0" smtClean="0"/>
-              <a:t>*</a:t>
-            </a:r>
-          </a:p>
-          <a:p>
-            <a:r>
-              <a:rPr lang="en-US" dirty="0" err="1" smtClean="0"/>
-              <a:t>ngSubmit</a:t>
-            </a:r>
             <a:endParaRPr lang="en-US" dirty="0"/>
           </a:p>
         </p:txBody>
       </p:sp>
+      <p:pic>
+        <p:nvPicPr>
+          <p:cNvPr id="5" name="Picture 4"/>
+          <p:cNvPicPr>
+            <a:picLocks noChangeAspect="1"/>
+          </p:cNvPicPr>
+          <p:nvPr/>
+        </p:nvPicPr>
+        <p:blipFill>
+          <a:blip r:embed="rId2"/>
+          <a:stretch>
+            <a:fillRect/>
+          </a:stretch>
+        </p:blipFill>
+        <p:spPr>
+          <a:xfrm>
+            <a:off x="457200" y="1295400"/>
+            <a:ext cx="3895725" cy="2019300"/>
+          </a:xfrm>
+          <a:prstGeom prst="rect">
+            <a:avLst/>
+          </a:prstGeom>
+        </p:spPr>
+      </p:pic>
+      <p:pic>
+        <p:nvPicPr>
+          <p:cNvPr id="6" name="Picture 5"/>
+          <p:cNvPicPr>
+            <a:picLocks noChangeAspect="1"/>
+          </p:cNvPicPr>
+          <p:nvPr/>
+        </p:nvPicPr>
+        <p:blipFill>
+          <a:blip r:embed="rId3"/>
+          <a:stretch>
+            <a:fillRect/>
+          </a:stretch>
+        </p:blipFill>
+        <p:spPr>
+          <a:xfrm>
+            <a:off x="457200" y="3543300"/>
+            <a:ext cx="5033286" cy="2667000"/>
+          </a:xfrm>
+          <a:prstGeom prst="rect">
+            <a:avLst/>
+          </a:prstGeom>
+        </p:spPr>
+      </p:pic>
+      <p:pic>
+        <p:nvPicPr>
+          <p:cNvPr id="7" name="Picture 6"/>
+          <p:cNvPicPr>
+            <a:picLocks noChangeAspect="1"/>
+          </p:cNvPicPr>
+          <p:nvPr/>
+        </p:nvPicPr>
+        <p:blipFill>
+          <a:blip r:embed="rId4"/>
+          <a:stretch>
+            <a:fillRect/>
+          </a:stretch>
+        </p:blipFill>
+        <p:spPr>
+          <a:xfrm>
+            <a:off x="3869932" y="1940718"/>
+            <a:ext cx="4816868" cy="2747963"/>
+          </a:xfrm>
+          <a:prstGeom prst="rect">
+            <a:avLst/>
+          </a:prstGeom>
+        </p:spPr>
+      </p:pic>
     </p:spTree>
     <p:extLst>
       <p:ext uri="{BB962C8B-B14F-4D97-AF65-F5344CB8AC3E}">
-        <p14:creationId xmlns:p14="http://schemas.microsoft.com/office/powerpoint/2010/main" val="122697664"/>
+        <p14:creationId xmlns:p14="http://schemas.microsoft.com/office/powerpoint/2010/main" val="283490581"/>
       </p:ext>
     </p:extLst>
   </p:cSld>
@@ -3623,6 +7664,142 @@
   <p:transition>
     <p:fade/>
   </p:transition>
+  <p:timing>
+    <p:tnLst>
+      <p:par>
+        <p:cTn id="1" dur="indefinite" restart="never" nodeType="tmRoot">
+          <p:childTnLst>
+            <p:seq concurrent="1" nextAc="seek">
+              <p:cTn id="2" dur="indefinite" nodeType="mainSeq">
+                <p:childTnLst>
+                  <p:par>
+                    <p:cTn id="3" fill="hold">
+                      <p:stCondLst>
+                        <p:cond delay="indefinite"/>
+                      </p:stCondLst>
+                      <p:childTnLst>
+                        <p:par>
+                          <p:cTn id="4" fill="hold">
+                            <p:stCondLst>
+                              <p:cond delay="0"/>
+                            </p:stCondLst>
+                            <p:childTnLst>
+                              <p:par>
+                                <p:cTn id="5" presetID="10" presetClass="entr" presetSubtype="0" fill="hold" nodeType="clickEffect">
+                                  <p:stCondLst>
+                                    <p:cond delay="0"/>
+                                  </p:stCondLst>
+                                  <p:childTnLst>
+                                    <p:set>
+                                      <p:cBhvr>
+                                        <p:cTn id="6" dur="1" fill="hold">
+                                          <p:stCondLst>
+                                            <p:cond delay="0"/>
+                                          </p:stCondLst>
+                                        </p:cTn>
+                                        <p:tgtEl>
+                                          <p:spTgt spid="6"/>
+                                        </p:tgtEl>
+                                        <p:attrNameLst>
+                                          <p:attrName>style.visibility</p:attrName>
+                                        </p:attrNameLst>
+                                      </p:cBhvr>
+                                      <p:to>
+                                        <p:strVal val="visible"/>
+                                      </p:to>
+                                    </p:set>
+                                    <p:animEffect transition="in" filter="fade">
+                                      <p:cBhvr>
+                                        <p:cTn id="7" dur="500"/>
+                                        <p:tgtEl>
+                                          <p:spTgt spid="6"/>
+                                        </p:tgtEl>
+                                      </p:cBhvr>
+                                    </p:animEffect>
+                                  </p:childTnLst>
+                                </p:cTn>
+                              </p:par>
+                            </p:childTnLst>
+                          </p:cTn>
+                        </p:par>
+                      </p:childTnLst>
+                    </p:cTn>
+                  </p:par>
+                  <p:par>
+                    <p:cTn id="8" fill="hold">
+                      <p:stCondLst>
+                        <p:cond delay="indefinite"/>
+                      </p:stCondLst>
+                      <p:childTnLst>
+                        <p:par>
+                          <p:cTn id="9" fill="hold">
+                            <p:stCondLst>
+                              <p:cond delay="0"/>
+                            </p:stCondLst>
+                            <p:childTnLst>
+                              <p:par>
+                                <p:cTn id="10" presetID="10" presetClass="entr" presetSubtype="0" fill="hold" nodeType="clickEffect">
+                                  <p:stCondLst>
+                                    <p:cond delay="0"/>
+                                  </p:stCondLst>
+                                  <p:childTnLst>
+                                    <p:set>
+                                      <p:cBhvr>
+                                        <p:cTn id="11" dur="1" fill="hold">
+                                          <p:stCondLst>
+                                            <p:cond delay="0"/>
+                                          </p:stCondLst>
+                                        </p:cTn>
+                                        <p:tgtEl>
+                                          <p:spTgt spid="7"/>
+                                        </p:tgtEl>
+                                        <p:attrNameLst>
+                                          <p:attrName>style.visibility</p:attrName>
+                                        </p:attrNameLst>
+                                      </p:cBhvr>
+                                      <p:to>
+                                        <p:strVal val="visible"/>
+                                      </p:to>
+                                    </p:set>
+                                    <p:animEffect transition="in" filter="fade">
+                                      <p:cBhvr>
+                                        <p:cTn id="12" dur="500"/>
+                                        <p:tgtEl>
+                                          <p:spTgt spid="7"/>
+                                        </p:tgtEl>
+                                      </p:cBhvr>
+                                    </p:animEffect>
+                                  </p:childTnLst>
+                                </p:cTn>
+                              </p:par>
+                            </p:childTnLst>
+                          </p:cTn>
+                        </p:par>
+                      </p:childTnLst>
+                    </p:cTn>
+                  </p:par>
+                </p:childTnLst>
+              </p:cTn>
+              <p:prevCondLst>
+                <p:cond evt="onPrev" delay="0">
+                  <p:tgtEl>
+                    <p:sldTgt/>
+                  </p:tgtEl>
+                </p:cond>
+              </p:prevCondLst>
+              <p:nextCondLst>
+                <p:cond evt="onNext" delay="0">
+                  <p:tgtEl>
+                    <p:sldTgt/>
+                  </p:tgtEl>
+                </p:cond>
+              </p:nextCondLst>
+            </p:seq>
+          </p:childTnLst>
+        </p:cTn>
+      </p:par>
+    </p:tnLst>
+  </p:timing>
 </p:sld>
 </file>
 
@@ -3658,11 +7835,7 @@
           <a:bodyPr/>
           <a:lstStyle/>
           <a:p>
-            <a:r>
-              <a:rPr lang="en-US" dirty="0" smtClean="0"/>
-              <a:t>Core Directives</a:t>
-            </a:r>
-            <a:endParaRPr lang="en-US" dirty="0"/>
+            <a:endParaRPr lang="en-US"/>
           </a:p>
         </p:txBody>
       </p:sp>
@@ -3681,32 +7854,84 @@
           <a:bodyPr/>
           <a:lstStyle/>
           <a:p>
-            <a:r>
-              <a:rPr lang="en-US" dirty="0" err="1" smtClean="0"/>
-              <a:t>ngApp</a:t>
-            </a:r>
-            <a:endParaRPr lang="en-US" dirty="0" smtClean="0"/>
-          </a:p>
-          <a:p>
-            <a:r>
-              <a:rPr lang="en-US" dirty="0" err="1" smtClean="0"/>
-              <a:t>ngController</a:t>
-            </a:r>
-            <a:endParaRPr lang="en-US" dirty="0" smtClean="0"/>
-          </a:p>
-          <a:p>
-            <a:r>
-              <a:rPr lang="en-US" dirty="0" err="1" smtClean="0"/>
-              <a:t>ngForm</a:t>
-            </a:r>
             <a:endParaRPr lang="en-US" dirty="0"/>
+          </a:p>
+        </p:txBody>
+      </p:sp>
+      <p:pic>
+        <p:nvPicPr>
+          <p:cNvPr id="4" name="Picture 3"/>
+          <p:cNvPicPr>
+            <a:picLocks noChangeAspect="1"/>
+          </p:cNvPicPr>
+          <p:nvPr/>
+        </p:nvPicPr>
+        <p:blipFill>
+          <a:blip r:embed="rId2"/>
+          <a:stretch>
+            <a:fillRect/>
+          </a:stretch>
+        </p:blipFill>
+        <p:spPr>
+          <a:xfrm>
+            <a:off x="2095500" y="2266950"/>
+            <a:ext cx="4953000" cy="2324100"/>
+          </a:xfrm>
+          <a:prstGeom prst="rect">
+            <a:avLst/>
+          </a:prstGeom>
+        </p:spPr>
+      </p:pic>
+      <p:sp>
+        <p:nvSpPr>
+          <p:cNvPr id="5" name="Right Arrow 4"/>
+          <p:cNvSpPr/>
+          <p:nvPr/>
+        </p:nvSpPr>
+        <p:spPr bwMode="auto">
+          <a:xfrm>
+            <a:off x="1524000" y="3962400"/>
+            <a:ext cx="1066800" cy="381000"/>
+          </a:xfrm>
+          <a:prstGeom prst="rightArrow">
+            <a:avLst/>
+          </a:prstGeom>
+          <a:ln>
+            <a:headEnd/>
+            <a:tailEnd/>
+          </a:ln>
+        </p:spPr>
+        <p:style>
+          <a:lnRef idx="2">
+            <a:schemeClr val="accent1">
+              <a:shade val="50000"/>
+            </a:schemeClr>
+          </a:lnRef>
+          <a:fillRef idx="1">
+            <a:schemeClr val="accent1"/>
+          </a:fillRef>
+          <a:effectRef idx="0">
+            <a:schemeClr val="accent1"/>
+          </a:effectRef>
+          <a:fontRef idx="minor">
+            <a:schemeClr val="lt1"/>
+          </a:fontRef>
+        </p:style>
+        <p:txBody>
+          <a:bodyPr wrap="none" rtlCol="0" anchor="ctr"/>
+          <a:lstStyle/>
+          <a:p>
+            <a:pPr algn="ctr"/>
+            <a:endParaRPr lang="en-US" sz="2000" dirty="0">
+              <a:latin typeface="Tekton Pro" pitchFamily="34" charset="0"/>
+            </a:endParaRPr>
           </a:p>
         </p:txBody>
       </p:sp>
     </p:spTree>
     <p:extLst>
       <p:ext uri="{BB962C8B-B14F-4D97-AF65-F5344CB8AC3E}">
-        <p14:creationId xmlns:p14="http://schemas.microsoft.com/office/powerpoint/2010/main" val="4274704447"/>
+        <p14:creationId xmlns:p14="http://schemas.microsoft.com/office/powerpoint/2010/main" val="2530123933"/>
       </p:ext>
     </p:extLst>
   </p:cSld>
@@ -3716,6 +7941,92 @@
   <p:transition>
     <p:fade/>
   </p:transition>
+  <p:timing>
+    <p:tnLst>
+      <p:par>
+        <p:cTn id="1" dur="indefinite" restart="never" nodeType="tmRoot">
+          <p:childTnLst>
+            <p:seq concurrent="1" nextAc="seek">
+              <p:cTn id="2" dur="indefinite" nodeType="mainSeq">
+                <p:childTnLst>
+                  <p:par>
+                    <p:cTn id="3" fill="hold">
+                      <p:stCondLst>
+                        <p:cond delay="indefinite"/>
+                      </p:stCondLst>
+                      <p:childTnLst>
+                        <p:par>
+                          <p:cTn id="4" fill="hold">
+                            <p:stCondLst>
+                              <p:cond delay="0"/>
+                            </p:stCondLst>
+                            <p:childTnLst>
+                              <p:par>
+                                <p:cTn id="5" presetID="10" presetClass="entr" presetSubtype="0" fill="hold" grpId="0" nodeType="clickEffect">
+                                  <p:stCondLst>
+                                    <p:cond delay="0"/>
+                                  </p:stCondLst>
+                                  <p:childTnLst>
+                                    <p:set>
+                                      <p:cBhvr>
+                                        <p:cTn id="6" dur="1" fill="hold">
+                                          <p:stCondLst>
+                                            <p:cond delay="0"/>
+                                          </p:stCondLst>
+                                        </p:cTn>
+                                        <p:tgtEl>
+                                          <p:spTgt spid="5"/>
+                                        </p:tgtEl>
+                                        <p:attrNameLst>
+                                          <p:attrName>style.visibility</p:attrName>
+                                        </p:attrNameLst>
+                                      </p:cBhvr>
+                                      <p:to>
+                                        <p:strVal val="visible"/>
+                                      </p:to>
+                                    </p:set>
+                                    <p:animEffect transition="in" filter="fade">
+                                      <p:cBhvr>
+                                        <p:cTn id="7" dur="500"/>
+                                        <p:tgtEl>
+                                          <p:spTgt spid="5"/>
+                                        </p:tgtEl>
+                                      </p:cBhvr>
+                                    </p:animEffect>
+                                  </p:childTnLst>
+                                </p:cTn>
+                              </p:par>
+                            </p:childTnLst>
+                          </p:cTn>
+                        </p:par>
+                      </p:childTnLst>
+                    </p:cTn>
+                  </p:par>
+                </p:childTnLst>
+              </p:cTn>
+              <p:prevCondLst>
+                <p:cond evt="onPrev" delay="0">
+                  <p:tgtEl>
+                    <p:sldTgt/>
+                  </p:tgtEl>
+                </p:cond>
+              </p:prevCondLst>
+              <p:nextCondLst>
+                <p:cond evt="onNext" delay="0">
+                  <p:tgtEl>
+                    <p:sldTgt/>
+                  </p:tgtEl>
+                </p:cond>
+              </p:nextCondLst>
+            </p:seq>
+          </p:childTnLst>
+        </p:cTn>
+      </p:par>
+    </p:tnLst>
+    <p:bldLst>
+      <p:bldP spid="5" grpId="0" animBg="1"/>
+    </p:bldLst>
+  </p:timing>
 </p:sld>
 </file>
 
@@ -3753,7 +8064,7 @@
           <a:p>
             <a:r>
               <a:rPr lang="en-US" dirty="0" smtClean="0"/>
-              <a:t>Custom Directives</a:t>
+              <a:t>HTML versus Directives</a:t>
             </a:r>
             <a:endParaRPr lang="en-US" dirty="0"/>
           </a:p>
@@ -3774,11 +8085,7 @@
           <a:bodyPr/>
           <a:lstStyle/>
           <a:p>
-            <a:r>
-              <a:rPr lang="en-US" dirty="0" smtClean="0"/>
-              <a:t>Use a Directive Definition Object</a:t>
-            </a:r>
-            <a:endParaRPr lang="en-US" dirty="0"/>
+            <a:endParaRPr lang="en-US"/>
           </a:p>
         </p:txBody>
       </p:sp>
@@ -3791,47 +8098,49 @@
           <p:nvPr/>
         </p:nvPicPr>
         <p:blipFill>
-          <a:blip r:embed="rId2">
-            <a:extLst>
-              <a:ext uri="{BEBA8EAE-BF5A-486C-A8C5-ECC9F3942E4B}">
-                <a14:imgProps xmlns:a14="http://schemas.microsoft.com/office/drawing/2010/main">
-                  <a14:imgLayer r:embed="rId3">
-                    <a14:imgEffect>
-                      <a14:colorTemperature colorTemp="11200"/>
-                    </a14:imgEffect>
-                  </a14:imgLayer>
-                </a14:imgProps>
-              </a:ext>
-            </a:extLst>
-          </a:blip>
+          <a:blip r:embed="rId2"/>
           <a:stretch>
             <a:fillRect/>
           </a:stretch>
         </p:blipFill>
         <p:spPr>
           <a:xfrm>
-            <a:off x="1204912" y="1981200"/>
-            <a:ext cx="6734175" cy="4489450"/>
+            <a:off x="180753" y="1468916"/>
+            <a:ext cx="8782493" cy="1371600"/>
           </a:xfrm>
           <a:prstGeom prst="rect">
             <a:avLst/>
           </a:prstGeom>
-          <a:ln>
-            <a:noFill/>
-          </a:ln>
-          <a:effectLst>
-            <a:outerShdw blurRad="292100" dist="139700" dir="2700000" algn="tl" rotWithShape="0">
-              <a:srgbClr val="333333">
-                <a:alpha val="65000"/>
-              </a:srgbClr>
-            </a:outerShdw>
-          </a:effectLst>
+        </p:spPr>
+      </p:pic>
+      <p:pic>
+        <p:nvPicPr>
+          <p:cNvPr id="5" name="Picture 4"/>
+          <p:cNvPicPr>
+            <a:picLocks noChangeAspect="1"/>
+          </p:cNvPicPr>
+          <p:nvPr/>
+        </p:nvPicPr>
+        <p:blipFill>
+          <a:blip r:embed="rId3"/>
+          <a:stretch>
+            <a:fillRect/>
+          </a:stretch>
+        </p:blipFill>
+        <p:spPr>
+          <a:xfrm>
+            <a:off x="645134" y="3505200"/>
+            <a:ext cx="7853729" cy="1028700"/>
+          </a:xfrm>
+          <a:prstGeom prst="rect">
+            <a:avLst/>
+          </a:prstGeom>
         </p:spPr>
       </p:pic>
     </p:spTree>
     <p:extLst>
       <p:ext uri="{BB962C8B-B14F-4D97-AF65-F5344CB8AC3E}">
-        <p14:creationId xmlns:p14="http://schemas.microsoft.com/office/powerpoint/2010/main" val="2171904562"/>
+        <p14:creationId xmlns:p14="http://schemas.microsoft.com/office/powerpoint/2010/main" val="2382698944"/>
       </p:ext>
     </p:extLst>
   </p:cSld>
@@ -3841,6 +8150,142 @@
   <p:transition>
     <p:fade/>
   </p:transition>
+  <p:timing>
+    <p:tnLst>
+      <p:par>
+        <p:cTn id="1" dur="indefinite" restart="never" nodeType="tmRoot">
+          <p:childTnLst>
+            <p:seq concurrent="1" nextAc="seek">
+              <p:cTn id="2" dur="indefinite" nodeType="mainSeq">
+                <p:childTnLst>
+                  <p:par>
+                    <p:cTn id="3" fill="hold">
+                      <p:stCondLst>
+                        <p:cond delay="indefinite"/>
+                      </p:stCondLst>
+                      <p:childTnLst>
+                        <p:par>
+                          <p:cTn id="4" fill="hold">
+                            <p:stCondLst>
+                              <p:cond delay="0"/>
+                            </p:stCondLst>
+                            <p:childTnLst>
+                              <p:par>
+                                <p:cTn id="5" presetID="10" presetClass="entr" presetSubtype="0" fill="hold" nodeType="clickEffect">
+                                  <p:stCondLst>
+                                    <p:cond delay="0"/>
+                                  </p:stCondLst>
+                                  <p:childTnLst>
+                                    <p:set>
+                                      <p:cBhvr>
+                                        <p:cTn id="6" dur="1" fill="hold">
+                                          <p:stCondLst>
+                                            <p:cond delay="0"/>
+                                          </p:stCondLst>
+                                        </p:cTn>
+                                        <p:tgtEl>
+                                          <p:spTgt spid="4"/>
+                                        </p:tgtEl>
+                                        <p:attrNameLst>
+                                          <p:attrName>style.visibility</p:attrName>
+                                        </p:attrNameLst>
+                                      </p:cBhvr>
+                                      <p:to>
+                                        <p:strVal val="visible"/>
+                                      </p:to>
+                                    </p:set>
+                                    <p:animEffect transition="in" filter="fade">
+                                      <p:cBhvr>
+                                        <p:cTn id="7" dur="500"/>
+                                        <p:tgtEl>
+                                          <p:spTgt spid="4"/>
+                                        </p:tgtEl>
+                                      </p:cBhvr>
+                                    </p:animEffect>
+                                  </p:childTnLst>
+                                </p:cTn>
+                              </p:par>
+                            </p:childTnLst>
+                          </p:cTn>
+                        </p:par>
+                      </p:childTnLst>
+                    </p:cTn>
+                  </p:par>
+                  <p:par>
+                    <p:cTn id="8" fill="hold">
+                      <p:stCondLst>
+                        <p:cond delay="indefinite"/>
+                      </p:stCondLst>
+                      <p:childTnLst>
+                        <p:par>
+                          <p:cTn id="9" fill="hold">
+                            <p:stCondLst>
+                              <p:cond delay="0"/>
+                            </p:stCondLst>
+                            <p:childTnLst>
+                              <p:par>
+                                <p:cTn id="10" presetID="10" presetClass="entr" presetSubtype="0" fill="hold" nodeType="clickEffect">
+                                  <p:stCondLst>
+                                    <p:cond delay="0"/>
+                                  </p:stCondLst>
+                                  <p:childTnLst>
+                                    <p:set>
+                                      <p:cBhvr>
+                                        <p:cTn id="11" dur="1" fill="hold">
+                                          <p:stCondLst>
+                                            <p:cond delay="0"/>
+                                          </p:stCondLst>
+                                        </p:cTn>
+                                        <p:tgtEl>
+                                          <p:spTgt spid="5"/>
+                                        </p:tgtEl>
+                                        <p:attrNameLst>
+                                          <p:attrName>style.visibility</p:attrName>
+                                        </p:attrNameLst>
+                                      </p:cBhvr>
+                                      <p:to>
+                                        <p:strVal val="visible"/>
+                                      </p:to>
+                                    </p:set>
+                                    <p:animEffect transition="in" filter="fade">
+                                      <p:cBhvr>
+                                        <p:cTn id="12" dur="500"/>
+                                        <p:tgtEl>
+                                          <p:spTgt spid="5"/>
+                                        </p:tgtEl>
+                                      </p:cBhvr>
+                                    </p:animEffect>
+                                  </p:childTnLst>
+                                </p:cTn>
+                              </p:par>
+                            </p:childTnLst>
+                          </p:cTn>
+                        </p:par>
+                      </p:childTnLst>
+                    </p:cTn>
+                  </p:par>
+                </p:childTnLst>
+              </p:cTn>
+              <p:prevCondLst>
+                <p:cond evt="onPrev" delay="0">
+                  <p:tgtEl>
+                    <p:sldTgt/>
+                  </p:tgtEl>
+                </p:cond>
+              </p:prevCondLst>
+              <p:nextCondLst>
+                <p:cond evt="onNext" delay="0">
+                  <p:tgtEl>
+                    <p:sldTgt/>
+                  </p:tgtEl>
+                </p:cond>
+              </p:nextCondLst>
+            </p:seq>
+          </p:childTnLst>
+        </p:cTn>
+      </p:par>
+    </p:tnLst>
+  </p:timing>
 </p:sld>
 </file>
 
@@ -3878,7 +8323,7 @@
           <a:p>
             <a:r>
               <a:rPr lang="en-US" dirty="0" smtClean="0"/>
-              <a:t>Names</a:t>
+              <a:t>Directives: Restrict</a:t>
             </a:r>
             <a:endParaRPr lang="en-US" dirty="0"/>
           </a:p>
@@ -3901,23 +8346,82 @@
           <a:p>
             <a:r>
               <a:rPr lang="en-US" dirty="0" smtClean="0"/>
-              <a:t>Best to use a prefix</a:t>
-            </a:r>
-          </a:p>
-          <a:p>
-            <a:pPr lvl="1"/>
+              <a:t>E – element</a:t>
+            </a:r>
+          </a:p>
+          <a:p>
             <a:r>
               <a:rPr lang="en-US" dirty="0" smtClean="0"/>
-              <a:t>Avoid clashes with over libraries or future specifications</a:t>
+              <a:t>A – attribute</a:t>
+            </a:r>
+          </a:p>
+          <a:p>
+            <a:r>
+              <a:rPr lang="en-US" dirty="0" smtClean="0"/>
+              <a:t>C – class (useful for integration)</a:t>
+            </a:r>
+          </a:p>
+          <a:p>
+            <a:r>
+              <a:rPr lang="en-US" dirty="0" smtClean="0"/>
+              <a:t>M – comment (don’t use)</a:t>
             </a:r>
             <a:endParaRPr lang="en-US" dirty="0"/>
           </a:p>
         </p:txBody>
       </p:sp>
+      <p:pic>
+        <p:nvPicPr>
+          <p:cNvPr id="4" name="Picture 3"/>
+          <p:cNvPicPr>
+            <a:picLocks noChangeAspect="1"/>
+          </p:cNvPicPr>
+          <p:nvPr/>
+        </p:nvPicPr>
+        <p:blipFill>
+          <a:blip r:embed="rId2"/>
+          <a:stretch>
+            <a:fillRect/>
+          </a:stretch>
+        </p:blipFill>
+        <p:spPr>
+          <a:xfrm>
+            <a:off x="762000" y="3276600"/>
+            <a:ext cx="4371975" cy="1238250"/>
+          </a:xfrm>
+          <a:prstGeom prst="rect">
+            <a:avLst/>
+          </a:prstGeom>
+        </p:spPr>
+      </p:pic>
+      <p:pic>
+        <p:nvPicPr>
+          <p:cNvPr id="5" name="Picture 4"/>
+          <p:cNvPicPr>
+            <a:picLocks noChangeAspect="1"/>
+          </p:cNvPicPr>
+          <p:nvPr/>
+        </p:nvPicPr>
+        <p:blipFill>
+          <a:blip r:embed="rId3"/>
+          <a:stretch>
+            <a:fillRect/>
+          </a:stretch>
+        </p:blipFill>
+        <p:spPr>
+          <a:xfrm>
+            <a:off x="2514600" y="4724400"/>
+            <a:ext cx="6477000" cy="1762125"/>
+          </a:xfrm>
+          <a:prstGeom prst="rect">
+            <a:avLst/>
+          </a:prstGeom>
+        </p:spPr>
+      </p:pic>
     </p:spTree>
     <p:extLst>
       <p:ext uri="{BB962C8B-B14F-4D97-AF65-F5344CB8AC3E}">
-        <p14:creationId xmlns:p14="http://schemas.microsoft.com/office/powerpoint/2010/main" val="3680186656"/>
+        <p14:creationId xmlns:p14="http://schemas.microsoft.com/office/powerpoint/2010/main" val="2662719857"/>
       </p:ext>
     </p:extLst>
   </p:cSld>
@@ -3927,6 +8431,126 @@
   <p:transition>
     <p:fade/>
   </p:transition>
+  <p:timing>
+    <p:tnLst>
+      <p:par>
+        <p:cTn id="1" dur="indefinite" restart="never" nodeType="tmRoot">
+          <p:childTnLst>
+            <p:seq concurrent="1" nextAc="seek">
+              <p:cTn id="2" dur="indefinite" nodeType="mainSeq">
+                <p:childTnLst>
+                  <p:par>
+                    <p:cTn id="3" fill="hold">
+                      <p:stCondLst>
+                        <p:cond delay="indefinite"/>
+                      </p:stCondLst>
+                      <p:childTnLst>
+                        <p:par>
+                          <p:cTn id="4" fill="hold">
+                            <p:stCondLst>
+                              <p:cond delay="0"/>
+                            </p:stCondLst>
+                            <p:childTnLst>
+                              <p:par>
+                                <p:cTn id="5" presetID="1" presetClass="entr" presetSubtype="0" fill="hold" nodeType="clickEffect">
+                                  <p:stCondLst>
+                                    <p:cond delay="0"/>
+                                  </p:stCondLst>
+                                  <p:childTnLst>
+                                    <p:set>
+                                      <p:cBhvr>
+                                        <p:cTn id="6" dur="1" fill="hold">
+                                          <p:stCondLst>
+                                            <p:cond delay="0"/>
+                                          </p:stCondLst>
+                                        </p:cTn>
+                                        <p:tgtEl>
+                                          <p:spTgt spid="4"/>
+                                        </p:tgtEl>
+                                        <p:attrNameLst>
+                                          <p:attrName>style.visibility</p:attrName>
+                                        </p:attrNameLst>
+                                      </p:cBhvr>
+                                      <p:to>
+                                        <p:strVal val="visible"/>
+                                      </p:to>
+                                    </p:set>
+                                  </p:childTnLst>
+                                </p:cTn>
+                              </p:par>
+                            </p:childTnLst>
+                          </p:cTn>
+                        </p:par>
+                      </p:childTnLst>
+                    </p:cTn>
+                  </p:par>
+                  <p:par>
+                    <p:cTn id="7" fill="hold">
+                      <p:stCondLst>
+                        <p:cond delay="indefinite"/>
+                      </p:stCondLst>
+                      <p:childTnLst>
+                        <p:par>
+                          <p:cTn id="8" fill="hold">
+                            <p:stCondLst>
+                              <p:cond delay="0"/>
+                            </p:stCondLst>
+                            <p:childTnLst>
+                              <p:par>
+                                <p:cTn id="9" presetID="1" presetClass="entr" presetSubtype="0" fill="hold" nodeType="clickEffect">
+                                  <p:stCondLst>
+                                    <p:cond delay="0"/>
+                                  </p:stCondLst>
+                                  <p:childTnLst>
+                                    <p:set>
+                                      <p:cBhvr>
+                                        <p:cTn id="10" dur="1" fill="hold">
+                                          <p:stCondLst>
+                                            <p:cond delay="0"/>
+                                          </p:stCondLst>
+                                        </p:cTn>
+                                        <p:tgtEl>
+                                          <p:spTgt spid="5"/>
+                                        </p:tgtEl>
+                                        <p:attrNameLst>
+                                          <p:attrName>style.visibility</p:attrName>
+                                        </p:attrNameLst>
+                                      </p:cBhvr>
+                                      <p:to>
+                                        <p:strVal val="visible"/>
+                                      </p:to>
+                                    </p:set>
+                                  </p:childTnLst>
+                                </p:cTn>
+                              </p:par>
+                            </p:childTnLst>
+                          </p:cTn>
+                        </p:par>
+                      </p:childTnLst>
+                    </p:cTn>
+                  </p:par>
+                </p:childTnLst>
+              </p:cTn>
+              <p:prevCondLst>
+                <p:cond evt="onPrev" delay="0">
+                  <p:tgtEl>
+                    <p:sldTgt/>
+                  </p:tgtEl>
+                </p:cond>
+              </p:prevCondLst>
+              <p:nextCondLst>
+                <p:cond evt="onNext" delay="0">
+                  <p:tgtEl>
+                    <p:sldTgt/>
+                  </p:tgtEl>
+                </p:cond>
+              </p:nextCondLst>
+            </p:seq>
+          </p:childTnLst>
+        </p:cTn>
+      </p:par>
+    </p:tnLst>
+  </p:timing>
 </p:sld>
 </file>
 
@@ -3963,12 +8587,8 @@
           <a:lstStyle/>
           <a:p>
             <a:r>
-              <a:rPr lang="en-US" dirty="0" err="1"/>
-              <a:t>a</a:t>
-            </a:r>
-            <a:r>
-              <a:rPr lang="en-US" dirty="0" err="1" smtClean="0"/>
-              <a:t>ngular.element</a:t>
+              <a:rPr lang="en-US" dirty="0" smtClean="0"/>
+              <a:t>Directive Templates</a:t>
             </a:r>
             <a:endParaRPr lang="en-US" dirty="0"/>
           </a:p>
@@ -3991,14 +8611,19 @@
           <a:p>
             <a:r>
               <a:rPr lang="en-US" dirty="0" smtClean="0"/>
-              <a:t>jQuery Lite (or jQuery) API</a:t>
-            </a:r>
-          </a:p>
-          <a:p>
-            <a:pPr lvl="1"/>
+              <a:t>Inline or URL</a:t>
+            </a:r>
+          </a:p>
+          <a:p>
             <a:r>
               <a:rPr lang="en-US" dirty="0" smtClean="0"/>
-              <a:t>The 20% of jQuery you use 80% of the time</a:t>
+              <a:t>Cached</a:t>
+            </a:r>
+          </a:p>
+          <a:p>
+            <a:r>
+              <a:rPr lang="en-US" dirty="0" smtClean="0"/>
+              <a:t>Grunt-angular-templates can pre-load templates</a:t>
             </a:r>
             <a:endParaRPr lang="en-US" dirty="0"/>
           </a:p>
@@ -4020,28 +8645,42 @@
         </p:blipFill>
         <p:spPr>
           <a:xfrm>
-            <a:off x="2714625" y="3067050"/>
-            <a:ext cx="3714750" cy="628650"/>
+            <a:off x="714375" y="2828925"/>
+            <a:ext cx="4391025" cy="1514475"/>
           </a:xfrm>
           <a:prstGeom prst="rect">
             <a:avLst/>
           </a:prstGeom>
-          <a:ln>
-            <a:noFill/>
-          </a:ln>
-          <a:effectLst>
-            <a:outerShdw blurRad="292100" dist="139700" dir="2700000" algn="tl" rotWithShape="0">
-              <a:srgbClr val="333333">
-                <a:alpha val="65000"/>
-              </a:srgbClr>
-            </a:outerShdw>
-          </a:effectLst>
+        </p:spPr>
+      </p:pic>
+      <p:pic>
+        <p:nvPicPr>
+          <p:cNvPr id="6" name="Picture 5"/>
+          <p:cNvPicPr>
+            <a:picLocks noChangeAspect="1"/>
+          </p:cNvPicPr>
+          <p:nvPr/>
+        </p:nvPicPr>
+        <p:blipFill>
+          <a:blip r:embed="rId3"/>
+          <a:stretch>
+            <a:fillRect/>
+          </a:stretch>
+        </p:blipFill>
+        <p:spPr>
+          <a:xfrm>
+            <a:off x="876300" y="4648200"/>
+            <a:ext cx="4076700" cy="1533525"/>
+          </a:xfrm>
+          <a:prstGeom prst="rect">
+            <a:avLst/>
+          </a:prstGeom>
         </p:spPr>
       </p:pic>
     </p:spTree>
     <p:extLst>
       <p:ext uri="{BB962C8B-B14F-4D97-AF65-F5344CB8AC3E}">
-        <p14:creationId xmlns:p14="http://schemas.microsoft.com/office/powerpoint/2010/main" val="1616011012"/>
+        <p14:creationId xmlns:p14="http://schemas.microsoft.com/office/powerpoint/2010/main" val="2279747089"/>
       </p:ext>
     </p:extLst>
   </p:cSld>
@@ -4051,6 +8690,126 @@
   <p:transition>
     <p:fade/>
   </p:transition>
+  <p:timing>
+    <p:tnLst>
+      <p:par>
+        <p:cTn id="1" dur="indefinite" restart="never" nodeType="tmRoot">
+          <p:childTnLst>
+            <p:seq concurrent="1" nextAc="seek">
+              <p:cTn id="2" dur="indefinite" nodeType="mainSeq">
+                <p:childTnLst>
+                  <p:par>
+                    <p:cTn id="3" fill="hold">
+                      <p:stCondLst>
+                        <p:cond delay="indefinite"/>
+                      </p:stCondLst>
+                      <p:childTnLst>
+                        <p:par>
+                          <p:cTn id="4" fill="hold">
+                            <p:stCondLst>
+                              <p:cond delay="0"/>
+                            </p:stCondLst>
+                            <p:childTnLst>
+                              <p:par>
+                                <p:cTn id="5" presetID="1" presetClass="entr" presetSubtype="0" fill="hold" nodeType="clickEffect">
+                                  <p:stCondLst>
+                                    <p:cond delay="0"/>
+                                  </p:stCondLst>
+                                  <p:childTnLst>
+                                    <p:set>
+                                      <p:cBhvr>
+                                        <p:cTn id="6" dur="1" fill="hold">
+                                          <p:stCondLst>
+                                            <p:cond delay="0"/>
+                                          </p:stCondLst>
+                                        </p:cTn>
+                                        <p:tgtEl>
+                                          <p:spTgt spid="4"/>
+                                        </p:tgtEl>
+                                        <p:attrNameLst>
+                                          <p:attrName>style.visibility</p:attrName>
+                                        </p:attrNameLst>
+                                      </p:cBhvr>
+                                      <p:to>
+                                        <p:strVal val="visible"/>
+                                      </p:to>
+                                    </p:set>
+                                  </p:childTnLst>
+                                </p:cTn>
+                              </p:par>
+                            </p:childTnLst>
+                          </p:cTn>
+                        </p:par>
+                      </p:childTnLst>
+                    </p:cTn>
+                  </p:par>
+                  <p:par>
+                    <p:cTn id="7" fill="hold">
+                      <p:stCondLst>
+                        <p:cond delay="indefinite"/>
+                      </p:stCondLst>
+                      <p:childTnLst>
+                        <p:par>
+                          <p:cTn id="8" fill="hold">
+                            <p:stCondLst>
+                              <p:cond delay="0"/>
+                            </p:stCondLst>
+                            <p:childTnLst>
+                              <p:par>
+                                <p:cTn id="9" presetID="1" presetClass="entr" presetSubtype="0" fill="hold" nodeType="clickEffect">
+                                  <p:stCondLst>
+                                    <p:cond delay="0"/>
+                                  </p:stCondLst>
+                                  <p:childTnLst>
+                                    <p:set>
+                                      <p:cBhvr>
+                                        <p:cTn id="10" dur="1" fill="hold">
+                                          <p:stCondLst>
+                                            <p:cond delay="0"/>
+                                          </p:stCondLst>
+                                        </p:cTn>
+                                        <p:tgtEl>
+                                          <p:spTgt spid="6"/>
+                                        </p:tgtEl>
+                                        <p:attrNameLst>
+                                          <p:attrName>style.visibility</p:attrName>
+                                        </p:attrNameLst>
+                                      </p:cBhvr>
+                                      <p:to>
+                                        <p:strVal val="visible"/>
+                                      </p:to>
+                                    </p:set>
+                                  </p:childTnLst>
+                                </p:cTn>
+                              </p:par>
+                            </p:childTnLst>
+                          </p:cTn>
+                        </p:par>
+                      </p:childTnLst>
+                    </p:cTn>
+                  </p:par>
+                </p:childTnLst>
+              </p:cTn>
+              <p:prevCondLst>
+                <p:cond evt="onPrev" delay="0">
+                  <p:tgtEl>
+                    <p:sldTgt/>
+                  </p:tgtEl>
+                </p:cond>
+              </p:prevCondLst>
+              <p:nextCondLst>
+                <p:cond evt="onNext" delay="0">
+                  <p:tgtEl>
+                    <p:sldTgt/>
+                  </p:tgtEl>
+                </p:cond>
+              </p:nextCondLst>
+            </p:seq>
+          </p:childTnLst>
+        </p:cTn>
+      </p:par>
+    </p:tnLst>
+  </p:timing>
 </p:sld>
 </file>
 
@@ -4087,8 +8846,8 @@
           <a:lstStyle/>
           <a:p>
             <a:r>
-              <a:rPr lang="en-US" dirty="0" smtClean="0"/>
-              <a:t>Directive Templates</a:t>
+              <a:rPr lang="en-US" dirty="0" err="1" smtClean="0"/>
+              <a:t>Transclusion</a:t>
             </a:r>
             <a:endParaRPr lang="en-US" dirty="0"/>
           </a:p>
@@ -4111,22 +8870,31 @@
           <a:p>
             <a:r>
               <a:rPr lang="en-US" dirty="0" smtClean="0"/>
-              <a:t>Will wrap or replace an element with the template contents</a:t>
+              <a:t>Move content from view into directive</a:t>
             </a:r>
           </a:p>
           <a:p>
             <a:r>
               <a:rPr lang="en-US" dirty="0" smtClean="0"/>
-              <a:t>Can be local (strings) or remote (</a:t>
+              <a:t>Use ng-</a:t>
             </a:r>
             <a:r>
               <a:rPr lang="en-US" dirty="0" err="1" smtClean="0"/>
-              <a:t>templateUrl</a:t>
+              <a:t>transclude</a:t>
             </a:r>
             <a:r>
               <a:rPr lang="en-US" dirty="0" smtClean="0"/>
-              <a:t>)</a:t>
-            </a:r>
+              <a:t> or </a:t>
+            </a:r>
+            <a:r>
+              <a:rPr lang="en-US" dirty="0" err="1" smtClean="0"/>
+              <a:t>transclusion</a:t>
+            </a:r>
+            <a:r>
+              <a:rPr lang="en-US" dirty="0" smtClean="0"/>
+              <a:t> function</a:t>
+            </a:r>
+            <a:endParaRPr lang="en-US" dirty="0"/>
           </a:p>
         </p:txBody>
       </p:sp>
@@ -4139,47 +8907,49 @@
           <p:nvPr/>
         </p:nvPicPr>
         <p:blipFill>
-          <a:blip r:embed="rId2">
-            <a:extLst>
-              <a:ext uri="{BEBA8EAE-BF5A-486C-A8C5-ECC9F3942E4B}">
-                <a14:imgProps xmlns:a14="http://schemas.microsoft.com/office/drawing/2010/main">
-                  <a14:imgLayer r:embed="rId3">
-                    <a14:imgEffect>
-                      <a14:colorTemperature colorTemp="11200"/>
-                    </a14:imgEffect>
-                  </a14:imgLayer>
-                </a14:imgProps>
-              </a:ext>
-            </a:extLst>
-          </a:blip>
+          <a:blip r:embed="rId2"/>
           <a:stretch>
             <a:fillRect/>
           </a:stretch>
         </p:blipFill>
         <p:spPr>
           <a:xfrm>
-            <a:off x="1042987" y="2667000"/>
-            <a:ext cx="7058025" cy="2943225"/>
+            <a:off x="457200" y="2505075"/>
+            <a:ext cx="4572000" cy="1971675"/>
           </a:xfrm>
           <a:prstGeom prst="rect">
             <a:avLst/>
           </a:prstGeom>
-          <a:ln>
-            <a:noFill/>
-          </a:ln>
-          <a:effectLst>
-            <a:outerShdw blurRad="292100" dist="139700" dir="2700000" algn="tl" rotWithShape="0">
-              <a:srgbClr val="333333">
-                <a:alpha val="65000"/>
-              </a:srgbClr>
-            </a:outerShdw>
-          </a:effectLst>
+        </p:spPr>
+      </p:pic>
+      <p:pic>
+        <p:nvPicPr>
+          <p:cNvPr id="5" name="Picture 4"/>
+          <p:cNvPicPr>
+            <a:picLocks noChangeAspect="1"/>
+          </p:cNvPicPr>
+          <p:nvPr/>
+        </p:nvPicPr>
+        <p:blipFill>
+          <a:blip r:embed="rId3"/>
+          <a:stretch>
+            <a:fillRect/>
+          </a:stretch>
+        </p:blipFill>
+        <p:spPr>
+          <a:xfrm>
+            <a:off x="4800600" y="4667250"/>
+            <a:ext cx="3645006" cy="962025"/>
+          </a:xfrm>
+          <a:prstGeom prst="rect">
+            <a:avLst/>
+          </a:prstGeom>
         </p:spPr>
       </p:pic>
     </p:spTree>
     <p:extLst>
       <p:ext uri="{BB962C8B-B14F-4D97-AF65-F5344CB8AC3E}">
-        <p14:creationId xmlns:p14="http://schemas.microsoft.com/office/powerpoint/2010/main" val="787836262"/>
+        <p14:creationId xmlns:p14="http://schemas.microsoft.com/office/powerpoint/2010/main" val="2164890449"/>
       </p:ext>
     </p:extLst>
   </p:cSld>
@@ -4189,6 +8959,126 @@
   <p:transition>
     <p:fade/>
   </p:transition>
+  <p:timing>
+    <p:tnLst>
+      <p:par>
+        <p:cTn id="1" dur="indefinite" restart="never" nodeType="tmRoot">
+          <p:childTnLst>
+            <p:seq concurrent="1" nextAc="seek">
+              <p:cTn id="2" dur="indefinite" nodeType="mainSeq">
+                <p:childTnLst>
+                  <p:par>
+                    <p:cTn id="3" fill="hold">
+                      <p:stCondLst>
+                        <p:cond delay="indefinite"/>
+                      </p:stCondLst>
+                      <p:childTnLst>
+                        <p:par>
+                          <p:cTn id="4" fill="hold">
+                            <p:stCondLst>
+                              <p:cond delay="0"/>
+                            </p:stCondLst>
+                            <p:childTnLst>
+                              <p:par>
+                                <p:cTn id="5" presetID="1" presetClass="entr" presetSubtype="0" fill="hold" nodeType="clickEffect">
+                                  <p:stCondLst>
+                                    <p:cond delay="0"/>
+                                  </p:stCondLst>
+                                  <p:childTnLst>
+                                    <p:set>
+                                      <p:cBhvr>
+                                        <p:cTn id="6" dur="1" fill="hold">
+                                          <p:stCondLst>
+                                            <p:cond delay="0"/>
+                                          </p:stCondLst>
+                                        </p:cTn>
+                                        <p:tgtEl>
+                                          <p:spTgt spid="4"/>
+                                        </p:tgtEl>
+                                        <p:attrNameLst>
+                                          <p:attrName>style.visibility</p:attrName>
+                                        </p:attrNameLst>
+                                      </p:cBhvr>
+                                      <p:to>
+                                        <p:strVal val="visible"/>
+                                      </p:to>
+                                    </p:set>
+                                  </p:childTnLst>
+                                </p:cTn>
+                              </p:par>
+                            </p:childTnLst>
+                          </p:cTn>
+                        </p:par>
+                      </p:childTnLst>
+                    </p:cTn>
+                  </p:par>
+                  <p:par>
+                    <p:cTn id="7" fill="hold">
+                      <p:stCondLst>
+                        <p:cond delay="indefinite"/>
+                      </p:stCondLst>
+                      <p:childTnLst>
+                        <p:par>
+                          <p:cTn id="8" fill="hold">
+                            <p:stCondLst>
+                              <p:cond delay="0"/>
+                            </p:stCondLst>
+                            <p:childTnLst>
+                              <p:par>
+                                <p:cTn id="9" presetID="1" presetClass="entr" presetSubtype="0" fill="hold" nodeType="clickEffect">
+                                  <p:stCondLst>
+                                    <p:cond delay="0"/>
+                                  </p:stCondLst>
+                                  <p:childTnLst>
+                                    <p:set>
+                                      <p:cBhvr>
+                                        <p:cTn id="10" dur="1" fill="hold">
+                                          <p:stCondLst>
+                                            <p:cond delay="0"/>
+                                          </p:stCondLst>
+                                        </p:cTn>
+                                        <p:tgtEl>
+                                          <p:spTgt spid="5"/>
+                                        </p:tgtEl>
+                                        <p:attrNameLst>
+                                          <p:attrName>style.visibility</p:attrName>
+                                        </p:attrNameLst>
+                                      </p:cBhvr>
+                                      <p:to>
+                                        <p:strVal val="visible"/>
+                                      </p:to>
+                                    </p:set>
+                                  </p:childTnLst>
+                                </p:cTn>
+                              </p:par>
+                            </p:childTnLst>
+                          </p:cTn>
+                        </p:par>
+                      </p:childTnLst>
+                    </p:cTn>
+                  </p:par>
+                </p:childTnLst>
+              </p:cTn>
+              <p:prevCondLst>
+                <p:cond evt="onPrev" delay="0">
+                  <p:tgtEl>
+                    <p:sldTgt/>
+                  </p:tgtEl>
+                </p:cond>
+              </p:prevCondLst>
+              <p:nextCondLst>
+                <p:cond evt="onNext" delay="0">
+                  <p:tgtEl>
+                    <p:sldTgt/>
+                  </p:tgtEl>
+                </p:cond>
+              </p:nextCondLst>
+            </p:seq>
+          </p:childTnLst>
+        </p:cTn>
+      </p:par>
+    </p:tnLst>
+  </p:timing>
 </p:sld>
 </file>
 
